--- a/BD.Proyect-Presentation.pptx
+++ b/BD.Proyect-Presentation.pptx
@@ -5,7 +5,7 @@
     <p:sldMasterId id="2147483648" r:id="rId4"/>
   </p:sldMasterIdLst>
   <p:notesMasterIdLst>
-    <p:notesMasterId r:id="rId30"/>
+    <p:notesMasterId r:id="rId16"/>
   </p:notesMasterIdLst>
   <p:sldIdLst>
     <p:sldId id="256" r:id="rId5"/>
@@ -13,40 +13,26 @@
     <p:sldId id="264" r:id="rId7"/>
     <p:sldId id="290" r:id="rId8"/>
     <p:sldId id="295" r:id="rId9"/>
-    <p:sldId id="296" r:id="rId10"/>
-    <p:sldId id="297" r:id="rId11"/>
-    <p:sldId id="304" r:id="rId12"/>
-    <p:sldId id="291" r:id="rId13"/>
-    <p:sldId id="292" r:id="rId14"/>
-    <p:sldId id="298" r:id="rId15"/>
-    <p:sldId id="305" r:id="rId16"/>
-    <p:sldId id="299" r:id="rId17"/>
-    <p:sldId id="306" r:id="rId18"/>
-    <p:sldId id="293" r:id="rId19"/>
-    <p:sldId id="294" r:id="rId20"/>
-    <p:sldId id="307" r:id="rId21"/>
-    <p:sldId id="308" r:id="rId22"/>
-    <p:sldId id="309" r:id="rId23"/>
-    <p:sldId id="301" r:id="rId24"/>
-    <p:sldId id="310" r:id="rId25"/>
-    <p:sldId id="302" r:id="rId26"/>
-    <p:sldId id="311" r:id="rId27"/>
-    <p:sldId id="303" r:id="rId28"/>
-    <p:sldId id="312" r:id="rId29"/>
+    <p:sldId id="291" r:id="rId10"/>
+    <p:sldId id="296" r:id="rId11"/>
+    <p:sldId id="297" r:id="rId12"/>
+    <p:sldId id="292" r:id="rId13"/>
+    <p:sldId id="293" r:id="rId14"/>
+    <p:sldId id="294" r:id="rId15"/>
   </p:sldIdLst>
   <p:sldSz cx="14630400" cy="8229600"/>
   <p:notesSz cx="8229600" cy="14630400"/>
   <p:embeddedFontLst>
     <p:embeddedFont>
       <p:font typeface="Fira Mono Medium" panose="020B0609050000020004" pitchFamily="49" charset="0"/>
-      <p:regular r:id="rId31"/>
+      <p:regular r:id="rId17"/>
     </p:embeddedFont>
     <p:embeddedFont>
       <p:font typeface="Fira Sans" panose="020B0503050000020004" pitchFamily="34" charset="0"/>
-      <p:regular r:id="rId32"/>
-      <p:bold r:id="rId33"/>
-      <p:italic r:id="rId34"/>
-      <p:boldItalic r:id="rId35"/>
+      <p:regular r:id="rId18"/>
+      <p:bold r:id="rId19"/>
+      <p:italic r:id="rId20"/>
+      <p:boldItalic r:id="rId21"/>
     </p:embeddedFont>
   </p:embeddedFontLst>
   <p:defaultTextStyle>
@@ -2644,7 +2630,7 @@
         <p:cNvPr id="1" name="">
           <a:extLst>
             <a:ext uri="{FF2B5EF4-FFF2-40B4-BE49-F238E27FC236}">
-              <a16:creationId xmlns:a16="http://schemas.microsoft.com/office/drawing/2014/main" id="{7C7AE7F7-DB70-4FD0-FA09-99DD6421DAC8}"/>
+              <a16:creationId xmlns:a16="http://schemas.microsoft.com/office/drawing/2014/main" id="{8A16B62A-1E5A-F87A-7AD0-E499CB881088}"/>
             </a:ext>
           </a:extLst>
         </p:cNvPr>
@@ -2664,7 +2650,7 @@
           <p:cNvPr id="2" name="Slide Image Placeholder 1">
             <a:extLst>
               <a:ext uri="{FF2B5EF4-FFF2-40B4-BE49-F238E27FC236}">
-                <a16:creationId xmlns:a16="http://schemas.microsoft.com/office/drawing/2014/main" id="{A4B5E9F4-8873-6549-60DB-FFDF114045B3}"/>
+                <a16:creationId xmlns:a16="http://schemas.microsoft.com/office/drawing/2014/main" id="{D015B3BA-3389-2F50-424A-1B35DBF012A5}"/>
               </a:ext>
             </a:extLst>
           </p:cNvPr>
@@ -2682,7 +2668,7 @@
           <p:cNvPr id="3" name="Notes Placeholder 2">
             <a:extLst>
               <a:ext uri="{FF2B5EF4-FFF2-40B4-BE49-F238E27FC236}">
-                <a16:creationId xmlns:a16="http://schemas.microsoft.com/office/drawing/2014/main" id="{81388D87-019C-A72A-3A62-7F956D43B929}"/>
+                <a16:creationId xmlns:a16="http://schemas.microsoft.com/office/drawing/2014/main" id="{DB9CE9A0-9102-3CFF-3D7A-3A4F1A9D639C}"/>
               </a:ext>
             </a:extLst>
           </p:cNvPr>
@@ -2707,7 +2693,7 @@
           <p:cNvPr id="4" name="Slide Number Placeholder 3">
             <a:extLst>
               <a:ext uri="{FF2B5EF4-FFF2-40B4-BE49-F238E27FC236}">
-                <a16:creationId xmlns:a16="http://schemas.microsoft.com/office/drawing/2014/main" id="{C241F2B9-2AF3-1C7D-AA01-8A5A0A8D3983}"/>
+                <a16:creationId xmlns:a16="http://schemas.microsoft.com/office/drawing/2014/main" id="{8F6DC261-95BE-387D-E27A-F0BC666FD615}"/>
               </a:ext>
             </a:extLst>
           </p:cNvPr>
@@ -2734,7 +2720,7 @@
     </p:spTree>
     <p:extLst>
       <p:ext uri="{BB962C8B-B14F-4D97-AF65-F5344CB8AC3E}">
-        <p14:creationId xmlns:p14="http://schemas.microsoft.com/office/powerpoint/2010/main" val="1237016036"/>
+        <p14:creationId xmlns:p14="http://schemas.microsoft.com/office/powerpoint/2010/main" val="62600201"/>
       </p:ext>
     </p:extLst>
   </p:cSld>
@@ -2752,7 +2738,7 @@
         <p:cNvPr id="1" name="">
           <a:extLst>
             <a:ext uri="{FF2B5EF4-FFF2-40B4-BE49-F238E27FC236}">
-              <a16:creationId xmlns:a16="http://schemas.microsoft.com/office/drawing/2014/main" id="{9FDE7EF3-C81F-0685-4A9A-A06C7A0C8D1D}"/>
+              <a16:creationId xmlns:a16="http://schemas.microsoft.com/office/drawing/2014/main" id="{3D6DDF4F-F939-BE47-3515-347741B29432}"/>
             </a:ext>
           </a:extLst>
         </p:cNvPr>
@@ -2772,7 +2758,7 @@
           <p:cNvPr id="2" name="Slide Image Placeholder 1">
             <a:extLst>
               <a:ext uri="{FF2B5EF4-FFF2-40B4-BE49-F238E27FC236}">
-                <a16:creationId xmlns:a16="http://schemas.microsoft.com/office/drawing/2014/main" id="{8C9A458C-6FA9-C6DC-960F-3C796473972F}"/>
+                <a16:creationId xmlns:a16="http://schemas.microsoft.com/office/drawing/2014/main" id="{B58FCA52-D12C-807A-DDEC-9E13DFB8E4D6}"/>
               </a:ext>
             </a:extLst>
           </p:cNvPr>
@@ -2790,7 +2776,7 @@
           <p:cNvPr id="3" name="Notes Placeholder 2">
             <a:extLst>
               <a:ext uri="{FF2B5EF4-FFF2-40B4-BE49-F238E27FC236}">
-                <a16:creationId xmlns:a16="http://schemas.microsoft.com/office/drawing/2014/main" id="{2E8DE786-DA78-38D3-5B39-7BF15CF384D8}"/>
+                <a16:creationId xmlns:a16="http://schemas.microsoft.com/office/drawing/2014/main" id="{7E1C9BCA-2F40-9ECC-8268-E5C5A25E384A}"/>
               </a:ext>
             </a:extLst>
           </p:cNvPr>
@@ -2815,7 +2801,7 @@
           <p:cNvPr id="4" name="Slide Number Placeholder 3">
             <a:extLst>
               <a:ext uri="{FF2B5EF4-FFF2-40B4-BE49-F238E27FC236}">
-                <a16:creationId xmlns:a16="http://schemas.microsoft.com/office/drawing/2014/main" id="{F3CE5C00-D32A-91EB-7098-374BB1983734}"/>
+                <a16:creationId xmlns:a16="http://schemas.microsoft.com/office/drawing/2014/main" id="{98963089-6798-77BE-0538-4A28C21211FA}"/>
               </a:ext>
             </a:extLst>
           </p:cNvPr>
@@ -2842,871 +2828,7 @@
     </p:spTree>
     <p:extLst>
       <p:ext uri="{BB962C8B-B14F-4D97-AF65-F5344CB8AC3E}">
-        <p14:creationId xmlns:p14="http://schemas.microsoft.com/office/powerpoint/2010/main" val="1763883698"/>
-      </p:ext>
-    </p:extLst>
-  </p:cSld>
-  <p:clrMapOvr>
-    <a:masterClrMapping/>
-  </p:clrMapOvr>
-</p:notes>
-</file>
-
-<file path=ppt/notesSlides/notesSlide12.xml><?xml version="1.0" encoding="utf-8"?>
-<p:notes xmlns:a="http://schemas.openxmlformats.org/drawingml/2006/main" xmlns:r="http://schemas.openxmlformats.org/officeDocument/2006/relationships" xmlns:p="http://schemas.openxmlformats.org/presentationml/2006/main">
-  <p:cSld>
-    <p:spTree>
-      <p:nvGrpSpPr>
-        <p:cNvPr id="1" name="">
-          <a:extLst>
-            <a:ext uri="{FF2B5EF4-FFF2-40B4-BE49-F238E27FC236}">
-              <a16:creationId xmlns:a16="http://schemas.microsoft.com/office/drawing/2014/main" id="{99F47711-0470-7C72-9A0B-22CFE435CBAE}"/>
-            </a:ext>
-          </a:extLst>
-        </p:cNvPr>
-        <p:cNvGrpSpPr/>
-        <p:nvPr/>
-      </p:nvGrpSpPr>
-      <p:grpSpPr>
-        <a:xfrm>
-          <a:off x="0" y="0"/>
-          <a:ext cx="0" cy="0"/>
-          <a:chOff x="0" y="0"/>
-          <a:chExt cx="0" cy="0"/>
-        </a:xfrm>
-      </p:grpSpPr>
-      <p:sp>
-        <p:nvSpPr>
-          <p:cNvPr id="2" name="Slide Image Placeholder 1">
-            <a:extLst>
-              <a:ext uri="{FF2B5EF4-FFF2-40B4-BE49-F238E27FC236}">
-                <a16:creationId xmlns:a16="http://schemas.microsoft.com/office/drawing/2014/main" id="{EAFC98D4-9155-9DFC-1D5D-E4F69B40ADA5}"/>
-              </a:ext>
-            </a:extLst>
-          </p:cNvPr>
-          <p:cNvSpPr>
-            <a:spLocks noGrp="1" noRot="1" noChangeAspect="1"/>
-          </p:cNvSpPr>
-          <p:nvPr>
-            <p:ph type="sldImg"/>
-          </p:nvPr>
-        </p:nvSpPr>
-        <p:spPr/>
-      </p:sp>
-      <p:sp>
-        <p:nvSpPr>
-          <p:cNvPr id="3" name="Notes Placeholder 2">
-            <a:extLst>
-              <a:ext uri="{FF2B5EF4-FFF2-40B4-BE49-F238E27FC236}">
-                <a16:creationId xmlns:a16="http://schemas.microsoft.com/office/drawing/2014/main" id="{8DD5F953-CF37-4DB2-8C5D-A6D95DC739BE}"/>
-              </a:ext>
-            </a:extLst>
-          </p:cNvPr>
-          <p:cNvSpPr>
-            <a:spLocks noGrp="1"/>
-          </p:cNvSpPr>
-          <p:nvPr>
-            <p:ph type="body" idx="1"/>
-          </p:nvPr>
-        </p:nvSpPr>
-        <p:spPr/>
-        <p:txBody>
-          <a:bodyPr/>
-          <a:lstStyle/>
-          <a:p>
-            <a:endParaRPr lang="en-US" dirty="0"/>
-          </a:p>
-        </p:txBody>
-      </p:sp>
-      <p:sp>
-        <p:nvSpPr>
-          <p:cNvPr id="4" name="Slide Number Placeholder 3">
-            <a:extLst>
-              <a:ext uri="{FF2B5EF4-FFF2-40B4-BE49-F238E27FC236}">
-                <a16:creationId xmlns:a16="http://schemas.microsoft.com/office/drawing/2014/main" id="{9D3BFA62-FFD0-ED59-9A57-43DE21CE8F6B}"/>
-              </a:ext>
-            </a:extLst>
-          </p:cNvPr>
-          <p:cNvSpPr>
-            <a:spLocks noGrp="1"/>
-          </p:cNvSpPr>
-          <p:nvPr>
-            <p:ph type="sldNum" sz="quarter" idx="10"/>
-          </p:nvPr>
-        </p:nvSpPr>
-        <p:spPr/>
-        <p:txBody>
-          <a:bodyPr/>
-          <a:lstStyle/>
-          <a:p>
-            <a:fld id="{F7021451-1387-4CA6-816F-3879F97B5CBC}" type="slidenum">
-              <a:rPr lang="en-US"/>
-              <a:t>12</a:t>
-            </a:fld>
-            <a:endParaRPr lang="en-US"/>
-          </a:p>
-        </p:txBody>
-      </p:sp>
-    </p:spTree>
-    <p:extLst>
-      <p:ext uri="{BB962C8B-B14F-4D97-AF65-F5344CB8AC3E}">
-        <p14:creationId xmlns:p14="http://schemas.microsoft.com/office/powerpoint/2010/main" val="2426852873"/>
-      </p:ext>
-    </p:extLst>
-  </p:cSld>
-  <p:clrMapOvr>
-    <a:masterClrMapping/>
-  </p:clrMapOvr>
-</p:notes>
-</file>
-
-<file path=ppt/notesSlides/notesSlide13.xml><?xml version="1.0" encoding="utf-8"?>
-<p:notes xmlns:a="http://schemas.openxmlformats.org/drawingml/2006/main" xmlns:r="http://schemas.openxmlformats.org/officeDocument/2006/relationships" xmlns:p="http://schemas.openxmlformats.org/presentationml/2006/main">
-  <p:cSld>
-    <p:spTree>
-      <p:nvGrpSpPr>
-        <p:cNvPr id="1" name="">
-          <a:extLst>
-            <a:ext uri="{FF2B5EF4-FFF2-40B4-BE49-F238E27FC236}">
-              <a16:creationId xmlns:a16="http://schemas.microsoft.com/office/drawing/2014/main" id="{579EE7A7-0C43-D617-9B6E-DBF019B1CFD2}"/>
-            </a:ext>
-          </a:extLst>
-        </p:cNvPr>
-        <p:cNvGrpSpPr/>
-        <p:nvPr/>
-      </p:nvGrpSpPr>
-      <p:grpSpPr>
-        <a:xfrm>
-          <a:off x="0" y="0"/>
-          <a:ext cx="0" cy="0"/>
-          <a:chOff x="0" y="0"/>
-          <a:chExt cx="0" cy="0"/>
-        </a:xfrm>
-      </p:grpSpPr>
-      <p:sp>
-        <p:nvSpPr>
-          <p:cNvPr id="2" name="Slide Image Placeholder 1">
-            <a:extLst>
-              <a:ext uri="{FF2B5EF4-FFF2-40B4-BE49-F238E27FC236}">
-                <a16:creationId xmlns:a16="http://schemas.microsoft.com/office/drawing/2014/main" id="{51CCD2F6-4C35-56E7-38B0-7B24B48E7B1E}"/>
-              </a:ext>
-            </a:extLst>
-          </p:cNvPr>
-          <p:cNvSpPr>
-            <a:spLocks noGrp="1" noRot="1" noChangeAspect="1"/>
-          </p:cNvSpPr>
-          <p:nvPr>
-            <p:ph type="sldImg"/>
-          </p:nvPr>
-        </p:nvSpPr>
-        <p:spPr/>
-      </p:sp>
-      <p:sp>
-        <p:nvSpPr>
-          <p:cNvPr id="3" name="Notes Placeholder 2">
-            <a:extLst>
-              <a:ext uri="{FF2B5EF4-FFF2-40B4-BE49-F238E27FC236}">
-                <a16:creationId xmlns:a16="http://schemas.microsoft.com/office/drawing/2014/main" id="{D9BEFB86-EA43-69B4-999C-2A79A1C333FE}"/>
-              </a:ext>
-            </a:extLst>
-          </p:cNvPr>
-          <p:cNvSpPr>
-            <a:spLocks noGrp="1"/>
-          </p:cNvSpPr>
-          <p:nvPr>
-            <p:ph type="body" idx="1"/>
-          </p:nvPr>
-        </p:nvSpPr>
-        <p:spPr/>
-        <p:txBody>
-          <a:bodyPr/>
-          <a:lstStyle/>
-          <a:p>
-            <a:endParaRPr lang="en-US" dirty="0"/>
-          </a:p>
-        </p:txBody>
-      </p:sp>
-      <p:sp>
-        <p:nvSpPr>
-          <p:cNvPr id="4" name="Slide Number Placeholder 3">
-            <a:extLst>
-              <a:ext uri="{FF2B5EF4-FFF2-40B4-BE49-F238E27FC236}">
-                <a16:creationId xmlns:a16="http://schemas.microsoft.com/office/drawing/2014/main" id="{F8E4FD41-E52C-3268-5360-8EFCBAEBCBC7}"/>
-              </a:ext>
-            </a:extLst>
-          </p:cNvPr>
-          <p:cNvSpPr>
-            <a:spLocks noGrp="1"/>
-          </p:cNvSpPr>
-          <p:nvPr>
-            <p:ph type="sldNum" sz="quarter" idx="10"/>
-          </p:nvPr>
-        </p:nvSpPr>
-        <p:spPr/>
-        <p:txBody>
-          <a:bodyPr/>
-          <a:lstStyle/>
-          <a:p>
-            <a:fld id="{F7021451-1387-4CA6-816F-3879F97B5CBC}" type="slidenum">
-              <a:rPr lang="en-US"/>
-              <a:t>13</a:t>
-            </a:fld>
-            <a:endParaRPr lang="en-US"/>
-          </a:p>
-        </p:txBody>
-      </p:sp>
-    </p:spTree>
-    <p:extLst>
-      <p:ext uri="{BB962C8B-B14F-4D97-AF65-F5344CB8AC3E}">
-        <p14:creationId xmlns:p14="http://schemas.microsoft.com/office/powerpoint/2010/main" val="201004102"/>
-      </p:ext>
-    </p:extLst>
-  </p:cSld>
-  <p:clrMapOvr>
-    <a:masterClrMapping/>
-  </p:clrMapOvr>
-</p:notes>
-</file>
-
-<file path=ppt/notesSlides/notesSlide14.xml><?xml version="1.0" encoding="utf-8"?>
-<p:notes xmlns:a="http://schemas.openxmlformats.org/drawingml/2006/main" xmlns:r="http://schemas.openxmlformats.org/officeDocument/2006/relationships" xmlns:p="http://schemas.openxmlformats.org/presentationml/2006/main">
-  <p:cSld>
-    <p:spTree>
-      <p:nvGrpSpPr>
-        <p:cNvPr id="1" name="">
-          <a:extLst>
-            <a:ext uri="{FF2B5EF4-FFF2-40B4-BE49-F238E27FC236}">
-              <a16:creationId xmlns:a16="http://schemas.microsoft.com/office/drawing/2014/main" id="{FAB5E788-4574-E99D-273C-EBD357868143}"/>
-            </a:ext>
-          </a:extLst>
-        </p:cNvPr>
-        <p:cNvGrpSpPr/>
-        <p:nvPr/>
-      </p:nvGrpSpPr>
-      <p:grpSpPr>
-        <a:xfrm>
-          <a:off x="0" y="0"/>
-          <a:ext cx="0" cy="0"/>
-          <a:chOff x="0" y="0"/>
-          <a:chExt cx="0" cy="0"/>
-        </a:xfrm>
-      </p:grpSpPr>
-      <p:sp>
-        <p:nvSpPr>
-          <p:cNvPr id="2" name="Slide Image Placeholder 1">
-            <a:extLst>
-              <a:ext uri="{FF2B5EF4-FFF2-40B4-BE49-F238E27FC236}">
-                <a16:creationId xmlns:a16="http://schemas.microsoft.com/office/drawing/2014/main" id="{4024C00A-1A1F-8E32-30D4-C73C17E30B0A}"/>
-              </a:ext>
-            </a:extLst>
-          </p:cNvPr>
-          <p:cNvSpPr>
-            <a:spLocks noGrp="1" noRot="1" noChangeAspect="1"/>
-          </p:cNvSpPr>
-          <p:nvPr>
-            <p:ph type="sldImg"/>
-          </p:nvPr>
-        </p:nvSpPr>
-        <p:spPr/>
-      </p:sp>
-      <p:sp>
-        <p:nvSpPr>
-          <p:cNvPr id="3" name="Notes Placeholder 2">
-            <a:extLst>
-              <a:ext uri="{FF2B5EF4-FFF2-40B4-BE49-F238E27FC236}">
-                <a16:creationId xmlns:a16="http://schemas.microsoft.com/office/drawing/2014/main" id="{FA8F63E2-3E02-83DF-1E04-7A7496195994}"/>
-              </a:ext>
-            </a:extLst>
-          </p:cNvPr>
-          <p:cNvSpPr>
-            <a:spLocks noGrp="1"/>
-          </p:cNvSpPr>
-          <p:nvPr>
-            <p:ph type="body" idx="1"/>
-          </p:nvPr>
-        </p:nvSpPr>
-        <p:spPr/>
-        <p:txBody>
-          <a:bodyPr/>
-          <a:lstStyle/>
-          <a:p>
-            <a:endParaRPr lang="en-US" dirty="0"/>
-          </a:p>
-        </p:txBody>
-      </p:sp>
-      <p:sp>
-        <p:nvSpPr>
-          <p:cNvPr id="4" name="Slide Number Placeholder 3">
-            <a:extLst>
-              <a:ext uri="{FF2B5EF4-FFF2-40B4-BE49-F238E27FC236}">
-                <a16:creationId xmlns:a16="http://schemas.microsoft.com/office/drawing/2014/main" id="{8FA82948-DEAE-2474-079C-2AED199DB44C}"/>
-              </a:ext>
-            </a:extLst>
-          </p:cNvPr>
-          <p:cNvSpPr>
-            <a:spLocks noGrp="1"/>
-          </p:cNvSpPr>
-          <p:nvPr>
-            <p:ph type="sldNum" sz="quarter" idx="10"/>
-          </p:nvPr>
-        </p:nvSpPr>
-        <p:spPr/>
-        <p:txBody>
-          <a:bodyPr/>
-          <a:lstStyle/>
-          <a:p>
-            <a:fld id="{F7021451-1387-4CA6-816F-3879F97B5CBC}" type="slidenum">
-              <a:rPr lang="en-US"/>
-              <a:t>14</a:t>
-            </a:fld>
-            <a:endParaRPr lang="en-US"/>
-          </a:p>
-        </p:txBody>
-      </p:sp>
-    </p:spTree>
-    <p:extLst>
-      <p:ext uri="{BB962C8B-B14F-4D97-AF65-F5344CB8AC3E}">
-        <p14:creationId xmlns:p14="http://schemas.microsoft.com/office/powerpoint/2010/main" val="3790356883"/>
-      </p:ext>
-    </p:extLst>
-  </p:cSld>
-  <p:clrMapOvr>
-    <a:masterClrMapping/>
-  </p:clrMapOvr>
-</p:notes>
-</file>
-
-<file path=ppt/notesSlides/notesSlide15.xml><?xml version="1.0" encoding="utf-8"?>
-<p:notes xmlns:a="http://schemas.openxmlformats.org/drawingml/2006/main" xmlns:r="http://schemas.openxmlformats.org/officeDocument/2006/relationships" xmlns:p="http://schemas.openxmlformats.org/presentationml/2006/main">
-  <p:cSld>
-    <p:spTree>
-      <p:nvGrpSpPr>
-        <p:cNvPr id="1" name="">
-          <a:extLst>
-            <a:ext uri="{FF2B5EF4-FFF2-40B4-BE49-F238E27FC236}">
-              <a16:creationId xmlns:a16="http://schemas.microsoft.com/office/drawing/2014/main" id="{87934014-E887-A465-F35B-DA2807F4B363}"/>
-            </a:ext>
-          </a:extLst>
-        </p:cNvPr>
-        <p:cNvGrpSpPr/>
-        <p:nvPr/>
-      </p:nvGrpSpPr>
-      <p:grpSpPr>
-        <a:xfrm>
-          <a:off x="0" y="0"/>
-          <a:ext cx="0" cy="0"/>
-          <a:chOff x="0" y="0"/>
-          <a:chExt cx="0" cy="0"/>
-        </a:xfrm>
-      </p:grpSpPr>
-      <p:sp>
-        <p:nvSpPr>
-          <p:cNvPr id="2" name="Slide Image Placeholder 1">
-            <a:extLst>
-              <a:ext uri="{FF2B5EF4-FFF2-40B4-BE49-F238E27FC236}">
-                <a16:creationId xmlns:a16="http://schemas.microsoft.com/office/drawing/2014/main" id="{6BD0711C-639C-6CB0-5E54-8B62D8E47254}"/>
-              </a:ext>
-            </a:extLst>
-          </p:cNvPr>
-          <p:cNvSpPr>
-            <a:spLocks noGrp="1" noRot="1" noChangeAspect="1"/>
-          </p:cNvSpPr>
-          <p:nvPr>
-            <p:ph type="sldImg"/>
-          </p:nvPr>
-        </p:nvSpPr>
-        <p:spPr/>
-      </p:sp>
-      <p:sp>
-        <p:nvSpPr>
-          <p:cNvPr id="3" name="Notes Placeholder 2">
-            <a:extLst>
-              <a:ext uri="{FF2B5EF4-FFF2-40B4-BE49-F238E27FC236}">
-                <a16:creationId xmlns:a16="http://schemas.microsoft.com/office/drawing/2014/main" id="{27B14BA8-DC31-261C-F399-08D79D206C4A}"/>
-              </a:ext>
-            </a:extLst>
-          </p:cNvPr>
-          <p:cNvSpPr>
-            <a:spLocks noGrp="1"/>
-          </p:cNvSpPr>
-          <p:nvPr>
-            <p:ph type="body" idx="1"/>
-          </p:nvPr>
-        </p:nvSpPr>
-        <p:spPr/>
-        <p:txBody>
-          <a:bodyPr/>
-          <a:lstStyle/>
-          <a:p>
-            <a:endParaRPr lang="en-US" dirty="0"/>
-          </a:p>
-        </p:txBody>
-      </p:sp>
-      <p:sp>
-        <p:nvSpPr>
-          <p:cNvPr id="4" name="Slide Number Placeholder 3">
-            <a:extLst>
-              <a:ext uri="{FF2B5EF4-FFF2-40B4-BE49-F238E27FC236}">
-                <a16:creationId xmlns:a16="http://schemas.microsoft.com/office/drawing/2014/main" id="{554BF376-CC8C-1214-BE80-8CB819CA056D}"/>
-              </a:ext>
-            </a:extLst>
-          </p:cNvPr>
-          <p:cNvSpPr>
-            <a:spLocks noGrp="1"/>
-          </p:cNvSpPr>
-          <p:nvPr>
-            <p:ph type="sldNum" sz="quarter" idx="10"/>
-          </p:nvPr>
-        </p:nvSpPr>
-        <p:spPr/>
-        <p:txBody>
-          <a:bodyPr/>
-          <a:lstStyle/>
-          <a:p>
-            <a:fld id="{F7021451-1387-4CA6-816F-3879F97B5CBC}" type="slidenum">
-              <a:rPr lang="en-US"/>
-              <a:t>15</a:t>
-            </a:fld>
-            <a:endParaRPr lang="en-US"/>
-          </a:p>
-        </p:txBody>
-      </p:sp>
-    </p:spTree>
-    <p:extLst>
-      <p:ext uri="{BB962C8B-B14F-4D97-AF65-F5344CB8AC3E}">
-        <p14:creationId xmlns:p14="http://schemas.microsoft.com/office/powerpoint/2010/main" val="3825642086"/>
-      </p:ext>
-    </p:extLst>
-  </p:cSld>
-  <p:clrMapOvr>
-    <a:masterClrMapping/>
-  </p:clrMapOvr>
-</p:notes>
-</file>
-
-<file path=ppt/notesSlides/notesSlide16.xml><?xml version="1.0" encoding="utf-8"?>
-<p:notes xmlns:a="http://schemas.openxmlformats.org/drawingml/2006/main" xmlns:r="http://schemas.openxmlformats.org/officeDocument/2006/relationships" xmlns:p="http://schemas.openxmlformats.org/presentationml/2006/main">
-  <p:cSld>
-    <p:spTree>
-      <p:nvGrpSpPr>
-        <p:cNvPr id="1" name="">
-          <a:extLst>
-            <a:ext uri="{FF2B5EF4-FFF2-40B4-BE49-F238E27FC236}">
-              <a16:creationId xmlns:a16="http://schemas.microsoft.com/office/drawing/2014/main" id="{F345A8FF-95C2-8110-E97E-DA021FB61F0C}"/>
-            </a:ext>
-          </a:extLst>
-        </p:cNvPr>
-        <p:cNvGrpSpPr/>
-        <p:nvPr/>
-      </p:nvGrpSpPr>
-      <p:grpSpPr>
-        <a:xfrm>
-          <a:off x="0" y="0"/>
-          <a:ext cx="0" cy="0"/>
-          <a:chOff x="0" y="0"/>
-          <a:chExt cx="0" cy="0"/>
-        </a:xfrm>
-      </p:grpSpPr>
-      <p:sp>
-        <p:nvSpPr>
-          <p:cNvPr id="2" name="Slide Image Placeholder 1">
-            <a:extLst>
-              <a:ext uri="{FF2B5EF4-FFF2-40B4-BE49-F238E27FC236}">
-                <a16:creationId xmlns:a16="http://schemas.microsoft.com/office/drawing/2014/main" id="{DEE2B006-922B-28CE-B3FB-A17B65AD5146}"/>
-              </a:ext>
-            </a:extLst>
-          </p:cNvPr>
-          <p:cNvSpPr>
-            <a:spLocks noGrp="1" noRot="1" noChangeAspect="1"/>
-          </p:cNvSpPr>
-          <p:nvPr>
-            <p:ph type="sldImg"/>
-          </p:nvPr>
-        </p:nvSpPr>
-        <p:spPr/>
-      </p:sp>
-      <p:sp>
-        <p:nvSpPr>
-          <p:cNvPr id="3" name="Notes Placeholder 2">
-            <a:extLst>
-              <a:ext uri="{FF2B5EF4-FFF2-40B4-BE49-F238E27FC236}">
-                <a16:creationId xmlns:a16="http://schemas.microsoft.com/office/drawing/2014/main" id="{31E0C019-AA45-483B-6CFF-7ED38099D7B9}"/>
-              </a:ext>
-            </a:extLst>
-          </p:cNvPr>
-          <p:cNvSpPr>
-            <a:spLocks noGrp="1"/>
-          </p:cNvSpPr>
-          <p:nvPr>
-            <p:ph type="body" idx="1"/>
-          </p:nvPr>
-        </p:nvSpPr>
-        <p:spPr/>
-        <p:txBody>
-          <a:bodyPr/>
-          <a:lstStyle/>
-          <a:p>
-            <a:endParaRPr lang="en-US" dirty="0"/>
-          </a:p>
-        </p:txBody>
-      </p:sp>
-      <p:sp>
-        <p:nvSpPr>
-          <p:cNvPr id="4" name="Slide Number Placeholder 3">
-            <a:extLst>
-              <a:ext uri="{FF2B5EF4-FFF2-40B4-BE49-F238E27FC236}">
-                <a16:creationId xmlns:a16="http://schemas.microsoft.com/office/drawing/2014/main" id="{F77E35E7-F60F-E094-0596-0F29ABFCAF1F}"/>
-              </a:ext>
-            </a:extLst>
-          </p:cNvPr>
-          <p:cNvSpPr>
-            <a:spLocks noGrp="1"/>
-          </p:cNvSpPr>
-          <p:nvPr>
-            <p:ph type="sldNum" sz="quarter" idx="10"/>
-          </p:nvPr>
-        </p:nvSpPr>
-        <p:spPr/>
-        <p:txBody>
-          <a:bodyPr/>
-          <a:lstStyle/>
-          <a:p>
-            <a:fld id="{F7021451-1387-4CA6-816F-3879F97B5CBC}" type="slidenum">
-              <a:rPr lang="en-US"/>
-              <a:t>16</a:t>
-            </a:fld>
-            <a:endParaRPr lang="en-US"/>
-          </a:p>
-        </p:txBody>
-      </p:sp>
-    </p:spTree>
-    <p:extLst>
-      <p:ext uri="{BB962C8B-B14F-4D97-AF65-F5344CB8AC3E}">
-        <p14:creationId xmlns:p14="http://schemas.microsoft.com/office/powerpoint/2010/main" val="3026839080"/>
-      </p:ext>
-    </p:extLst>
-  </p:cSld>
-  <p:clrMapOvr>
-    <a:masterClrMapping/>
-  </p:clrMapOvr>
-</p:notes>
-</file>
-
-<file path=ppt/notesSlides/notesSlide17.xml><?xml version="1.0" encoding="utf-8"?>
-<p:notes xmlns:a="http://schemas.openxmlformats.org/drawingml/2006/main" xmlns:r="http://schemas.openxmlformats.org/officeDocument/2006/relationships" xmlns:p="http://schemas.openxmlformats.org/presentationml/2006/main">
-  <p:cSld>
-    <p:spTree>
-      <p:nvGrpSpPr>
-        <p:cNvPr id="1" name="">
-          <a:extLst>
-            <a:ext uri="{FF2B5EF4-FFF2-40B4-BE49-F238E27FC236}">
-              <a16:creationId xmlns:a16="http://schemas.microsoft.com/office/drawing/2014/main" id="{6AA5A643-0C95-6716-3FB8-6995360E6240}"/>
-            </a:ext>
-          </a:extLst>
-        </p:cNvPr>
-        <p:cNvGrpSpPr/>
-        <p:nvPr/>
-      </p:nvGrpSpPr>
-      <p:grpSpPr>
-        <a:xfrm>
-          <a:off x="0" y="0"/>
-          <a:ext cx="0" cy="0"/>
-          <a:chOff x="0" y="0"/>
-          <a:chExt cx="0" cy="0"/>
-        </a:xfrm>
-      </p:grpSpPr>
-      <p:sp>
-        <p:nvSpPr>
-          <p:cNvPr id="2" name="Slide Image Placeholder 1">
-            <a:extLst>
-              <a:ext uri="{FF2B5EF4-FFF2-40B4-BE49-F238E27FC236}">
-                <a16:creationId xmlns:a16="http://schemas.microsoft.com/office/drawing/2014/main" id="{9C7DB88A-62DA-B787-5333-CFAA5FBBA0F0}"/>
-              </a:ext>
-            </a:extLst>
-          </p:cNvPr>
-          <p:cNvSpPr>
-            <a:spLocks noGrp="1" noRot="1" noChangeAspect="1"/>
-          </p:cNvSpPr>
-          <p:nvPr>
-            <p:ph type="sldImg"/>
-          </p:nvPr>
-        </p:nvSpPr>
-        <p:spPr/>
-      </p:sp>
-      <p:sp>
-        <p:nvSpPr>
-          <p:cNvPr id="3" name="Notes Placeholder 2">
-            <a:extLst>
-              <a:ext uri="{FF2B5EF4-FFF2-40B4-BE49-F238E27FC236}">
-                <a16:creationId xmlns:a16="http://schemas.microsoft.com/office/drawing/2014/main" id="{D0BEFD1E-F713-4733-AF97-2F88A8309AC3}"/>
-              </a:ext>
-            </a:extLst>
-          </p:cNvPr>
-          <p:cNvSpPr>
-            <a:spLocks noGrp="1"/>
-          </p:cNvSpPr>
-          <p:nvPr>
-            <p:ph type="body" idx="1"/>
-          </p:nvPr>
-        </p:nvSpPr>
-        <p:spPr/>
-        <p:txBody>
-          <a:bodyPr/>
-          <a:lstStyle/>
-          <a:p>
-            <a:endParaRPr lang="en-US" dirty="0"/>
-          </a:p>
-        </p:txBody>
-      </p:sp>
-      <p:sp>
-        <p:nvSpPr>
-          <p:cNvPr id="4" name="Slide Number Placeholder 3">
-            <a:extLst>
-              <a:ext uri="{FF2B5EF4-FFF2-40B4-BE49-F238E27FC236}">
-                <a16:creationId xmlns:a16="http://schemas.microsoft.com/office/drawing/2014/main" id="{2AE6E2E6-E5EF-FC5A-5F21-EFE5E3C07534}"/>
-              </a:ext>
-            </a:extLst>
-          </p:cNvPr>
-          <p:cNvSpPr>
-            <a:spLocks noGrp="1"/>
-          </p:cNvSpPr>
-          <p:nvPr>
-            <p:ph type="sldNum" sz="quarter" idx="10"/>
-          </p:nvPr>
-        </p:nvSpPr>
-        <p:spPr/>
-        <p:txBody>
-          <a:bodyPr/>
-          <a:lstStyle/>
-          <a:p>
-            <a:fld id="{F7021451-1387-4CA6-816F-3879F97B5CBC}" type="slidenum">
-              <a:rPr lang="en-US"/>
-              <a:t>17</a:t>
-            </a:fld>
-            <a:endParaRPr lang="en-US"/>
-          </a:p>
-        </p:txBody>
-      </p:sp>
-    </p:spTree>
-    <p:extLst>
-      <p:ext uri="{BB962C8B-B14F-4D97-AF65-F5344CB8AC3E}">
-        <p14:creationId xmlns:p14="http://schemas.microsoft.com/office/powerpoint/2010/main" val="266334488"/>
-      </p:ext>
-    </p:extLst>
-  </p:cSld>
-  <p:clrMapOvr>
-    <a:masterClrMapping/>
-  </p:clrMapOvr>
-</p:notes>
-</file>
-
-<file path=ppt/notesSlides/notesSlide18.xml><?xml version="1.0" encoding="utf-8"?>
-<p:notes xmlns:a="http://schemas.openxmlformats.org/drawingml/2006/main" xmlns:r="http://schemas.openxmlformats.org/officeDocument/2006/relationships" xmlns:p="http://schemas.openxmlformats.org/presentationml/2006/main">
-  <p:cSld>
-    <p:spTree>
-      <p:nvGrpSpPr>
-        <p:cNvPr id="1" name="">
-          <a:extLst>
-            <a:ext uri="{FF2B5EF4-FFF2-40B4-BE49-F238E27FC236}">
-              <a16:creationId xmlns:a16="http://schemas.microsoft.com/office/drawing/2014/main" id="{4EB62B52-2AA1-34EB-5E6E-1FC78813859E}"/>
-            </a:ext>
-          </a:extLst>
-        </p:cNvPr>
-        <p:cNvGrpSpPr/>
-        <p:nvPr/>
-      </p:nvGrpSpPr>
-      <p:grpSpPr>
-        <a:xfrm>
-          <a:off x="0" y="0"/>
-          <a:ext cx="0" cy="0"/>
-          <a:chOff x="0" y="0"/>
-          <a:chExt cx="0" cy="0"/>
-        </a:xfrm>
-      </p:grpSpPr>
-      <p:sp>
-        <p:nvSpPr>
-          <p:cNvPr id="2" name="Slide Image Placeholder 1">
-            <a:extLst>
-              <a:ext uri="{FF2B5EF4-FFF2-40B4-BE49-F238E27FC236}">
-                <a16:creationId xmlns:a16="http://schemas.microsoft.com/office/drawing/2014/main" id="{AE64622C-EE53-BBAA-EE1B-E5C48C54A29D}"/>
-              </a:ext>
-            </a:extLst>
-          </p:cNvPr>
-          <p:cNvSpPr>
-            <a:spLocks noGrp="1" noRot="1" noChangeAspect="1"/>
-          </p:cNvSpPr>
-          <p:nvPr>
-            <p:ph type="sldImg"/>
-          </p:nvPr>
-        </p:nvSpPr>
-        <p:spPr/>
-      </p:sp>
-      <p:sp>
-        <p:nvSpPr>
-          <p:cNvPr id="3" name="Notes Placeholder 2">
-            <a:extLst>
-              <a:ext uri="{FF2B5EF4-FFF2-40B4-BE49-F238E27FC236}">
-                <a16:creationId xmlns:a16="http://schemas.microsoft.com/office/drawing/2014/main" id="{E569EBF8-DE6C-306C-EC41-C547B96D581F}"/>
-              </a:ext>
-            </a:extLst>
-          </p:cNvPr>
-          <p:cNvSpPr>
-            <a:spLocks noGrp="1"/>
-          </p:cNvSpPr>
-          <p:nvPr>
-            <p:ph type="body" idx="1"/>
-          </p:nvPr>
-        </p:nvSpPr>
-        <p:spPr/>
-        <p:txBody>
-          <a:bodyPr/>
-          <a:lstStyle/>
-          <a:p>
-            <a:endParaRPr lang="en-US" dirty="0"/>
-          </a:p>
-        </p:txBody>
-      </p:sp>
-      <p:sp>
-        <p:nvSpPr>
-          <p:cNvPr id="4" name="Slide Number Placeholder 3">
-            <a:extLst>
-              <a:ext uri="{FF2B5EF4-FFF2-40B4-BE49-F238E27FC236}">
-                <a16:creationId xmlns:a16="http://schemas.microsoft.com/office/drawing/2014/main" id="{B21E2EBC-EBF7-55A5-10A2-32A904439B09}"/>
-              </a:ext>
-            </a:extLst>
-          </p:cNvPr>
-          <p:cNvSpPr>
-            <a:spLocks noGrp="1"/>
-          </p:cNvSpPr>
-          <p:nvPr>
-            <p:ph type="sldNum" sz="quarter" idx="10"/>
-          </p:nvPr>
-        </p:nvSpPr>
-        <p:spPr/>
-        <p:txBody>
-          <a:bodyPr/>
-          <a:lstStyle/>
-          <a:p>
-            <a:fld id="{F7021451-1387-4CA6-816F-3879F97B5CBC}" type="slidenum">
-              <a:rPr lang="en-US"/>
-              <a:t>18</a:t>
-            </a:fld>
-            <a:endParaRPr lang="en-US"/>
-          </a:p>
-        </p:txBody>
-      </p:sp>
-    </p:spTree>
-    <p:extLst>
-      <p:ext uri="{BB962C8B-B14F-4D97-AF65-F5344CB8AC3E}">
-        <p14:creationId xmlns:p14="http://schemas.microsoft.com/office/powerpoint/2010/main" val="494078891"/>
-      </p:ext>
-    </p:extLst>
-  </p:cSld>
-  <p:clrMapOvr>
-    <a:masterClrMapping/>
-  </p:clrMapOvr>
-</p:notes>
-</file>
-
-<file path=ppt/notesSlides/notesSlide19.xml><?xml version="1.0" encoding="utf-8"?>
-<p:notes xmlns:a="http://schemas.openxmlformats.org/drawingml/2006/main" xmlns:r="http://schemas.openxmlformats.org/officeDocument/2006/relationships" xmlns:p="http://schemas.openxmlformats.org/presentationml/2006/main">
-  <p:cSld>
-    <p:spTree>
-      <p:nvGrpSpPr>
-        <p:cNvPr id="1" name="">
-          <a:extLst>
-            <a:ext uri="{FF2B5EF4-FFF2-40B4-BE49-F238E27FC236}">
-              <a16:creationId xmlns:a16="http://schemas.microsoft.com/office/drawing/2014/main" id="{CF7D3EE3-F8BB-445E-68D7-1C82D32B4EB2}"/>
-            </a:ext>
-          </a:extLst>
-        </p:cNvPr>
-        <p:cNvGrpSpPr/>
-        <p:nvPr/>
-      </p:nvGrpSpPr>
-      <p:grpSpPr>
-        <a:xfrm>
-          <a:off x="0" y="0"/>
-          <a:ext cx="0" cy="0"/>
-          <a:chOff x="0" y="0"/>
-          <a:chExt cx="0" cy="0"/>
-        </a:xfrm>
-      </p:grpSpPr>
-      <p:sp>
-        <p:nvSpPr>
-          <p:cNvPr id="2" name="Slide Image Placeholder 1">
-            <a:extLst>
-              <a:ext uri="{FF2B5EF4-FFF2-40B4-BE49-F238E27FC236}">
-                <a16:creationId xmlns:a16="http://schemas.microsoft.com/office/drawing/2014/main" id="{E48B53E1-6712-2A4F-3635-9386E2D87F8C}"/>
-              </a:ext>
-            </a:extLst>
-          </p:cNvPr>
-          <p:cNvSpPr>
-            <a:spLocks noGrp="1" noRot="1" noChangeAspect="1"/>
-          </p:cNvSpPr>
-          <p:nvPr>
-            <p:ph type="sldImg"/>
-          </p:nvPr>
-        </p:nvSpPr>
-        <p:spPr/>
-      </p:sp>
-      <p:sp>
-        <p:nvSpPr>
-          <p:cNvPr id="3" name="Notes Placeholder 2">
-            <a:extLst>
-              <a:ext uri="{FF2B5EF4-FFF2-40B4-BE49-F238E27FC236}">
-                <a16:creationId xmlns:a16="http://schemas.microsoft.com/office/drawing/2014/main" id="{9C17C0BD-69CE-9FF8-444D-AE6435AE400A}"/>
-              </a:ext>
-            </a:extLst>
-          </p:cNvPr>
-          <p:cNvSpPr>
-            <a:spLocks noGrp="1"/>
-          </p:cNvSpPr>
-          <p:nvPr>
-            <p:ph type="body" idx="1"/>
-          </p:nvPr>
-        </p:nvSpPr>
-        <p:spPr/>
-        <p:txBody>
-          <a:bodyPr/>
-          <a:lstStyle/>
-          <a:p>
-            <a:endParaRPr lang="en-US" dirty="0"/>
-          </a:p>
-        </p:txBody>
-      </p:sp>
-      <p:sp>
-        <p:nvSpPr>
-          <p:cNvPr id="4" name="Slide Number Placeholder 3">
-            <a:extLst>
-              <a:ext uri="{FF2B5EF4-FFF2-40B4-BE49-F238E27FC236}">
-                <a16:creationId xmlns:a16="http://schemas.microsoft.com/office/drawing/2014/main" id="{C4896A29-C4F3-D5F5-00FA-1ADE17CF8978}"/>
-              </a:ext>
-            </a:extLst>
-          </p:cNvPr>
-          <p:cNvSpPr>
-            <a:spLocks noGrp="1"/>
-          </p:cNvSpPr>
-          <p:nvPr>
-            <p:ph type="sldNum" sz="quarter" idx="10"/>
-          </p:nvPr>
-        </p:nvSpPr>
-        <p:spPr/>
-        <p:txBody>
-          <a:bodyPr/>
-          <a:lstStyle/>
-          <a:p>
-            <a:fld id="{F7021451-1387-4CA6-816F-3879F97B5CBC}" type="slidenum">
-              <a:rPr lang="en-US"/>
-              <a:t>19</a:t>
-            </a:fld>
-            <a:endParaRPr lang="en-US"/>
-          </a:p>
-        </p:txBody>
-      </p:sp>
-    </p:spTree>
-    <p:extLst>
-      <p:ext uri="{BB962C8B-B14F-4D97-AF65-F5344CB8AC3E}">
-        <p14:creationId xmlns:p14="http://schemas.microsoft.com/office/powerpoint/2010/main" val="1660146784"/>
+        <p14:creationId xmlns:p14="http://schemas.microsoft.com/office/powerpoint/2010/main" val="3589024164"/>
       </p:ext>
     </p:extLst>
   </p:cSld>
@@ -3815,654 +2937,6 @@
     <p:extLst>
       <p:ext uri="{BB962C8B-B14F-4D97-AF65-F5344CB8AC3E}">
         <p14:creationId xmlns:p14="http://schemas.microsoft.com/office/powerpoint/2010/main" val="1718551197"/>
-      </p:ext>
-    </p:extLst>
-  </p:cSld>
-  <p:clrMapOvr>
-    <a:masterClrMapping/>
-  </p:clrMapOvr>
-</p:notes>
-</file>
-
-<file path=ppt/notesSlides/notesSlide20.xml><?xml version="1.0" encoding="utf-8"?>
-<p:notes xmlns:a="http://schemas.openxmlformats.org/drawingml/2006/main" xmlns:r="http://schemas.openxmlformats.org/officeDocument/2006/relationships" xmlns:p="http://schemas.openxmlformats.org/presentationml/2006/main">
-  <p:cSld>
-    <p:spTree>
-      <p:nvGrpSpPr>
-        <p:cNvPr id="1" name="">
-          <a:extLst>
-            <a:ext uri="{FF2B5EF4-FFF2-40B4-BE49-F238E27FC236}">
-              <a16:creationId xmlns:a16="http://schemas.microsoft.com/office/drawing/2014/main" id="{8A109236-A91E-E7BC-799C-D4CD40E64A4E}"/>
-            </a:ext>
-          </a:extLst>
-        </p:cNvPr>
-        <p:cNvGrpSpPr/>
-        <p:nvPr/>
-      </p:nvGrpSpPr>
-      <p:grpSpPr>
-        <a:xfrm>
-          <a:off x="0" y="0"/>
-          <a:ext cx="0" cy="0"/>
-          <a:chOff x="0" y="0"/>
-          <a:chExt cx="0" cy="0"/>
-        </a:xfrm>
-      </p:grpSpPr>
-      <p:sp>
-        <p:nvSpPr>
-          <p:cNvPr id="2" name="Slide Image Placeholder 1">
-            <a:extLst>
-              <a:ext uri="{FF2B5EF4-FFF2-40B4-BE49-F238E27FC236}">
-                <a16:creationId xmlns:a16="http://schemas.microsoft.com/office/drawing/2014/main" id="{A8DBFD25-A4B4-8BFE-27C6-18A659FA2A91}"/>
-              </a:ext>
-            </a:extLst>
-          </p:cNvPr>
-          <p:cNvSpPr>
-            <a:spLocks noGrp="1" noRot="1" noChangeAspect="1"/>
-          </p:cNvSpPr>
-          <p:nvPr>
-            <p:ph type="sldImg"/>
-          </p:nvPr>
-        </p:nvSpPr>
-        <p:spPr/>
-      </p:sp>
-      <p:sp>
-        <p:nvSpPr>
-          <p:cNvPr id="3" name="Notes Placeholder 2">
-            <a:extLst>
-              <a:ext uri="{FF2B5EF4-FFF2-40B4-BE49-F238E27FC236}">
-                <a16:creationId xmlns:a16="http://schemas.microsoft.com/office/drawing/2014/main" id="{852133F1-4C50-C5A2-0FBE-08497855B34B}"/>
-              </a:ext>
-            </a:extLst>
-          </p:cNvPr>
-          <p:cNvSpPr>
-            <a:spLocks noGrp="1"/>
-          </p:cNvSpPr>
-          <p:nvPr>
-            <p:ph type="body" idx="1"/>
-          </p:nvPr>
-        </p:nvSpPr>
-        <p:spPr/>
-        <p:txBody>
-          <a:bodyPr/>
-          <a:lstStyle/>
-          <a:p>
-            <a:endParaRPr lang="en-US" dirty="0"/>
-          </a:p>
-        </p:txBody>
-      </p:sp>
-      <p:sp>
-        <p:nvSpPr>
-          <p:cNvPr id="4" name="Slide Number Placeholder 3">
-            <a:extLst>
-              <a:ext uri="{FF2B5EF4-FFF2-40B4-BE49-F238E27FC236}">
-                <a16:creationId xmlns:a16="http://schemas.microsoft.com/office/drawing/2014/main" id="{ACB9ECAC-18EE-D076-D4BF-2978ADD57D26}"/>
-              </a:ext>
-            </a:extLst>
-          </p:cNvPr>
-          <p:cNvSpPr>
-            <a:spLocks noGrp="1"/>
-          </p:cNvSpPr>
-          <p:nvPr>
-            <p:ph type="sldNum" sz="quarter" idx="10"/>
-          </p:nvPr>
-        </p:nvSpPr>
-        <p:spPr/>
-        <p:txBody>
-          <a:bodyPr/>
-          <a:lstStyle/>
-          <a:p>
-            <a:fld id="{F7021451-1387-4CA6-816F-3879F97B5CBC}" type="slidenum">
-              <a:rPr lang="en-US"/>
-              <a:t>20</a:t>
-            </a:fld>
-            <a:endParaRPr lang="en-US"/>
-          </a:p>
-        </p:txBody>
-      </p:sp>
-    </p:spTree>
-    <p:extLst>
-      <p:ext uri="{BB962C8B-B14F-4D97-AF65-F5344CB8AC3E}">
-        <p14:creationId xmlns:p14="http://schemas.microsoft.com/office/powerpoint/2010/main" val="553241132"/>
-      </p:ext>
-    </p:extLst>
-  </p:cSld>
-  <p:clrMapOvr>
-    <a:masterClrMapping/>
-  </p:clrMapOvr>
-</p:notes>
-</file>
-
-<file path=ppt/notesSlides/notesSlide21.xml><?xml version="1.0" encoding="utf-8"?>
-<p:notes xmlns:a="http://schemas.openxmlformats.org/drawingml/2006/main" xmlns:r="http://schemas.openxmlformats.org/officeDocument/2006/relationships" xmlns:p="http://schemas.openxmlformats.org/presentationml/2006/main">
-  <p:cSld>
-    <p:spTree>
-      <p:nvGrpSpPr>
-        <p:cNvPr id="1" name="">
-          <a:extLst>
-            <a:ext uri="{FF2B5EF4-FFF2-40B4-BE49-F238E27FC236}">
-              <a16:creationId xmlns:a16="http://schemas.microsoft.com/office/drawing/2014/main" id="{910A89BF-2F06-2C38-D96E-F77D59D5D45A}"/>
-            </a:ext>
-          </a:extLst>
-        </p:cNvPr>
-        <p:cNvGrpSpPr/>
-        <p:nvPr/>
-      </p:nvGrpSpPr>
-      <p:grpSpPr>
-        <a:xfrm>
-          <a:off x="0" y="0"/>
-          <a:ext cx="0" cy="0"/>
-          <a:chOff x="0" y="0"/>
-          <a:chExt cx="0" cy="0"/>
-        </a:xfrm>
-      </p:grpSpPr>
-      <p:sp>
-        <p:nvSpPr>
-          <p:cNvPr id="2" name="Slide Image Placeholder 1">
-            <a:extLst>
-              <a:ext uri="{FF2B5EF4-FFF2-40B4-BE49-F238E27FC236}">
-                <a16:creationId xmlns:a16="http://schemas.microsoft.com/office/drawing/2014/main" id="{43A96697-A5BB-B342-0E0D-C525039C776C}"/>
-              </a:ext>
-            </a:extLst>
-          </p:cNvPr>
-          <p:cNvSpPr>
-            <a:spLocks noGrp="1" noRot="1" noChangeAspect="1"/>
-          </p:cNvSpPr>
-          <p:nvPr>
-            <p:ph type="sldImg"/>
-          </p:nvPr>
-        </p:nvSpPr>
-        <p:spPr/>
-      </p:sp>
-      <p:sp>
-        <p:nvSpPr>
-          <p:cNvPr id="3" name="Notes Placeholder 2">
-            <a:extLst>
-              <a:ext uri="{FF2B5EF4-FFF2-40B4-BE49-F238E27FC236}">
-                <a16:creationId xmlns:a16="http://schemas.microsoft.com/office/drawing/2014/main" id="{08E55E99-0460-FBD4-677C-C9A6A798579A}"/>
-              </a:ext>
-            </a:extLst>
-          </p:cNvPr>
-          <p:cNvSpPr>
-            <a:spLocks noGrp="1"/>
-          </p:cNvSpPr>
-          <p:nvPr>
-            <p:ph type="body" idx="1"/>
-          </p:nvPr>
-        </p:nvSpPr>
-        <p:spPr/>
-        <p:txBody>
-          <a:bodyPr/>
-          <a:lstStyle/>
-          <a:p>
-            <a:endParaRPr lang="en-US" dirty="0"/>
-          </a:p>
-        </p:txBody>
-      </p:sp>
-      <p:sp>
-        <p:nvSpPr>
-          <p:cNvPr id="4" name="Slide Number Placeholder 3">
-            <a:extLst>
-              <a:ext uri="{FF2B5EF4-FFF2-40B4-BE49-F238E27FC236}">
-                <a16:creationId xmlns:a16="http://schemas.microsoft.com/office/drawing/2014/main" id="{BD2945BD-E962-FE56-0A58-A01F20B5A362}"/>
-              </a:ext>
-            </a:extLst>
-          </p:cNvPr>
-          <p:cNvSpPr>
-            <a:spLocks noGrp="1"/>
-          </p:cNvSpPr>
-          <p:nvPr>
-            <p:ph type="sldNum" sz="quarter" idx="10"/>
-          </p:nvPr>
-        </p:nvSpPr>
-        <p:spPr/>
-        <p:txBody>
-          <a:bodyPr/>
-          <a:lstStyle/>
-          <a:p>
-            <a:fld id="{F7021451-1387-4CA6-816F-3879F97B5CBC}" type="slidenum">
-              <a:rPr lang="en-US"/>
-              <a:t>21</a:t>
-            </a:fld>
-            <a:endParaRPr lang="en-US"/>
-          </a:p>
-        </p:txBody>
-      </p:sp>
-    </p:spTree>
-    <p:extLst>
-      <p:ext uri="{BB962C8B-B14F-4D97-AF65-F5344CB8AC3E}">
-        <p14:creationId xmlns:p14="http://schemas.microsoft.com/office/powerpoint/2010/main" val="2079212576"/>
-      </p:ext>
-    </p:extLst>
-  </p:cSld>
-  <p:clrMapOvr>
-    <a:masterClrMapping/>
-  </p:clrMapOvr>
-</p:notes>
-</file>
-
-<file path=ppt/notesSlides/notesSlide22.xml><?xml version="1.0" encoding="utf-8"?>
-<p:notes xmlns:a="http://schemas.openxmlformats.org/drawingml/2006/main" xmlns:r="http://schemas.openxmlformats.org/officeDocument/2006/relationships" xmlns:p="http://schemas.openxmlformats.org/presentationml/2006/main">
-  <p:cSld>
-    <p:spTree>
-      <p:nvGrpSpPr>
-        <p:cNvPr id="1" name="">
-          <a:extLst>
-            <a:ext uri="{FF2B5EF4-FFF2-40B4-BE49-F238E27FC236}">
-              <a16:creationId xmlns:a16="http://schemas.microsoft.com/office/drawing/2014/main" id="{95B58AEF-BBCB-9FC1-B2FE-D9F3FA244D4A}"/>
-            </a:ext>
-          </a:extLst>
-        </p:cNvPr>
-        <p:cNvGrpSpPr/>
-        <p:nvPr/>
-      </p:nvGrpSpPr>
-      <p:grpSpPr>
-        <a:xfrm>
-          <a:off x="0" y="0"/>
-          <a:ext cx="0" cy="0"/>
-          <a:chOff x="0" y="0"/>
-          <a:chExt cx="0" cy="0"/>
-        </a:xfrm>
-      </p:grpSpPr>
-      <p:sp>
-        <p:nvSpPr>
-          <p:cNvPr id="2" name="Slide Image Placeholder 1">
-            <a:extLst>
-              <a:ext uri="{FF2B5EF4-FFF2-40B4-BE49-F238E27FC236}">
-                <a16:creationId xmlns:a16="http://schemas.microsoft.com/office/drawing/2014/main" id="{F0662ABF-04F9-0C3C-F52C-B8813A34B0FF}"/>
-              </a:ext>
-            </a:extLst>
-          </p:cNvPr>
-          <p:cNvSpPr>
-            <a:spLocks noGrp="1" noRot="1" noChangeAspect="1"/>
-          </p:cNvSpPr>
-          <p:nvPr>
-            <p:ph type="sldImg"/>
-          </p:nvPr>
-        </p:nvSpPr>
-        <p:spPr/>
-      </p:sp>
-      <p:sp>
-        <p:nvSpPr>
-          <p:cNvPr id="3" name="Notes Placeholder 2">
-            <a:extLst>
-              <a:ext uri="{FF2B5EF4-FFF2-40B4-BE49-F238E27FC236}">
-                <a16:creationId xmlns:a16="http://schemas.microsoft.com/office/drawing/2014/main" id="{BAB41024-321E-8FE9-429B-B136C8D2B4E2}"/>
-              </a:ext>
-            </a:extLst>
-          </p:cNvPr>
-          <p:cNvSpPr>
-            <a:spLocks noGrp="1"/>
-          </p:cNvSpPr>
-          <p:nvPr>
-            <p:ph type="body" idx="1"/>
-          </p:nvPr>
-        </p:nvSpPr>
-        <p:spPr/>
-        <p:txBody>
-          <a:bodyPr/>
-          <a:lstStyle/>
-          <a:p>
-            <a:endParaRPr lang="en-US" dirty="0"/>
-          </a:p>
-        </p:txBody>
-      </p:sp>
-      <p:sp>
-        <p:nvSpPr>
-          <p:cNvPr id="4" name="Slide Number Placeholder 3">
-            <a:extLst>
-              <a:ext uri="{FF2B5EF4-FFF2-40B4-BE49-F238E27FC236}">
-                <a16:creationId xmlns:a16="http://schemas.microsoft.com/office/drawing/2014/main" id="{E8E0108F-1CE0-0987-1DCF-98282C68DCAB}"/>
-              </a:ext>
-            </a:extLst>
-          </p:cNvPr>
-          <p:cNvSpPr>
-            <a:spLocks noGrp="1"/>
-          </p:cNvSpPr>
-          <p:nvPr>
-            <p:ph type="sldNum" sz="quarter" idx="10"/>
-          </p:nvPr>
-        </p:nvSpPr>
-        <p:spPr/>
-        <p:txBody>
-          <a:bodyPr/>
-          <a:lstStyle/>
-          <a:p>
-            <a:fld id="{F7021451-1387-4CA6-816F-3879F97B5CBC}" type="slidenum">
-              <a:rPr lang="en-US"/>
-              <a:t>22</a:t>
-            </a:fld>
-            <a:endParaRPr lang="en-US"/>
-          </a:p>
-        </p:txBody>
-      </p:sp>
-    </p:spTree>
-    <p:extLst>
-      <p:ext uri="{BB962C8B-B14F-4D97-AF65-F5344CB8AC3E}">
-        <p14:creationId xmlns:p14="http://schemas.microsoft.com/office/powerpoint/2010/main" val="330360720"/>
-      </p:ext>
-    </p:extLst>
-  </p:cSld>
-  <p:clrMapOvr>
-    <a:masterClrMapping/>
-  </p:clrMapOvr>
-</p:notes>
-</file>
-
-<file path=ppt/notesSlides/notesSlide23.xml><?xml version="1.0" encoding="utf-8"?>
-<p:notes xmlns:a="http://schemas.openxmlformats.org/drawingml/2006/main" xmlns:r="http://schemas.openxmlformats.org/officeDocument/2006/relationships" xmlns:p="http://schemas.openxmlformats.org/presentationml/2006/main">
-  <p:cSld>
-    <p:spTree>
-      <p:nvGrpSpPr>
-        <p:cNvPr id="1" name="">
-          <a:extLst>
-            <a:ext uri="{FF2B5EF4-FFF2-40B4-BE49-F238E27FC236}">
-              <a16:creationId xmlns:a16="http://schemas.microsoft.com/office/drawing/2014/main" id="{6CD3FD86-41AE-6D6F-7D93-A1A47B211BD7}"/>
-            </a:ext>
-          </a:extLst>
-        </p:cNvPr>
-        <p:cNvGrpSpPr/>
-        <p:nvPr/>
-      </p:nvGrpSpPr>
-      <p:grpSpPr>
-        <a:xfrm>
-          <a:off x="0" y="0"/>
-          <a:ext cx="0" cy="0"/>
-          <a:chOff x="0" y="0"/>
-          <a:chExt cx="0" cy="0"/>
-        </a:xfrm>
-      </p:grpSpPr>
-      <p:sp>
-        <p:nvSpPr>
-          <p:cNvPr id="2" name="Slide Image Placeholder 1">
-            <a:extLst>
-              <a:ext uri="{FF2B5EF4-FFF2-40B4-BE49-F238E27FC236}">
-                <a16:creationId xmlns:a16="http://schemas.microsoft.com/office/drawing/2014/main" id="{92A967AD-E9E2-1E06-7CC3-E7A989207F9E}"/>
-              </a:ext>
-            </a:extLst>
-          </p:cNvPr>
-          <p:cNvSpPr>
-            <a:spLocks noGrp="1" noRot="1" noChangeAspect="1"/>
-          </p:cNvSpPr>
-          <p:nvPr>
-            <p:ph type="sldImg"/>
-          </p:nvPr>
-        </p:nvSpPr>
-        <p:spPr/>
-      </p:sp>
-      <p:sp>
-        <p:nvSpPr>
-          <p:cNvPr id="3" name="Notes Placeholder 2">
-            <a:extLst>
-              <a:ext uri="{FF2B5EF4-FFF2-40B4-BE49-F238E27FC236}">
-                <a16:creationId xmlns:a16="http://schemas.microsoft.com/office/drawing/2014/main" id="{CFFC3A36-8C35-1CEB-6E4A-97ADA51B007B}"/>
-              </a:ext>
-            </a:extLst>
-          </p:cNvPr>
-          <p:cNvSpPr>
-            <a:spLocks noGrp="1"/>
-          </p:cNvSpPr>
-          <p:nvPr>
-            <p:ph type="body" idx="1"/>
-          </p:nvPr>
-        </p:nvSpPr>
-        <p:spPr/>
-        <p:txBody>
-          <a:bodyPr/>
-          <a:lstStyle/>
-          <a:p>
-            <a:endParaRPr lang="en-US" dirty="0"/>
-          </a:p>
-        </p:txBody>
-      </p:sp>
-      <p:sp>
-        <p:nvSpPr>
-          <p:cNvPr id="4" name="Slide Number Placeholder 3">
-            <a:extLst>
-              <a:ext uri="{FF2B5EF4-FFF2-40B4-BE49-F238E27FC236}">
-                <a16:creationId xmlns:a16="http://schemas.microsoft.com/office/drawing/2014/main" id="{C3629970-4890-2EC6-835D-215714E5097F}"/>
-              </a:ext>
-            </a:extLst>
-          </p:cNvPr>
-          <p:cNvSpPr>
-            <a:spLocks noGrp="1"/>
-          </p:cNvSpPr>
-          <p:nvPr>
-            <p:ph type="sldNum" sz="quarter" idx="10"/>
-          </p:nvPr>
-        </p:nvSpPr>
-        <p:spPr/>
-        <p:txBody>
-          <a:bodyPr/>
-          <a:lstStyle/>
-          <a:p>
-            <a:fld id="{F7021451-1387-4CA6-816F-3879F97B5CBC}" type="slidenum">
-              <a:rPr lang="en-US"/>
-              <a:t>23</a:t>
-            </a:fld>
-            <a:endParaRPr lang="en-US"/>
-          </a:p>
-        </p:txBody>
-      </p:sp>
-    </p:spTree>
-    <p:extLst>
-      <p:ext uri="{BB962C8B-B14F-4D97-AF65-F5344CB8AC3E}">
-        <p14:creationId xmlns:p14="http://schemas.microsoft.com/office/powerpoint/2010/main" val="231222731"/>
-      </p:ext>
-    </p:extLst>
-  </p:cSld>
-  <p:clrMapOvr>
-    <a:masterClrMapping/>
-  </p:clrMapOvr>
-</p:notes>
-</file>
-
-<file path=ppt/notesSlides/notesSlide24.xml><?xml version="1.0" encoding="utf-8"?>
-<p:notes xmlns:a="http://schemas.openxmlformats.org/drawingml/2006/main" xmlns:r="http://schemas.openxmlformats.org/officeDocument/2006/relationships" xmlns:p="http://schemas.openxmlformats.org/presentationml/2006/main">
-  <p:cSld>
-    <p:spTree>
-      <p:nvGrpSpPr>
-        <p:cNvPr id="1" name="">
-          <a:extLst>
-            <a:ext uri="{FF2B5EF4-FFF2-40B4-BE49-F238E27FC236}">
-              <a16:creationId xmlns:a16="http://schemas.microsoft.com/office/drawing/2014/main" id="{57863E46-1364-35E0-D133-942F8642AF33}"/>
-            </a:ext>
-          </a:extLst>
-        </p:cNvPr>
-        <p:cNvGrpSpPr/>
-        <p:nvPr/>
-      </p:nvGrpSpPr>
-      <p:grpSpPr>
-        <a:xfrm>
-          <a:off x="0" y="0"/>
-          <a:ext cx="0" cy="0"/>
-          <a:chOff x="0" y="0"/>
-          <a:chExt cx="0" cy="0"/>
-        </a:xfrm>
-      </p:grpSpPr>
-      <p:sp>
-        <p:nvSpPr>
-          <p:cNvPr id="2" name="Slide Image Placeholder 1">
-            <a:extLst>
-              <a:ext uri="{FF2B5EF4-FFF2-40B4-BE49-F238E27FC236}">
-                <a16:creationId xmlns:a16="http://schemas.microsoft.com/office/drawing/2014/main" id="{580099BA-DF86-A7AC-EAED-4D3ED539D36B}"/>
-              </a:ext>
-            </a:extLst>
-          </p:cNvPr>
-          <p:cNvSpPr>
-            <a:spLocks noGrp="1" noRot="1" noChangeAspect="1"/>
-          </p:cNvSpPr>
-          <p:nvPr>
-            <p:ph type="sldImg"/>
-          </p:nvPr>
-        </p:nvSpPr>
-        <p:spPr/>
-      </p:sp>
-      <p:sp>
-        <p:nvSpPr>
-          <p:cNvPr id="3" name="Notes Placeholder 2">
-            <a:extLst>
-              <a:ext uri="{FF2B5EF4-FFF2-40B4-BE49-F238E27FC236}">
-                <a16:creationId xmlns:a16="http://schemas.microsoft.com/office/drawing/2014/main" id="{E671170E-8D57-F0EC-8EED-EA5FA50657D6}"/>
-              </a:ext>
-            </a:extLst>
-          </p:cNvPr>
-          <p:cNvSpPr>
-            <a:spLocks noGrp="1"/>
-          </p:cNvSpPr>
-          <p:nvPr>
-            <p:ph type="body" idx="1"/>
-          </p:nvPr>
-        </p:nvSpPr>
-        <p:spPr/>
-        <p:txBody>
-          <a:bodyPr/>
-          <a:lstStyle/>
-          <a:p>
-            <a:endParaRPr lang="en-US" dirty="0"/>
-          </a:p>
-        </p:txBody>
-      </p:sp>
-      <p:sp>
-        <p:nvSpPr>
-          <p:cNvPr id="4" name="Slide Number Placeholder 3">
-            <a:extLst>
-              <a:ext uri="{FF2B5EF4-FFF2-40B4-BE49-F238E27FC236}">
-                <a16:creationId xmlns:a16="http://schemas.microsoft.com/office/drawing/2014/main" id="{39687F9C-8D64-2D34-DD68-57D89BAA46F5}"/>
-              </a:ext>
-            </a:extLst>
-          </p:cNvPr>
-          <p:cNvSpPr>
-            <a:spLocks noGrp="1"/>
-          </p:cNvSpPr>
-          <p:nvPr>
-            <p:ph type="sldNum" sz="quarter" idx="10"/>
-          </p:nvPr>
-        </p:nvSpPr>
-        <p:spPr/>
-        <p:txBody>
-          <a:bodyPr/>
-          <a:lstStyle/>
-          <a:p>
-            <a:fld id="{F7021451-1387-4CA6-816F-3879F97B5CBC}" type="slidenum">
-              <a:rPr lang="en-US"/>
-              <a:t>24</a:t>
-            </a:fld>
-            <a:endParaRPr lang="en-US"/>
-          </a:p>
-        </p:txBody>
-      </p:sp>
-    </p:spTree>
-    <p:extLst>
-      <p:ext uri="{BB962C8B-B14F-4D97-AF65-F5344CB8AC3E}">
-        <p14:creationId xmlns:p14="http://schemas.microsoft.com/office/powerpoint/2010/main" val="3886995579"/>
-      </p:ext>
-    </p:extLst>
-  </p:cSld>
-  <p:clrMapOvr>
-    <a:masterClrMapping/>
-  </p:clrMapOvr>
-</p:notes>
-</file>
-
-<file path=ppt/notesSlides/notesSlide25.xml><?xml version="1.0" encoding="utf-8"?>
-<p:notes xmlns:a="http://schemas.openxmlformats.org/drawingml/2006/main" xmlns:r="http://schemas.openxmlformats.org/officeDocument/2006/relationships" xmlns:p="http://schemas.openxmlformats.org/presentationml/2006/main">
-  <p:cSld>
-    <p:spTree>
-      <p:nvGrpSpPr>
-        <p:cNvPr id="1" name="">
-          <a:extLst>
-            <a:ext uri="{FF2B5EF4-FFF2-40B4-BE49-F238E27FC236}">
-              <a16:creationId xmlns:a16="http://schemas.microsoft.com/office/drawing/2014/main" id="{9A12746E-119E-2D06-F16E-751428D86809}"/>
-            </a:ext>
-          </a:extLst>
-        </p:cNvPr>
-        <p:cNvGrpSpPr/>
-        <p:nvPr/>
-      </p:nvGrpSpPr>
-      <p:grpSpPr>
-        <a:xfrm>
-          <a:off x="0" y="0"/>
-          <a:ext cx="0" cy="0"/>
-          <a:chOff x="0" y="0"/>
-          <a:chExt cx="0" cy="0"/>
-        </a:xfrm>
-      </p:grpSpPr>
-      <p:sp>
-        <p:nvSpPr>
-          <p:cNvPr id="2" name="Slide Image Placeholder 1">
-            <a:extLst>
-              <a:ext uri="{FF2B5EF4-FFF2-40B4-BE49-F238E27FC236}">
-                <a16:creationId xmlns:a16="http://schemas.microsoft.com/office/drawing/2014/main" id="{BD744DA3-2BBE-C458-C652-87B0F126011D}"/>
-              </a:ext>
-            </a:extLst>
-          </p:cNvPr>
-          <p:cNvSpPr>
-            <a:spLocks noGrp="1" noRot="1" noChangeAspect="1"/>
-          </p:cNvSpPr>
-          <p:nvPr>
-            <p:ph type="sldImg"/>
-          </p:nvPr>
-        </p:nvSpPr>
-        <p:spPr/>
-      </p:sp>
-      <p:sp>
-        <p:nvSpPr>
-          <p:cNvPr id="3" name="Notes Placeholder 2">
-            <a:extLst>
-              <a:ext uri="{FF2B5EF4-FFF2-40B4-BE49-F238E27FC236}">
-                <a16:creationId xmlns:a16="http://schemas.microsoft.com/office/drawing/2014/main" id="{A8CCF208-E646-B019-AD63-F6B5B17AF996}"/>
-              </a:ext>
-            </a:extLst>
-          </p:cNvPr>
-          <p:cNvSpPr>
-            <a:spLocks noGrp="1"/>
-          </p:cNvSpPr>
-          <p:nvPr>
-            <p:ph type="body" idx="1"/>
-          </p:nvPr>
-        </p:nvSpPr>
-        <p:spPr/>
-        <p:txBody>
-          <a:bodyPr/>
-          <a:lstStyle/>
-          <a:p>
-            <a:endParaRPr lang="en-US" dirty="0"/>
-          </a:p>
-        </p:txBody>
-      </p:sp>
-      <p:sp>
-        <p:nvSpPr>
-          <p:cNvPr id="4" name="Slide Number Placeholder 3">
-            <a:extLst>
-              <a:ext uri="{FF2B5EF4-FFF2-40B4-BE49-F238E27FC236}">
-                <a16:creationId xmlns:a16="http://schemas.microsoft.com/office/drawing/2014/main" id="{13D9EB19-9A3E-9F68-3DEA-98C277A4A30F}"/>
-              </a:ext>
-            </a:extLst>
-          </p:cNvPr>
-          <p:cNvSpPr>
-            <a:spLocks noGrp="1"/>
-          </p:cNvSpPr>
-          <p:nvPr>
-            <p:ph type="sldNum" sz="quarter" idx="10"/>
-          </p:nvPr>
-        </p:nvSpPr>
-        <p:spPr/>
-        <p:txBody>
-          <a:bodyPr/>
-          <a:lstStyle/>
-          <a:p>
-            <a:fld id="{F7021451-1387-4CA6-816F-3879F97B5CBC}" type="slidenum">
-              <a:rPr lang="en-US"/>
-              <a:t>25</a:t>
-            </a:fld>
-            <a:endParaRPr lang="en-US"/>
-          </a:p>
-        </p:txBody>
-      </p:sp>
-    </p:spTree>
-    <p:extLst>
-      <p:ext uri="{BB962C8B-B14F-4D97-AF65-F5344CB8AC3E}">
-        <p14:creationId xmlns:p14="http://schemas.microsoft.com/office/powerpoint/2010/main" val="1870353755"/>
       </p:ext>
     </p:extLst>
   </p:cSld>
@@ -4672,7 +3146,7 @@
         <p:cNvPr id="1" name="">
           <a:extLst>
             <a:ext uri="{FF2B5EF4-FFF2-40B4-BE49-F238E27FC236}">
-              <a16:creationId xmlns:a16="http://schemas.microsoft.com/office/drawing/2014/main" id="{D2A0667B-6128-AA34-88AD-397EB0016F8B}"/>
+              <a16:creationId xmlns:a16="http://schemas.microsoft.com/office/drawing/2014/main" id="{8F4B5D70-2DFD-76CE-B1D8-6AAF2361E4D9}"/>
             </a:ext>
           </a:extLst>
         </p:cNvPr>
@@ -4692,7 +3166,7 @@
           <p:cNvPr id="2" name="Slide Image Placeholder 1">
             <a:extLst>
               <a:ext uri="{FF2B5EF4-FFF2-40B4-BE49-F238E27FC236}">
-                <a16:creationId xmlns:a16="http://schemas.microsoft.com/office/drawing/2014/main" id="{8E3C1747-7472-8B6D-968E-23D1BF9D1CA3}"/>
+                <a16:creationId xmlns:a16="http://schemas.microsoft.com/office/drawing/2014/main" id="{8C0DD700-A1D8-D73D-4C19-69E434CAFFC2}"/>
               </a:ext>
             </a:extLst>
           </p:cNvPr>
@@ -4710,7 +3184,7 @@
           <p:cNvPr id="3" name="Notes Placeholder 2">
             <a:extLst>
               <a:ext uri="{FF2B5EF4-FFF2-40B4-BE49-F238E27FC236}">
-                <a16:creationId xmlns:a16="http://schemas.microsoft.com/office/drawing/2014/main" id="{04E975B1-EC89-3F5F-55E2-74207A9E7D2E}"/>
+                <a16:creationId xmlns:a16="http://schemas.microsoft.com/office/drawing/2014/main" id="{4C6ABD9A-C00C-0D80-6D6E-5F4E4FFBFD5C}"/>
               </a:ext>
             </a:extLst>
           </p:cNvPr>
@@ -4735,7 +3209,7 @@
           <p:cNvPr id="4" name="Slide Number Placeholder 3">
             <a:extLst>
               <a:ext uri="{FF2B5EF4-FFF2-40B4-BE49-F238E27FC236}">
-                <a16:creationId xmlns:a16="http://schemas.microsoft.com/office/drawing/2014/main" id="{1DC8FF30-31CC-F5C7-20CA-9183C40A3FC0}"/>
+                <a16:creationId xmlns:a16="http://schemas.microsoft.com/office/drawing/2014/main" id="{66A8DCD3-D740-4D6A-8E40-C73C9B61B6FD}"/>
               </a:ext>
             </a:extLst>
           </p:cNvPr>
@@ -4762,7 +3236,7 @@
     </p:spTree>
     <p:extLst>
       <p:ext uri="{BB962C8B-B14F-4D97-AF65-F5344CB8AC3E}">
-        <p14:creationId xmlns:p14="http://schemas.microsoft.com/office/powerpoint/2010/main" val="1950063259"/>
+        <p14:creationId xmlns:p14="http://schemas.microsoft.com/office/powerpoint/2010/main" val="1475363568"/>
       </p:ext>
     </p:extLst>
   </p:cSld>
@@ -4780,7 +3254,7 @@
         <p:cNvPr id="1" name="">
           <a:extLst>
             <a:ext uri="{FF2B5EF4-FFF2-40B4-BE49-F238E27FC236}">
-              <a16:creationId xmlns:a16="http://schemas.microsoft.com/office/drawing/2014/main" id="{B28531F1-3B89-5F1E-0DAA-DCACEBB10FD1}"/>
+              <a16:creationId xmlns:a16="http://schemas.microsoft.com/office/drawing/2014/main" id="{DC151E25-9732-12AE-46EB-8A71DD1FEF34}"/>
             </a:ext>
           </a:extLst>
         </p:cNvPr>
@@ -4800,7 +3274,7 @@
           <p:cNvPr id="2" name="Slide Image Placeholder 1">
             <a:extLst>
               <a:ext uri="{FF2B5EF4-FFF2-40B4-BE49-F238E27FC236}">
-                <a16:creationId xmlns:a16="http://schemas.microsoft.com/office/drawing/2014/main" id="{E96EA582-4CA9-5F37-1705-EF4C96B806F9}"/>
+                <a16:creationId xmlns:a16="http://schemas.microsoft.com/office/drawing/2014/main" id="{694391A9-B672-090F-727E-D52F4C857DF7}"/>
               </a:ext>
             </a:extLst>
           </p:cNvPr>
@@ -4818,7 +3292,7 @@
           <p:cNvPr id="3" name="Notes Placeholder 2">
             <a:extLst>
               <a:ext uri="{FF2B5EF4-FFF2-40B4-BE49-F238E27FC236}">
-                <a16:creationId xmlns:a16="http://schemas.microsoft.com/office/drawing/2014/main" id="{FBFEF44D-43A0-87A7-D338-16ED330F3D7B}"/>
+                <a16:creationId xmlns:a16="http://schemas.microsoft.com/office/drawing/2014/main" id="{52013D7B-5C87-460B-9EE8-AA9C83C67F84}"/>
               </a:ext>
             </a:extLst>
           </p:cNvPr>
@@ -4843,7 +3317,7 @@
           <p:cNvPr id="4" name="Slide Number Placeholder 3">
             <a:extLst>
               <a:ext uri="{FF2B5EF4-FFF2-40B4-BE49-F238E27FC236}">
-                <a16:creationId xmlns:a16="http://schemas.microsoft.com/office/drawing/2014/main" id="{5D7C6141-1251-8B7B-0718-F7BB4B867359}"/>
+                <a16:creationId xmlns:a16="http://schemas.microsoft.com/office/drawing/2014/main" id="{216C400E-4CA2-164E-87DC-69510156F20A}"/>
               </a:ext>
             </a:extLst>
           </p:cNvPr>
@@ -4870,7 +3344,7 @@
     </p:spTree>
     <p:extLst>
       <p:ext uri="{BB962C8B-B14F-4D97-AF65-F5344CB8AC3E}">
-        <p14:creationId xmlns:p14="http://schemas.microsoft.com/office/powerpoint/2010/main" val="3804809161"/>
+        <p14:creationId xmlns:p14="http://schemas.microsoft.com/office/powerpoint/2010/main" val="2595796370"/>
       </p:ext>
     </p:extLst>
   </p:cSld>
@@ -4888,7 +3362,7 @@
         <p:cNvPr id="1" name="">
           <a:extLst>
             <a:ext uri="{FF2B5EF4-FFF2-40B4-BE49-F238E27FC236}">
-              <a16:creationId xmlns:a16="http://schemas.microsoft.com/office/drawing/2014/main" id="{C13C7DE2-5A76-6F4C-A9A2-B987B804BAE8}"/>
+              <a16:creationId xmlns:a16="http://schemas.microsoft.com/office/drawing/2014/main" id="{66E8D778-4458-FB30-F1F7-F8C6C28D48F6}"/>
             </a:ext>
           </a:extLst>
         </p:cNvPr>
@@ -4908,7 +3382,7 @@
           <p:cNvPr id="2" name="Slide Image Placeholder 1">
             <a:extLst>
               <a:ext uri="{FF2B5EF4-FFF2-40B4-BE49-F238E27FC236}">
-                <a16:creationId xmlns:a16="http://schemas.microsoft.com/office/drawing/2014/main" id="{84DE7373-D4C5-D1EB-85C7-5EC4EEBFB9B7}"/>
+                <a16:creationId xmlns:a16="http://schemas.microsoft.com/office/drawing/2014/main" id="{48EC4BA0-138E-8E7F-CBBD-C16DC77E5541}"/>
               </a:ext>
             </a:extLst>
           </p:cNvPr>
@@ -4926,7 +3400,7 @@
           <p:cNvPr id="3" name="Notes Placeholder 2">
             <a:extLst>
               <a:ext uri="{FF2B5EF4-FFF2-40B4-BE49-F238E27FC236}">
-                <a16:creationId xmlns:a16="http://schemas.microsoft.com/office/drawing/2014/main" id="{3DBC3155-9656-B5BE-CC58-AC1333E7AD5D}"/>
+                <a16:creationId xmlns:a16="http://schemas.microsoft.com/office/drawing/2014/main" id="{8CFE08C6-BA90-385C-C40B-19BC4782BDF0}"/>
               </a:ext>
             </a:extLst>
           </p:cNvPr>
@@ -4951,7 +3425,7 @@
           <p:cNvPr id="4" name="Slide Number Placeholder 3">
             <a:extLst>
               <a:ext uri="{FF2B5EF4-FFF2-40B4-BE49-F238E27FC236}">
-                <a16:creationId xmlns:a16="http://schemas.microsoft.com/office/drawing/2014/main" id="{B33EB87F-5A24-9E74-4EE3-55699A84BFB6}"/>
+                <a16:creationId xmlns:a16="http://schemas.microsoft.com/office/drawing/2014/main" id="{7C59FA94-B79E-45C2-F9D2-51C880EDB94B}"/>
               </a:ext>
             </a:extLst>
           </p:cNvPr>
@@ -4978,7 +3452,7 @@
     </p:spTree>
     <p:extLst>
       <p:ext uri="{BB962C8B-B14F-4D97-AF65-F5344CB8AC3E}">
-        <p14:creationId xmlns:p14="http://schemas.microsoft.com/office/powerpoint/2010/main" val="2081933483"/>
+        <p14:creationId xmlns:p14="http://schemas.microsoft.com/office/powerpoint/2010/main" val="4058524550"/>
       </p:ext>
     </p:extLst>
   </p:cSld>
@@ -4996,7 +3470,7 @@
         <p:cNvPr id="1" name="">
           <a:extLst>
             <a:ext uri="{FF2B5EF4-FFF2-40B4-BE49-F238E27FC236}">
-              <a16:creationId xmlns:a16="http://schemas.microsoft.com/office/drawing/2014/main" id="{C66AC2DA-09C6-AB74-FBF7-4F0E9B4FBAE7}"/>
+              <a16:creationId xmlns:a16="http://schemas.microsoft.com/office/drawing/2014/main" id="{A87AA062-65B9-BFD8-7542-3C3307A89F64}"/>
             </a:ext>
           </a:extLst>
         </p:cNvPr>
@@ -5016,7 +3490,7 @@
           <p:cNvPr id="2" name="Slide Image Placeholder 1">
             <a:extLst>
               <a:ext uri="{FF2B5EF4-FFF2-40B4-BE49-F238E27FC236}">
-                <a16:creationId xmlns:a16="http://schemas.microsoft.com/office/drawing/2014/main" id="{B0CCA9E5-E260-E717-1623-E57993533CFE}"/>
+                <a16:creationId xmlns:a16="http://schemas.microsoft.com/office/drawing/2014/main" id="{F2B1BC99-BBDD-B9F8-55EB-19828E5984C4}"/>
               </a:ext>
             </a:extLst>
           </p:cNvPr>
@@ -5034,7 +3508,7 @@
           <p:cNvPr id="3" name="Notes Placeholder 2">
             <a:extLst>
               <a:ext uri="{FF2B5EF4-FFF2-40B4-BE49-F238E27FC236}">
-                <a16:creationId xmlns:a16="http://schemas.microsoft.com/office/drawing/2014/main" id="{89DD7842-26D8-6E95-5E4E-9A0972E25352}"/>
+                <a16:creationId xmlns:a16="http://schemas.microsoft.com/office/drawing/2014/main" id="{F12BC32F-4CD5-27D3-55DA-4E7BA1690204}"/>
               </a:ext>
             </a:extLst>
           </p:cNvPr>
@@ -5059,7 +3533,7 @@
           <p:cNvPr id="4" name="Slide Number Placeholder 3">
             <a:extLst>
               <a:ext uri="{FF2B5EF4-FFF2-40B4-BE49-F238E27FC236}">
-                <a16:creationId xmlns:a16="http://schemas.microsoft.com/office/drawing/2014/main" id="{90B43839-AFC3-D5CF-2F30-17132112081C}"/>
+                <a16:creationId xmlns:a16="http://schemas.microsoft.com/office/drawing/2014/main" id="{8903BAD6-E524-C0F0-6FE9-15A9817D4AC5}"/>
               </a:ext>
             </a:extLst>
           </p:cNvPr>
@@ -5086,7 +3560,7 @@
     </p:spTree>
     <p:extLst>
       <p:ext uri="{BB962C8B-B14F-4D97-AF65-F5344CB8AC3E}">
-        <p14:creationId xmlns:p14="http://schemas.microsoft.com/office/powerpoint/2010/main" val="3225763447"/>
+        <p14:creationId xmlns:p14="http://schemas.microsoft.com/office/powerpoint/2010/main" val="598466968"/>
       </p:ext>
     </p:extLst>
   </p:cSld>
@@ -5104,7 +3578,7 @@
         <p:cNvPr id="1" name="">
           <a:extLst>
             <a:ext uri="{FF2B5EF4-FFF2-40B4-BE49-F238E27FC236}">
-              <a16:creationId xmlns:a16="http://schemas.microsoft.com/office/drawing/2014/main" id="{3F3DB40D-E217-FEF5-B608-6351F905FFFE}"/>
+              <a16:creationId xmlns:a16="http://schemas.microsoft.com/office/drawing/2014/main" id="{901B9D52-3265-3D09-12F5-28A4EFC2E6F9}"/>
             </a:ext>
           </a:extLst>
         </p:cNvPr>
@@ -5124,7 +3598,7 @@
           <p:cNvPr id="2" name="Slide Image Placeholder 1">
             <a:extLst>
               <a:ext uri="{FF2B5EF4-FFF2-40B4-BE49-F238E27FC236}">
-                <a16:creationId xmlns:a16="http://schemas.microsoft.com/office/drawing/2014/main" id="{BB0C7D05-A386-2EDD-050E-4D1C8ABC2CCD}"/>
+                <a16:creationId xmlns:a16="http://schemas.microsoft.com/office/drawing/2014/main" id="{7A6953A7-DC50-27B0-0272-51CA7A93D756}"/>
               </a:ext>
             </a:extLst>
           </p:cNvPr>
@@ -5142,7 +3616,7 @@
           <p:cNvPr id="3" name="Notes Placeholder 2">
             <a:extLst>
               <a:ext uri="{FF2B5EF4-FFF2-40B4-BE49-F238E27FC236}">
-                <a16:creationId xmlns:a16="http://schemas.microsoft.com/office/drawing/2014/main" id="{5F04ABDA-662D-29BE-1D6F-18B80B6CFCDE}"/>
+                <a16:creationId xmlns:a16="http://schemas.microsoft.com/office/drawing/2014/main" id="{35862DA4-8CBF-5C30-9228-FA94D5FA11F6}"/>
               </a:ext>
             </a:extLst>
           </p:cNvPr>
@@ -5167,7 +3641,7 @@
           <p:cNvPr id="4" name="Slide Number Placeholder 3">
             <a:extLst>
               <a:ext uri="{FF2B5EF4-FFF2-40B4-BE49-F238E27FC236}">
-                <a16:creationId xmlns:a16="http://schemas.microsoft.com/office/drawing/2014/main" id="{A3444577-2CEE-F5D6-F557-C9F5B5B25959}"/>
+                <a16:creationId xmlns:a16="http://schemas.microsoft.com/office/drawing/2014/main" id="{D1DF2686-9C34-8007-7999-6F69916BEC32}"/>
               </a:ext>
             </a:extLst>
           </p:cNvPr>
@@ -5194,7 +3668,7 @@
     </p:spTree>
     <p:extLst>
       <p:ext uri="{BB962C8B-B14F-4D97-AF65-F5344CB8AC3E}">
-        <p14:creationId xmlns:p14="http://schemas.microsoft.com/office/powerpoint/2010/main" val="107372118"/>
+        <p14:creationId xmlns:p14="http://schemas.microsoft.com/office/powerpoint/2010/main" val="3828857571"/>
       </p:ext>
     </p:extLst>
   </p:cSld>
@@ -7400,7 +5874,7 @@
         <p:cNvPr id="1" name="">
           <a:extLst>
             <a:ext uri="{FF2B5EF4-FFF2-40B4-BE49-F238E27FC236}">
-              <a16:creationId xmlns:a16="http://schemas.microsoft.com/office/drawing/2014/main" id="{E665B4CB-BF17-0134-17A8-A84B7EFB1126}"/>
+              <a16:creationId xmlns:a16="http://schemas.microsoft.com/office/drawing/2014/main" id="{F11224CD-4852-5125-3A15-01E3569B2E75}"/>
             </a:ext>
           </a:extLst>
         </p:cNvPr>
@@ -7415,42 +5889,12 @@
           <a:chExt cx="0" cy="0"/>
         </a:xfrm>
       </p:grpSpPr>
-      <p:pic>
-        <p:nvPicPr>
-          <p:cNvPr id="4" name="Imagen 3">
-            <a:extLst>
-              <a:ext uri="{FF2B5EF4-FFF2-40B4-BE49-F238E27FC236}">
-                <a16:creationId xmlns:a16="http://schemas.microsoft.com/office/drawing/2014/main" id="{AD99DD67-14CD-85D6-0726-FE0D179F2DBA}"/>
-              </a:ext>
-            </a:extLst>
-          </p:cNvPr>
-          <p:cNvPicPr>
-            <a:picLocks noChangeAspect="1"/>
-          </p:cNvPicPr>
-          <p:nvPr/>
-        </p:nvPicPr>
-        <p:blipFill>
-          <a:blip r:embed="rId3"/>
-          <a:stretch>
-            <a:fillRect/>
-          </a:stretch>
-        </p:blipFill>
-        <p:spPr>
-          <a:xfrm>
-            <a:off x="896471" y="3433391"/>
-            <a:ext cx="12837458" cy="4765536"/>
-          </a:xfrm>
-          <a:prstGeom prst="rect">
-            <a:avLst/>
-          </a:prstGeom>
-        </p:spPr>
-      </p:pic>
       <p:sp>
         <p:nvSpPr>
           <p:cNvPr id="2" name="Text 0">
             <a:extLst>
               <a:ext uri="{FF2B5EF4-FFF2-40B4-BE49-F238E27FC236}">
-                <a16:creationId xmlns:a16="http://schemas.microsoft.com/office/drawing/2014/main" id="{C6EB55A3-CBE8-71E5-76D1-85381904C485}"/>
+                <a16:creationId xmlns:a16="http://schemas.microsoft.com/office/drawing/2014/main" id="{2ED1BDC5-11B6-C716-EDDA-D033E8E3F35E}"/>
               </a:ext>
             </a:extLst>
           </p:cNvPr>
@@ -7489,18 +5933,115 @@
                 <a:ea typeface="Fira Mono Medium" pitchFamily="34" charset="-122"/>
                 <a:cs typeface="Fira Mono Medium" pitchFamily="34" charset="-120"/>
               </a:rPr>
-              <a:t>2. Desarrollo CASO 2: </a:t>
+              <a:t>5. </a:t>
             </a:r>
             <a:r>
-              <a:rPr lang="es-ES" sz="4800" dirty="0">
+              <a:rPr lang="en-US" sz="4450" b="1" dirty="0" err="1">
                 <a:solidFill>
-                  <a:srgbClr val="E0D6DE"/>
+                  <a:srgbClr val="FBF3FA"/>
                 </a:solidFill>
+                <a:effectLst>
+                  <a:outerShdw blurRad="38100" dist="38100" dir="2700000" algn="tl">
+                    <a:srgbClr val="000000">
+                      <a:alpha val="43137"/>
+                    </a:srgbClr>
+                  </a:outerShdw>
+                </a:effectLst>
+                <a:latin typeface="Fira Mono Medium" pitchFamily="34" charset="0"/>
+                <a:ea typeface="Fira Mono Medium" pitchFamily="34" charset="-122"/>
+                <a:cs typeface="Fira Mono Medium" pitchFamily="34" charset="-120"/>
+              </a:rPr>
+              <a:t>Diseño</a:t>
+            </a:r>
+            <a:r>
+              <a:rPr lang="en-US" sz="4450" b="1" dirty="0">
+                <a:solidFill>
+                  <a:srgbClr val="FBF3FA"/>
+                </a:solidFill>
+                <a:effectLst>
+                  <a:outerShdw blurRad="38100" dist="38100" dir="2700000" algn="tl">
+                    <a:srgbClr val="000000">
+                      <a:alpha val="43137"/>
+                    </a:srgbClr>
+                  </a:outerShdw>
+                </a:effectLst>
+                <a:latin typeface="Fira Mono Medium" pitchFamily="34" charset="0"/>
+                <a:ea typeface="Fira Mono Medium" pitchFamily="34" charset="-122"/>
+                <a:cs typeface="Fira Mono Medium" pitchFamily="34" charset="-120"/>
+              </a:rPr>
+              <a:t> de </a:t>
+            </a:r>
+            <a:r>
+              <a:rPr lang="en-US" sz="4450" b="1" dirty="0" err="1">
+                <a:solidFill>
+                  <a:srgbClr val="FBF3FA"/>
+                </a:solidFill>
+                <a:effectLst>
+                  <a:outerShdw blurRad="38100" dist="38100" dir="2700000" algn="tl">
+                    <a:srgbClr val="000000">
+                      <a:alpha val="43137"/>
+                    </a:srgbClr>
+                  </a:outerShdw>
+                </a:effectLst>
+                <a:latin typeface="Fira Mono Medium" pitchFamily="34" charset="0"/>
+                <a:ea typeface="Fira Mono Medium" pitchFamily="34" charset="-122"/>
+                <a:cs typeface="Fira Mono Medium" pitchFamily="34" charset="-120"/>
+              </a:rPr>
+              <a:t>Usuarios</a:t>
+            </a:r>
+            <a:r>
+              <a:rPr lang="en-US" sz="4450" b="1" dirty="0">
+                <a:solidFill>
+                  <a:srgbClr val="FBF3FA"/>
+                </a:solidFill>
+                <a:effectLst>
+                  <a:outerShdw blurRad="38100" dist="38100" dir="2700000" algn="tl">
+                    <a:srgbClr val="000000">
+                      <a:alpha val="43137"/>
+                    </a:srgbClr>
+                  </a:outerShdw>
+                </a:effectLst>
+                <a:latin typeface="Fira Mono Medium" pitchFamily="34" charset="0"/>
+                <a:ea typeface="Fira Mono Medium" pitchFamily="34" charset="-122"/>
+                <a:cs typeface="Fira Mono Medium" pitchFamily="34" charset="-120"/>
+              </a:rPr>
+              <a:t>: </a:t>
+            </a:r>
+            <a:r>
+              <a:rPr lang="es-ES" sz="4800" b="1" i="1" dirty="0" err="1">
+                <a:solidFill>
+                  <a:schemeClr val="bg2">
+                    <a:lumMod val="75000"/>
+                  </a:schemeClr>
+                </a:solidFill>
+                <a:effectLst>
+                  <a:outerShdw blurRad="38100" dist="38100" dir="2700000" algn="tl">
+                    <a:srgbClr val="000000">
+                      <a:alpha val="43137"/>
+                    </a:srgbClr>
+                  </a:outerShdw>
+                </a:effectLst>
                 <a:latin typeface="Fira Sans" pitchFamily="34" charset="0"/>
+                <a:ea typeface="Fira Mono Medium" pitchFamily="34" charset="-122"/>
               </a:rPr>
-              <a:t>Clientes</a:t>
+              <a:t>TechAcademy</a:t>
             </a:r>
-            <a:endParaRPr lang="en-US" sz="4450" dirty="0"/>
+            <a:endParaRPr lang="es-ES" sz="4800" b="1" i="1" dirty="0">
+              <a:solidFill>
+                <a:schemeClr val="bg2">
+                  <a:lumMod val="75000"/>
+                </a:schemeClr>
+              </a:solidFill>
+              <a:effectLst>
+                <a:outerShdw blurRad="38100" dist="38100" dir="2700000" algn="tl">
+                  <a:srgbClr val="000000">
+                    <a:alpha val="43137"/>
+                  </a:srgbClr>
+                </a:outerShdw>
+              </a:effectLst>
+              <a:latin typeface="Fira Sans" pitchFamily="34" charset="0"/>
+              <a:ea typeface="Fira Mono Medium" pitchFamily="34" charset="-122"/>
+            </a:endParaRPr>
           </a:p>
         </p:txBody>
       </p:sp>
@@ -7509,7 +6050,7 @@
           <p:cNvPr id="16" name="CuadroTexto 15">
             <a:extLst>
               <a:ext uri="{FF2B5EF4-FFF2-40B4-BE49-F238E27FC236}">
-                <a16:creationId xmlns:a16="http://schemas.microsoft.com/office/drawing/2014/main" id="{3645A01D-373E-E24D-2FDD-7369AC2FBA72}"/>
+                <a16:creationId xmlns:a16="http://schemas.microsoft.com/office/drawing/2014/main" id="{C70B4EF2-D5F5-F828-CE51-39ACA0F999E9}"/>
               </a:ext>
             </a:extLst>
           </p:cNvPr>
@@ -7518,8 +6059,8 @@
         </p:nvSpPr>
         <p:spPr>
           <a:xfrm>
-            <a:off x="785906" y="1438892"/>
-            <a:ext cx="12948023" cy="2677656"/>
+            <a:off x="785906" y="1615395"/>
+            <a:ext cx="12948023" cy="461665"/>
           </a:xfrm>
           <a:prstGeom prst="rect">
             <a:avLst/>
@@ -7533,146 +6074,58 @@
           <a:lstStyle/>
           <a:p>
             <a:pPr algn="l">
-              <a:buFont typeface="+mj-lt"/>
-              <a:buAutoNum type="arabicPeriod"/>
+              <a:spcBef>
+                <a:spcPts val="900"/>
+              </a:spcBef>
+              <a:buFont typeface="Arial" panose="020B0604020202020204" pitchFamily="34" charset="0"/>
+              <a:buChar char="•"/>
             </a:pPr>
-            <a:r>
-              <a:rPr lang="es-ES" sz="2400" b="1" i="0" dirty="0">
-                <a:solidFill>
-                  <a:srgbClr val="D2D0CE"/>
-                </a:solidFill>
-                <a:effectLst/>
-                <a:latin typeface="-apple-system"/>
-              </a:rPr>
-              <a:t>Creación de la base de datos </a:t>
-            </a:r>
-            <a:r>
-              <a:rPr lang="es-ES" sz="2400" b="1" i="0" dirty="0" err="1">
-                <a:solidFill>
-                  <a:srgbClr val="D2D0CE"/>
-                </a:solidFill>
-                <a:effectLst/>
-                <a:latin typeface="-apple-system"/>
-              </a:rPr>
-              <a:t>SemanaTreceClientes</a:t>
-            </a:r>
-            <a:r>
-              <a:rPr lang="es-ES" sz="2400" b="1" i="0" dirty="0">
-                <a:solidFill>
-                  <a:srgbClr val="D2D0CE"/>
-                </a:solidFill>
-                <a:effectLst/>
-                <a:latin typeface="-apple-system"/>
-              </a:rPr>
-              <a:t>:</a:t>
-            </a:r>
-            <a:endParaRPr lang="es-ES" sz="2400" dirty="0">
-              <a:solidFill>
-                <a:srgbClr val="D2D0CE"/>
-              </a:solidFill>
-              <a:latin typeface="-apple-system"/>
-            </a:endParaRPr>
-          </a:p>
-          <a:p>
-            <a:pPr lvl="1"/>
             <a:r>
               <a:rPr lang="es-ES" sz="2400" b="0" i="0" dirty="0">
                 <a:solidFill>
                   <a:srgbClr val="D2D0CE"/>
                 </a:solidFill>
                 <a:effectLst/>
-                <a:latin typeface="-apple-system"/>
               </a:rPr>
-              <a:t>Se crea y selecciona la base de datos para las operaciones.</a:t>
+              <a:t>d</a:t>
             </a:r>
-          </a:p>
-          <a:p>
-            <a:pPr algn="l">
-              <a:buFont typeface="+mj-lt"/>
-              <a:buAutoNum type="arabicPeriod"/>
-            </a:pPr>
-            <a:r>
-              <a:rPr lang="es-ES" sz="2400" b="1" i="0" dirty="0">
-                <a:solidFill>
-                  <a:srgbClr val="D2D0CE"/>
-                </a:solidFill>
-                <a:effectLst/>
-                <a:latin typeface="-apple-system"/>
-              </a:rPr>
-              <a:t>Creación de la tabla Clientes:</a:t>
-            </a:r>
-            <a:endParaRPr lang="es-ES" sz="2400" b="0" i="0" dirty="0">
-              <a:solidFill>
-                <a:srgbClr val="D2D0CE"/>
-              </a:solidFill>
-              <a:effectLst/>
-              <a:latin typeface="-apple-system"/>
-            </a:endParaRPr>
-          </a:p>
-          <a:p>
-            <a:pPr lvl="1" algn="l"/>
-            <a:r>
-              <a:rPr lang="es-ES" sz="2400" b="0" i="0" dirty="0">
-                <a:solidFill>
-                  <a:srgbClr val="D2D0CE"/>
-                </a:solidFill>
-                <a:effectLst/>
-                <a:latin typeface="-apple-system"/>
-              </a:rPr>
-              <a:t>La tabla incluye columnas para ID, Nombre, Apellido, Correo y Teléfono.</a:t>
-            </a:r>
-          </a:p>
-          <a:p>
-            <a:pPr algn="l">
-              <a:buFont typeface="+mj-lt"/>
-              <a:buAutoNum type="arabicPeriod"/>
-            </a:pPr>
-            <a:r>
-              <a:rPr lang="es-ES" sz="2400" b="1" i="0" dirty="0">
-                <a:solidFill>
-                  <a:srgbClr val="D2D0CE"/>
-                </a:solidFill>
-                <a:effectLst/>
-                <a:latin typeface="-apple-system"/>
-              </a:rPr>
-              <a:t>Inserción de datos en la tabla Clientes:</a:t>
-            </a:r>
-            <a:endParaRPr lang="es-ES" sz="2400" b="0" i="0" dirty="0">
-              <a:solidFill>
-                <a:srgbClr val="D2D0CE"/>
-              </a:solidFill>
-              <a:effectLst/>
-              <a:latin typeface="-apple-system"/>
-            </a:endParaRPr>
-          </a:p>
-          <a:p>
-            <a:pPr lvl="1" algn="l"/>
-            <a:r>
-              <a:rPr lang="es-ES" sz="2400" b="0" i="0" dirty="0">
-                <a:solidFill>
-                  <a:srgbClr val="D2D0CE"/>
-                </a:solidFill>
-                <a:effectLst/>
-                <a:latin typeface="-apple-system"/>
-              </a:rPr>
-              <a:t>Se insertan registros de clientes con información básica.</a:t>
-            </a:r>
-          </a:p>
-          <a:p>
-            <a:pPr indent="457200"/>
-            <a:endParaRPr lang="es-ES" sz="2400" dirty="0">
-              <a:solidFill>
-                <a:srgbClr val="E0D6DE"/>
-              </a:solidFill>
-              <a:latin typeface="-apple-system"/>
-            </a:endParaRPr>
           </a:p>
         </p:txBody>
       </p:sp>
+      <p:pic>
+        <p:nvPicPr>
+          <p:cNvPr id="6" name="Imagen 5">
+            <a:extLst>
+              <a:ext uri="{FF2B5EF4-FFF2-40B4-BE49-F238E27FC236}">
+                <a16:creationId xmlns:a16="http://schemas.microsoft.com/office/drawing/2014/main" id="{13EAB285-4AF5-0A44-2909-50B285D371BD}"/>
+              </a:ext>
+            </a:extLst>
+          </p:cNvPr>
+          <p:cNvPicPr>
+            <a:picLocks noChangeAspect="1"/>
+          </p:cNvPicPr>
+          <p:nvPr/>
+        </p:nvPicPr>
+        <p:blipFill>
+          <a:blip r:embed="rId3"/>
+          <a:stretch>
+            <a:fillRect/>
+          </a:stretch>
+        </p:blipFill>
+        <p:spPr>
+          <a:xfrm>
+            <a:off x="785906" y="3081373"/>
+            <a:ext cx="13058588" cy="4572862"/>
+          </a:xfrm>
+          <a:prstGeom prst="rect">
+            <a:avLst/>
+          </a:prstGeom>
+        </p:spPr>
+      </p:pic>
     </p:spTree>
     <p:extLst>
       <p:ext uri="{BB962C8B-B14F-4D97-AF65-F5344CB8AC3E}">
-        <p14:creationId xmlns:p14="http://schemas.microsoft.com/office/powerpoint/2010/main" val="3870446497"/>
+        <p14:creationId xmlns:p14="http://schemas.microsoft.com/office/powerpoint/2010/main" val="4255784051"/>
       </p:ext>
     </p:extLst>
   </p:cSld>
@@ -7690,7 +6143,7 @@
         <p:cNvPr id="1" name="">
           <a:extLst>
             <a:ext uri="{FF2B5EF4-FFF2-40B4-BE49-F238E27FC236}">
-              <a16:creationId xmlns:a16="http://schemas.microsoft.com/office/drawing/2014/main" id="{F0143C32-B24C-DB32-3D6F-E7ADBB801FD7}"/>
+              <a16:creationId xmlns:a16="http://schemas.microsoft.com/office/drawing/2014/main" id="{558C1DB8-1B03-E651-71E7-35B1E97F7125}"/>
             </a:ext>
           </a:extLst>
         </p:cNvPr>
@@ -7710,7 +6163,7 @@
           <p:cNvPr id="2" name="Text 0">
             <a:extLst>
               <a:ext uri="{FF2B5EF4-FFF2-40B4-BE49-F238E27FC236}">
-                <a16:creationId xmlns:a16="http://schemas.microsoft.com/office/drawing/2014/main" id="{AB587D99-96D1-6D2C-4E3A-D9F997D4F3B6}"/>
+                <a16:creationId xmlns:a16="http://schemas.microsoft.com/office/drawing/2014/main" id="{9664B3D0-1000-440D-0FC2-388E7920E4B6}"/>
               </a:ext>
             </a:extLst>
           </p:cNvPr>
@@ -7749,18 +6202,79 @@
                 <a:ea typeface="Fira Mono Medium" pitchFamily="34" charset="-122"/>
                 <a:cs typeface="Fira Mono Medium" pitchFamily="34" charset="-120"/>
               </a:rPr>
-              <a:t>2. Desarrollo CASO 2: </a:t>
+              <a:t>6. Manual del Sistema</a:t>
             </a:r>
             <a:r>
-              <a:rPr lang="es-ES" sz="4800" dirty="0">
+              <a:rPr lang="en-US" sz="4450" b="1" dirty="0">
                 <a:solidFill>
-                  <a:srgbClr val="E0D6DE"/>
+                  <a:srgbClr val="00B0F0"/>
                 </a:solidFill>
+                <a:effectLst>
+                  <a:outerShdw blurRad="38100" dist="38100" dir="2700000" algn="tl">
+                    <a:srgbClr val="000000">
+                      <a:alpha val="43137"/>
+                    </a:srgbClr>
+                  </a:outerShdw>
+                </a:effectLst>
+                <a:latin typeface="Fira Mono Medium" pitchFamily="34" charset="0"/>
+                <a:ea typeface="Fira Mono Medium" pitchFamily="34" charset="-122"/>
+                <a:cs typeface="Fira Mono Medium" pitchFamily="34" charset="-120"/>
+              </a:rPr>
+              <a:t>*</a:t>
+            </a:r>
+            <a:r>
+              <a:rPr lang="en-US" sz="4450" b="1" dirty="0">
+                <a:solidFill>
+                  <a:srgbClr val="FBF3FA"/>
+                </a:solidFill>
+                <a:effectLst>
+                  <a:outerShdw blurRad="38100" dist="38100" dir="2700000" algn="tl">
+                    <a:srgbClr val="000000">
+                      <a:alpha val="43137"/>
+                    </a:srgbClr>
+                  </a:outerShdw>
+                </a:effectLst>
+                <a:latin typeface="Fira Mono Medium" pitchFamily="34" charset="0"/>
+                <a:ea typeface="Fira Mono Medium" pitchFamily="34" charset="-122"/>
+                <a:cs typeface="Fira Mono Medium" pitchFamily="34" charset="-120"/>
+              </a:rPr>
+              <a:t>: </a:t>
+            </a:r>
+            <a:r>
+              <a:rPr lang="es-ES" sz="4800" b="1" i="1" dirty="0" err="1">
+                <a:solidFill>
+                  <a:schemeClr val="bg2">
+                    <a:lumMod val="75000"/>
+                  </a:schemeClr>
+                </a:solidFill>
+                <a:effectLst>
+                  <a:outerShdw blurRad="38100" dist="38100" dir="2700000" algn="tl">
+                    <a:srgbClr val="000000">
+                      <a:alpha val="43137"/>
+                    </a:srgbClr>
+                  </a:outerShdw>
+                </a:effectLst>
                 <a:latin typeface="Fira Sans" pitchFamily="34" charset="0"/>
+                <a:ea typeface="Fira Mono Medium" pitchFamily="34" charset="-122"/>
               </a:rPr>
-              <a:t>Clientes</a:t>
+              <a:t>TechAcademy</a:t>
             </a:r>
-            <a:endParaRPr lang="en-US" sz="4450" dirty="0"/>
+            <a:endParaRPr lang="es-ES" sz="4800" b="1" i="1" dirty="0">
+              <a:solidFill>
+                <a:schemeClr val="bg2">
+                  <a:lumMod val="75000"/>
+                </a:schemeClr>
+              </a:solidFill>
+              <a:effectLst>
+                <a:outerShdw blurRad="38100" dist="38100" dir="2700000" algn="tl">
+                  <a:srgbClr val="000000">
+                    <a:alpha val="43137"/>
+                  </a:srgbClr>
+                </a:outerShdw>
+              </a:effectLst>
+              <a:latin typeface="Fira Sans" pitchFamily="34" charset="0"/>
+              <a:ea typeface="Fira Mono Medium" pitchFamily="34" charset="-122"/>
+            </a:endParaRPr>
           </a:p>
         </p:txBody>
       </p:sp>
@@ -7769,7 +6283,7 @@
           <p:cNvPr id="16" name="CuadroTexto 15">
             <a:extLst>
               <a:ext uri="{FF2B5EF4-FFF2-40B4-BE49-F238E27FC236}">
-                <a16:creationId xmlns:a16="http://schemas.microsoft.com/office/drawing/2014/main" id="{2EB7ABF0-2CCB-ED89-68C5-2CE4ACF2A910}"/>
+                <a16:creationId xmlns:a16="http://schemas.microsoft.com/office/drawing/2014/main" id="{1DE38E85-3F12-5D3B-48B9-0CA95B65CEB5}"/>
               </a:ext>
             </a:extLst>
           </p:cNvPr>
@@ -7779,7 +6293,7 @@
         <p:spPr>
           <a:xfrm>
             <a:off x="785906" y="1615395"/>
-            <a:ext cx="12948023" cy="1200329"/>
+            <a:ext cx="12948023" cy="461665"/>
           </a:xfrm>
           <a:prstGeom prst="rect">
             <a:avLst/>
@@ -7792,58 +6306,31 @@
           </a:bodyPr>
           <a:lstStyle/>
           <a:p>
-            <a:pPr marL="457200" indent="-457200">
-              <a:buFont typeface="+mj-lt"/>
-              <a:buAutoNum type="arabicPeriod" startAt="4"/>
+            <a:pPr algn="l">
+              <a:spcBef>
+                <a:spcPts val="900"/>
+              </a:spcBef>
+              <a:buFont typeface="Arial" panose="020B0604020202020204" pitchFamily="34" charset="0"/>
+              <a:buChar char="•"/>
             </a:pPr>
             <a:r>
-              <a:rPr lang="es-ES" sz="2400" b="1" dirty="0">
+              <a:rPr lang="es-ES" sz="2400" b="0" i="0" dirty="0">
                 <a:solidFill>
-                  <a:srgbClr val="E0D6DE"/>
+                  <a:srgbClr val="D2D0CE"/>
                 </a:solidFill>
-                <a:latin typeface="-apple-system"/>
+                <a:effectLst/>
               </a:rPr>
-              <a:t>Creación del procedimiento almacenado </a:t>
-            </a:r>
-            <a:r>
-              <a:rPr lang="es-ES" sz="2400" b="1" dirty="0" err="1">
-                <a:solidFill>
-                  <a:srgbClr val="E0D6DE"/>
-                </a:solidFill>
-                <a:latin typeface="-apple-system"/>
-              </a:rPr>
-              <a:t>InsertarCliente</a:t>
-            </a:r>
-            <a:r>
-              <a:rPr lang="es-ES" sz="2400" b="1" dirty="0">
-                <a:solidFill>
-                  <a:srgbClr val="E0D6DE"/>
-                </a:solidFill>
-                <a:latin typeface="-apple-system"/>
-              </a:rPr>
-              <a:t>:</a:t>
-            </a:r>
-          </a:p>
-          <a:p>
-            <a:pPr indent="457200"/>
-            <a:r>
-              <a:rPr lang="es-ES" sz="2400" dirty="0">
-                <a:solidFill>
-                  <a:srgbClr val="E0D6DE"/>
-                </a:solidFill>
-                <a:latin typeface="-apple-system"/>
-              </a:rPr>
-              <a:t>Permite insertar un nuevo cliente en la tabla usando parámetros para ID, Nombre, Apellido, Correo y Teléfono.</a:t>
+              <a:t>d</a:t>
             </a:r>
           </a:p>
         </p:txBody>
       </p:sp>
       <p:pic>
         <p:nvPicPr>
-          <p:cNvPr id="4" name="Imagen 3">
+          <p:cNvPr id="6" name="Imagen 5">
             <a:extLst>
               <a:ext uri="{FF2B5EF4-FFF2-40B4-BE49-F238E27FC236}">
-                <a16:creationId xmlns:a16="http://schemas.microsoft.com/office/drawing/2014/main" id="{E1635A1B-EA4F-BB76-5256-EF106528611F}"/>
+                <a16:creationId xmlns:a16="http://schemas.microsoft.com/office/drawing/2014/main" id="{E5314AC4-9711-4DFC-B2C7-4AE5D223364F}"/>
               </a:ext>
             </a:extLst>
           </p:cNvPr>
@@ -7860,38 +6347,8 @@
         </p:blipFill>
         <p:spPr>
           <a:xfrm>
-            <a:off x="785906" y="3008273"/>
-            <a:ext cx="13058588" cy="2213054"/>
-          </a:xfrm>
-          <a:prstGeom prst="rect">
-            <a:avLst/>
-          </a:prstGeom>
-        </p:spPr>
-      </p:pic>
-      <p:pic>
-        <p:nvPicPr>
-          <p:cNvPr id="8" name="Imagen 7">
-            <a:extLst>
-              <a:ext uri="{FF2B5EF4-FFF2-40B4-BE49-F238E27FC236}">
-                <a16:creationId xmlns:a16="http://schemas.microsoft.com/office/drawing/2014/main" id="{19767C0D-7267-D9E4-F496-21E7AB4AD8DD}"/>
-              </a:ext>
-            </a:extLst>
-          </p:cNvPr>
-          <p:cNvPicPr>
-            <a:picLocks noChangeAspect="1"/>
-          </p:cNvPicPr>
-          <p:nvPr/>
-        </p:nvPicPr>
-        <p:blipFill>
-          <a:blip r:embed="rId4"/>
-          <a:stretch>
-            <a:fillRect/>
-          </a:stretch>
-        </p:blipFill>
-        <p:spPr>
-          <a:xfrm>
-            <a:off x="785905" y="5372188"/>
-            <a:ext cx="13058589" cy="2505246"/>
+            <a:off x="785906" y="3081373"/>
+            <a:ext cx="13058588" cy="4572862"/>
           </a:xfrm>
           <a:prstGeom prst="rect">
             <a:avLst/>
@@ -7901,1441 +6358,7 @@
     </p:spTree>
     <p:extLst>
       <p:ext uri="{BB962C8B-B14F-4D97-AF65-F5344CB8AC3E}">
-        <p14:creationId xmlns:p14="http://schemas.microsoft.com/office/powerpoint/2010/main" val="1643168663"/>
-      </p:ext>
-    </p:extLst>
-  </p:cSld>
-  <p:clrMapOvr>
-    <a:masterClrMapping/>
-  </p:clrMapOvr>
-</p:sld>
-</file>
-
-<file path=ppt/slides/slide12.xml><?xml version="1.0" encoding="utf-8"?>
-<p:sld xmlns:a="http://schemas.openxmlformats.org/drawingml/2006/main" xmlns:r="http://schemas.openxmlformats.org/officeDocument/2006/relationships" xmlns:p="http://schemas.openxmlformats.org/presentationml/2006/main">
-  <p:cSld>
-    <p:spTree>
-      <p:nvGrpSpPr>
-        <p:cNvPr id="1" name="">
-          <a:extLst>
-            <a:ext uri="{FF2B5EF4-FFF2-40B4-BE49-F238E27FC236}">
-              <a16:creationId xmlns:a16="http://schemas.microsoft.com/office/drawing/2014/main" id="{F54E5F95-36AB-4533-005F-7D9DC76C1EE7}"/>
-            </a:ext>
-          </a:extLst>
-        </p:cNvPr>
-        <p:cNvGrpSpPr/>
-        <p:nvPr/>
-      </p:nvGrpSpPr>
-      <p:grpSpPr>
-        <a:xfrm>
-          <a:off x="0" y="0"/>
-          <a:ext cx="0" cy="0"/>
-          <a:chOff x="0" y="0"/>
-          <a:chExt cx="0" cy="0"/>
-        </a:xfrm>
-      </p:grpSpPr>
-      <p:sp>
-        <p:nvSpPr>
-          <p:cNvPr id="2" name="Text 0">
-            <a:extLst>
-              <a:ext uri="{FF2B5EF4-FFF2-40B4-BE49-F238E27FC236}">
-                <a16:creationId xmlns:a16="http://schemas.microsoft.com/office/drawing/2014/main" id="{F0E6983E-703A-CE7A-09D5-EC2395E06694}"/>
-              </a:ext>
-            </a:extLst>
-          </p:cNvPr>
-          <p:cNvSpPr/>
-          <p:nvPr/>
-        </p:nvSpPr>
-        <p:spPr>
-          <a:xfrm>
-            <a:off x="343848" y="613336"/>
-            <a:ext cx="13880152" cy="1417558"/>
-          </a:xfrm>
-          <a:prstGeom prst="rect">
-            <a:avLst/>
-          </a:prstGeom>
-          <a:noFill/>
-          <a:ln/>
-        </p:spPr>
-        <p:txBody>
-          <a:bodyPr wrap="square" lIns="0" tIns="0" rIns="0" bIns="0" rtlCol="0" anchor="t"/>
-          <a:lstStyle/>
-          <a:p>
-            <a:pPr algn="l"/>
-            <a:r>
-              <a:rPr lang="en-US" sz="4450" b="1" dirty="0">
-                <a:solidFill>
-                  <a:srgbClr val="FBF3FA"/>
-                </a:solidFill>
-                <a:effectLst>
-                  <a:outerShdw blurRad="38100" dist="38100" dir="2700000" algn="tl">
-                    <a:srgbClr val="000000">
-                      <a:alpha val="43137"/>
-                    </a:srgbClr>
-                  </a:outerShdw>
-                </a:effectLst>
-                <a:latin typeface="Fira Mono Medium" pitchFamily="34" charset="0"/>
-                <a:ea typeface="Fira Mono Medium" pitchFamily="34" charset="-122"/>
-                <a:cs typeface="Fira Mono Medium" pitchFamily="34" charset="-120"/>
-              </a:rPr>
-              <a:t>2. Desarrollo CASO 2: </a:t>
-            </a:r>
-            <a:r>
-              <a:rPr lang="es-ES" sz="4800" dirty="0">
-                <a:solidFill>
-                  <a:srgbClr val="E0D6DE"/>
-                </a:solidFill>
-                <a:latin typeface="Fira Sans" pitchFamily="34" charset="0"/>
-              </a:rPr>
-              <a:t>Clientes</a:t>
-            </a:r>
-            <a:endParaRPr lang="en-US" sz="4450" dirty="0"/>
-          </a:p>
-        </p:txBody>
-      </p:sp>
-      <p:pic>
-        <p:nvPicPr>
-          <p:cNvPr id="3" name="Imagen 2">
-            <a:extLst>
-              <a:ext uri="{FF2B5EF4-FFF2-40B4-BE49-F238E27FC236}">
-                <a16:creationId xmlns:a16="http://schemas.microsoft.com/office/drawing/2014/main" id="{8267E236-41FB-964C-78D6-6BE85493B0E5}"/>
-              </a:ext>
-            </a:extLst>
-          </p:cNvPr>
-          <p:cNvPicPr>
-            <a:picLocks noChangeAspect="1"/>
-          </p:cNvPicPr>
-          <p:nvPr/>
-        </p:nvPicPr>
-        <p:blipFill>
-          <a:blip r:embed="rId3"/>
-          <a:stretch>
-            <a:fillRect/>
-          </a:stretch>
-        </p:blipFill>
-        <p:spPr>
-          <a:xfrm>
-            <a:off x="5634721" y="2791521"/>
-            <a:ext cx="8027491" cy="3054770"/>
-          </a:xfrm>
-          <a:prstGeom prst="rect">
-            <a:avLst/>
-          </a:prstGeom>
-        </p:spPr>
-      </p:pic>
-      <p:pic>
-        <p:nvPicPr>
-          <p:cNvPr id="5" name="Imagen 4">
-            <a:extLst>
-              <a:ext uri="{FF2B5EF4-FFF2-40B4-BE49-F238E27FC236}">
-                <a16:creationId xmlns:a16="http://schemas.microsoft.com/office/drawing/2014/main" id="{CA4505E8-33EB-EDA7-DE5D-24F05A118AA9}"/>
-              </a:ext>
-            </a:extLst>
-          </p:cNvPr>
-          <p:cNvPicPr>
-            <a:picLocks noChangeAspect="1"/>
-          </p:cNvPicPr>
-          <p:nvPr/>
-        </p:nvPicPr>
-        <p:blipFill>
-          <a:blip r:embed="rId4">
-            <a:extLst>
-              <a:ext uri="{28A0092B-C50C-407E-A947-70E740481C1C}">
-                <a14:useLocalDpi xmlns:a14="http://schemas.microsoft.com/office/drawing/2010/main" val="0"/>
-              </a:ext>
-            </a:extLst>
-          </a:blip>
-          <a:stretch>
-            <a:fillRect/>
-          </a:stretch>
-        </p:blipFill>
-        <p:spPr>
-          <a:xfrm>
-            <a:off x="837453" y="2614667"/>
-            <a:ext cx="4797268" cy="3408479"/>
-          </a:xfrm>
-          <a:prstGeom prst="rect">
-            <a:avLst/>
-          </a:prstGeom>
-        </p:spPr>
-      </p:pic>
-    </p:spTree>
-    <p:extLst>
-      <p:ext uri="{BB962C8B-B14F-4D97-AF65-F5344CB8AC3E}">
-        <p14:creationId xmlns:p14="http://schemas.microsoft.com/office/powerpoint/2010/main" val="1579547238"/>
-      </p:ext>
-    </p:extLst>
-  </p:cSld>
-  <p:clrMapOvr>
-    <a:masterClrMapping/>
-  </p:clrMapOvr>
-</p:sld>
-</file>
-
-<file path=ppt/slides/slide13.xml><?xml version="1.0" encoding="utf-8"?>
-<p:sld xmlns:a="http://schemas.openxmlformats.org/drawingml/2006/main" xmlns:r="http://schemas.openxmlformats.org/officeDocument/2006/relationships" xmlns:p="http://schemas.openxmlformats.org/presentationml/2006/main">
-  <p:cSld>
-    <p:spTree>
-      <p:nvGrpSpPr>
-        <p:cNvPr id="1" name="">
-          <a:extLst>
-            <a:ext uri="{FF2B5EF4-FFF2-40B4-BE49-F238E27FC236}">
-              <a16:creationId xmlns:a16="http://schemas.microsoft.com/office/drawing/2014/main" id="{4D84833F-48CE-08BC-011C-C4F7FA71ED2D}"/>
-            </a:ext>
-          </a:extLst>
-        </p:cNvPr>
-        <p:cNvGrpSpPr/>
-        <p:nvPr/>
-      </p:nvGrpSpPr>
-      <p:grpSpPr>
-        <a:xfrm>
-          <a:off x="0" y="0"/>
-          <a:ext cx="0" cy="0"/>
-          <a:chOff x="0" y="0"/>
-          <a:chExt cx="0" cy="0"/>
-        </a:xfrm>
-      </p:grpSpPr>
-      <p:sp>
-        <p:nvSpPr>
-          <p:cNvPr id="2" name="Text 0">
-            <a:extLst>
-              <a:ext uri="{FF2B5EF4-FFF2-40B4-BE49-F238E27FC236}">
-                <a16:creationId xmlns:a16="http://schemas.microsoft.com/office/drawing/2014/main" id="{9DC20DFA-C0FC-F494-DCB3-7FCE3F4F9416}"/>
-              </a:ext>
-            </a:extLst>
-          </p:cNvPr>
-          <p:cNvSpPr/>
-          <p:nvPr/>
-        </p:nvSpPr>
-        <p:spPr>
-          <a:xfrm>
-            <a:off x="343848" y="613336"/>
-            <a:ext cx="13880152" cy="1417558"/>
-          </a:xfrm>
-          <a:prstGeom prst="rect">
-            <a:avLst/>
-          </a:prstGeom>
-          <a:noFill/>
-          <a:ln/>
-        </p:spPr>
-        <p:txBody>
-          <a:bodyPr wrap="square" lIns="0" tIns="0" rIns="0" bIns="0" rtlCol="0" anchor="t"/>
-          <a:lstStyle/>
-          <a:p>
-            <a:pPr algn="l"/>
-            <a:r>
-              <a:rPr lang="en-US" sz="4450" b="1" dirty="0">
-                <a:solidFill>
-                  <a:srgbClr val="FBF3FA"/>
-                </a:solidFill>
-                <a:effectLst>
-                  <a:outerShdw blurRad="38100" dist="38100" dir="2700000" algn="tl">
-                    <a:srgbClr val="000000">
-                      <a:alpha val="43137"/>
-                    </a:srgbClr>
-                  </a:outerShdw>
-                </a:effectLst>
-                <a:latin typeface="Fira Mono Medium" pitchFamily="34" charset="0"/>
-                <a:ea typeface="Fira Mono Medium" pitchFamily="34" charset="-122"/>
-                <a:cs typeface="Fira Mono Medium" pitchFamily="34" charset="-120"/>
-              </a:rPr>
-              <a:t>2. Desarrollo CASO 2: </a:t>
-            </a:r>
-            <a:r>
-              <a:rPr lang="es-ES" sz="4800" dirty="0">
-                <a:solidFill>
-                  <a:srgbClr val="E0D6DE"/>
-                </a:solidFill>
-                <a:latin typeface="Fira Sans" pitchFamily="34" charset="0"/>
-              </a:rPr>
-              <a:t>Clientes</a:t>
-            </a:r>
-            <a:endParaRPr lang="en-US" sz="4450" dirty="0"/>
-          </a:p>
-        </p:txBody>
-      </p:sp>
-      <p:sp>
-        <p:nvSpPr>
-          <p:cNvPr id="16" name="CuadroTexto 15">
-            <a:extLst>
-              <a:ext uri="{FF2B5EF4-FFF2-40B4-BE49-F238E27FC236}">
-                <a16:creationId xmlns:a16="http://schemas.microsoft.com/office/drawing/2014/main" id="{D3632135-5291-C5DE-24FA-BA36E61204B7}"/>
-              </a:ext>
-            </a:extLst>
-          </p:cNvPr>
-          <p:cNvSpPr txBox="1"/>
-          <p:nvPr/>
-        </p:nvSpPr>
-        <p:spPr>
-          <a:xfrm>
-            <a:off x="785906" y="1615395"/>
-            <a:ext cx="12948023" cy="830997"/>
-          </a:xfrm>
-          <a:prstGeom prst="rect">
-            <a:avLst/>
-          </a:prstGeom>
-          <a:noFill/>
-        </p:spPr>
-        <p:txBody>
-          <a:bodyPr wrap="square">
-            <a:spAutoFit/>
-          </a:bodyPr>
-          <a:lstStyle/>
-          <a:p>
-            <a:pPr marL="457200" indent="-457200">
-              <a:buFont typeface="+mj-lt"/>
-              <a:buAutoNum type="arabicPeriod" startAt="5"/>
-            </a:pPr>
-            <a:r>
-              <a:rPr lang="es-ES" sz="2400" b="1" dirty="0">
-                <a:solidFill>
-                  <a:srgbClr val="E0D6DE"/>
-                </a:solidFill>
-                <a:latin typeface="-apple-system"/>
-              </a:rPr>
-              <a:t>Creación del procedimiento almacenado </a:t>
-            </a:r>
-            <a:r>
-              <a:rPr lang="es-ES" sz="2400" b="1" dirty="0" err="1">
-                <a:solidFill>
-                  <a:srgbClr val="E0D6DE"/>
-                </a:solidFill>
-                <a:latin typeface="-apple-system"/>
-              </a:rPr>
-              <a:t>BorrarCliente</a:t>
-            </a:r>
-            <a:r>
-              <a:rPr lang="es-ES" sz="2400" b="1" dirty="0">
-                <a:solidFill>
-                  <a:srgbClr val="E0D6DE"/>
-                </a:solidFill>
-                <a:latin typeface="-apple-system"/>
-              </a:rPr>
-              <a:t>:</a:t>
-            </a:r>
-          </a:p>
-          <a:p>
-            <a:pPr indent="457200"/>
-            <a:r>
-              <a:rPr lang="es-ES" sz="2400" dirty="0">
-                <a:solidFill>
-                  <a:srgbClr val="E0D6DE"/>
-                </a:solidFill>
-                <a:latin typeface="-apple-system"/>
-              </a:rPr>
-              <a:t>Permite eliminar un cliente de la tabla usando su ID.</a:t>
-            </a:r>
-          </a:p>
-        </p:txBody>
-      </p:sp>
-      <p:pic>
-        <p:nvPicPr>
-          <p:cNvPr id="6" name="Imagen 5">
-            <a:extLst>
-              <a:ext uri="{FF2B5EF4-FFF2-40B4-BE49-F238E27FC236}">
-                <a16:creationId xmlns:a16="http://schemas.microsoft.com/office/drawing/2014/main" id="{AEA15FD4-CA58-4F82-31F5-B18299BFCDB3}"/>
-              </a:ext>
-            </a:extLst>
-          </p:cNvPr>
-          <p:cNvPicPr>
-            <a:picLocks noChangeAspect="1"/>
-          </p:cNvPicPr>
-          <p:nvPr/>
-        </p:nvPicPr>
-        <p:blipFill>
-          <a:blip r:embed="rId3"/>
-          <a:stretch>
-            <a:fillRect/>
-          </a:stretch>
-        </p:blipFill>
-        <p:spPr>
-          <a:xfrm>
-            <a:off x="785906" y="3119337"/>
-            <a:ext cx="13058588" cy="1990926"/>
-          </a:xfrm>
-          <a:prstGeom prst="rect">
-            <a:avLst/>
-          </a:prstGeom>
-        </p:spPr>
-      </p:pic>
-      <p:pic>
-        <p:nvPicPr>
-          <p:cNvPr id="7" name="Imagen 6">
-            <a:extLst>
-              <a:ext uri="{FF2B5EF4-FFF2-40B4-BE49-F238E27FC236}">
-                <a16:creationId xmlns:a16="http://schemas.microsoft.com/office/drawing/2014/main" id="{BF19800A-1FC6-4A46-3D5B-4AFAA26A6AE9}"/>
-              </a:ext>
-            </a:extLst>
-          </p:cNvPr>
-          <p:cNvPicPr>
-            <a:picLocks noChangeAspect="1"/>
-          </p:cNvPicPr>
-          <p:nvPr/>
-        </p:nvPicPr>
-        <p:blipFill>
-          <a:blip r:embed="rId4"/>
-          <a:stretch>
-            <a:fillRect/>
-          </a:stretch>
-        </p:blipFill>
-        <p:spPr>
-          <a:xfrm>
-            <a:off x="785906" y="5480572"/>
-            <a:ext cx="13058588" cy="1872255"/>
-          </a:xfrm>
-          <a:prstGeom prst="rect">
-            <a:avLst/>
-          </a:prstGeom>
-        </p:spPr>
-      </p:pic>
-    </p:spTree>
-    <p:extLst>
-      <p:ext uri="{BB962C8B-B14F-4D97-AF65-F5344CB8AC3E}">
-        <p14:creationId xmlns:p14="http://schemas.microsoft.com/office/powerpoint/2010/main" val="2646389621"/>
-      </p:ext>
-    </p:extLst>
-  </p:cSld>
-  <p:clrMapOvr>
-    <a:masterClrMapping/>
-  </p:clrMapOvr>
-</p:sld>
-</file>
-
-<file path=ppt/slides/slide14.xml><?xml version="1.0" encoding="utf-8"?>
-<p:sld xmlns:a="http://schemas.openxmlformats.org/drawingml/2006/main" xmlns:r="http://schemas.openxmlformats.org/officeDocument/2006/relationships" xmlns:p="http://schemas.openxmlformats.org/presentationml/2006/main">
-  <p:cSld>
-    <p:spTree>
-      <p:nvGrpSpPr>
-        <p:cNvPr id="1" name="">
-          <a:extLst>
-            <a:ext uri="{FF2B5EF4-FFF2-40B4-BE49-F238E27FC236}">
-              <a16:creationId xmlns:a16="http://schemas.microsoft.com/office/drawing/2014/main" id="{CED5ECD6-585B-DEB6-68B9-7948107C5C3F}"/>
-            </a:ext>
-          </a:extLst>
-        </p:cNvPr>
-        <p:cNvGrpSpPr/>
-        <p:nvPr/>
-      </p:nvGrpSpPr>
-      <p:grpSpPr>
-        <a:xfrm>
-          <a:off x="0" y="0"/>
-          <a:ext cx="0" cy="0"/>
-          <a:chOff x="0" y="0"/>
-          <a:chExt cx="0" cy="0"/>
-        </a:xfrm>
-      </p:grpSpPr>
-      <p:sp>
-        <p:nvSpPr>
-          <p:cNvPr id="2" name="Text 0">
-            <a:extLst>
-              <a:ext uri="{FF2B5EF4-FFF2-40B4-BE49-F238E27FC236}">
-                <a16:creationId xmlns:a16="http://schemas.microsoft.com/office/drawing/2014/main" id="{5293FED1-1B40-9A0A-9BB0-AC2C512EA810}"/>
-              </a:ext>
-            </a:extLst>
-          </p:cNvPr>
-          <p:cNvSpPr/>
-          <p:nvPr/>
-        </p:nvSpPr>
-        <p:spPr>
-          <a:xfrm>
-            <a:off x="343848" y="613336"/>
-            <a:ext cx="13880152" cy="1417558"/>
-          </a:xfrm>
-          <a:prstGeom prst="rect">
-            <a:avLst/>
-          </a:prstGeom>
-          <a:noFill/>
-          <a:ln/>
-        </p:spPr>
-        <p:txBody>
-          <a:bodyPr wrap="square" lIns="0" tIns="0" rIns="0" bIns="0" rtlCol="0" anchor="t"/>
-          <a:lstStyle/>
-          <a:p>
-            <a:pPr algn="l"/>
-            <a:r>
-              <a:rPr lang="en-US" sz="4450" b="1" dirty="0">
-                <a:solidFill>
-                  <a:srgbClr val="FBF3FA"/>
-                </a:solidFill>
-                <a:effectLst>
-                  <a:outerShdw blurRad="38100" dist="38100" dir="2700000" algn="tl">
-                    <a:srgbClr val="000000">
-                      <a:alpha val="43137"/>
-                    </a:srgbClr>
-                  </a:outerShdw>
-                </a:effectLst>
-                <a:latin typeface="Fira Mono Medium" pitchFamily="34" charset="0"/>
-                <a:ea typeface="Fira Mono Medium" pitchFamily="34" charset="-122"/>
-                <a:cs typeface="Fira Mono Medium" pitchFamily="34" charset="-120"/>
-              </a:rPr>
-              <a:t>2. Desarrollo CASO 2: </a:t>
-            </a:r>
-            <a:r>
-              <a:rPr lang="es-ES" sz="4800" dirty="0">
-                <a:solidFill>
-                  <a:srgbClr val="E0D6DE"/>
-                </a:solidFill>
-                <a:latin typeface="Fira Sans" pitchFamily="34" charset="0"/>
-              </a:rPr>
-              <a:t>Clientes</a:t>
-            </a:r>
-            <a:endParaRPr lang="en-US" sz="4450" dirty="0"/>
-          </a:p>
-        </p:txBody>
-      </p:sp>
-      <p:pic>
-        <p:nvPicPr>
-          <p:cNvPr id="4" name="Imagen 3">
-            <a:extLst>
-              <a:ext uri="{FF2B5EF4-FFF2-40B4-BE49-F238E27FC236}">
-                <a16:creationId xmlns:a16="http://schemas.microsoft.com/office/drawing/2014/main" id="{3FE9C419-C5DB-8567-DCF7-DE0DF4DC7531}"/>
-              </a:ext>
-            </a:extLst>
-          </p:cNvPr>
-          <p:cNvPicPr>
-            <a:picLocks noChangeAspect="1"/>
-          </p:cNvPicPr>
-          <p:nvPr/>
-        </p:nvPicPr>
-        <p:blipFill>
-          <a:blip r:embed="rId3"/>
-          <a:stretch>
-            <a:fillRect/>
-          </a:stretch>
-        </p:blipFill>
-        <p:spPr>
-          <a:xfrm>
-            <a:off x="5634721" y="2857079"/>
-            <a:ext cx="8027491" cy="2703997"/>
-          </a:xfrm>
-          <a:prstGeom prst="rect">
-            <a:avLst/>
-          </a:prstGeom>
-        </p:spPr>
-      </p:pic>
-      <p:pic>
-        <p:nvPicPr>
-          <p:cNvPr id="6" name="Imagen 5">
-            <a:extLst>
-              <a:ext uri="{FF2B5EF4-FFF2-40B4-BE49-F238E27FC236}">
-                <a16:creationId xmlns:a16="http://schemas.microsoft.com/office/drawing/2014/main" id="{9EDB59B6-F72D-13ED-42C1-57EFFE205CA8}"/>
-              </a:ext>
-            </a:extLst>
-          </p:cNvPr>
-          <p:cNvPicPr>
-            <a:picLocks noChangeAspect="1"/>
-          </p:cNvPicPr>
-          <p:nvPr/>
-        </p:nvPicPr>
-        <p:blipFill>
-          <a:blip r:embed="rId4">
-            <a:extLst>
-              <a:ext uri="{28A0092B-C50C-407E-A947-70E740481C1C}">
-                <a14:useLocalDpi xmlns:a14="http://schemas.microsoft.com/office/drawing/2010/main" val="0"/>
-              </a:ext>
-            </a:extLst>
-          </a:blip>
-          <a:stretch>
-            <a:fillRect/>
-          </a:stretch>
-        </p:blipFill>
-        <p:spPr>
-          <a:xfrm>
-            <a:off x="837453" y="2321612"/>
-            <a:ext cx="4797268" cy="3774929"/>
-          </a:xfrm>
-          <a:prstGeom prst="rect">
-            <a:avLst/>
-          </a:prstGeom>
-        </p:spPr>
-      </p:pic>
-    </p:spTree>
-    <p:extLst>
-      <p:ext uri="{BB962C8B-B14F-4D97-AF65-F5344CB8AC3E}">
-        <p14:creationId xmlns:p14="http://schemas.microsoft.com/office/powerpoint/2010/main" val="2206026592"/>
-      </p:ext>
-    </p:extLst>
-  </p:cSld>
-  <p:clrMapOvr>
-    <a:masterClrMapping/>
-  </p:clrMapOvr>
-</p:sld>
-</file>
-
-<file path=ppt/slides/slide15.xml><?xml version="1.0" encoding="utf-8"?>
-<p:sld xmlns:a="http://schemas.openxmlformats.org/drawingml/2006/main" xmlns:r="http://schemas.openxmlformats.org/officeDocument/2006/relationships" xmlns:p="http://schemas.openxmlformats.org/presentationml/2006/main">
-  <p:cSld>
-    <p:spTree>
-      <p:nvGrpSpPr>
-        <p:cNvPr id="1" name="">
-          <a:extLst>
-            <a:ext uri="{FF2B5EF4-FFF2-40B4-BE49-F238E27FC236}">
-              <a16:creationId xmlns:a16="http://schemas.microsoft.com/office/drawing/2014/main" id="{B4FE7EB2-E663-9EE3-F1BC-12E8998BB372}"/>
-            </a:ext>
-          </a:extLst>
-        </p:cNvPr>
-        <p:cNvGrpSpPr/>
-        <p:nvPr/>
-      </p:nvGrpSpPr>
-      <p:grpSpPr>
-        <a:xfrm>
-          <a:off x="0" y="0"/>
-          <a:ext cx="0" cy="0"/>
-          <a:chOff x="0" y="0"/>
-          <a:chExt cx="0" cy="0"/>
-        </a:xfrm>
-      </p:grpSpPr>
-      <p:sp>
-        <p:nvSpPr>
-          <p:cNvPr id="2" name="Text 0">
-            <a:extLst>
-              <a:ext uri="{FF2B5EF4-FFF2-40B4-BE49-F238E27FC236}">
-                <a16:creationId xmlns:a16="http://schemas.microsoft.com/office/drawing/2014/main" id="{A17BC7B9-A32E-6D8C-DF7E-1C705AABE948}"/>
-              </a:ext>
-            </a:extLst>
-          </p:cNvPr>
-          <p:cNvSpPr/>
-          <p:nvPr/>
-        </p:nvSpPr>
-        <p:spPr>
-          <a:xfrm>
-            <a:off x="343848" y="613336"/>
-            <a:ext cx="13880152" cy="1417558"/>
-          </a:xfrm>
-          <a:prstGeom prst="rect">
-            <a:avLst/>
-          </a:prstGeom>
-          <a:noFill/>
-          <a:ln/>
-        </p:spPr>
-        <p:txBody>
-          <a:bodyPr wrap="square" lIns="0" tIns="0" rIns="0" bIns="0" rtlCol="0" anchor="t"/>
-          <a:lstStyle/>
-          <a:p>
-            <a:pPr algn="l"/>
-            <a:r>
-              <a:rPr lang="en-US" sz="4450" b="1" dirty="0">
-                <a:solidFill>
-                  <a:srgbClr val="FBF3FA"/>
-                </a:solidFill>
-                <a:effectLst>
-                  <a:outerShdw blurRad="38100" dist="38100" dir="2700000" algn="tl">
-                    <a:srgbClr val="000000">
-                      <a:alpha val="43137"/>
-                    </a:srgbClr>
-                  </a:outerShdw>
-                </a:effectLst>
-                <a:latin typeface="Fira Mono Medium" pitchFamily="34" charset="0"/>
-                <a:ea typeface="Fira Mono Medium" pitchFamily="34" charset="-122"/>
-                <a:cs typeface="Fira Mono Medium" pitchFamily="34" charset="-120"/>
-              </a:rPr>
-              <a:t>3. CASO 5: </a:t>
-            </a:r>
-            <a:r>
-              <a:rPr lang="es-ES" sz="4800" dirty="0" err="1">
-                <a:solidFill>
-                  <a:srgbClr val="E0D6DE"/>
-                </a:solidFill>
-                <a:effectLst>
-                  <a:outerShdw blurRad="38100" dist="38100" dir="2700000" algn="tl">
-                    <a:srgbClr val="000000">
-                      <a:alpha val="43137"/>
-                    </a:srgbClr>
-                  </a:outerShdw>
-                </a:effectLst>
-                <a:latin typeface="Fira Sans" pitchFamily="34" charset="0"/>
-                <a:ea typeface="Fira Mono Medium" pitchFamily="34" charset="-122"/>
-                <a:cs typeface="Fira Mono Medium" pitchFamily="34" charset="-120"/>
-              </a:rPr>
-              <a:t>EventPro</a:t>
-            </a:r>
-            <a:endParaRPr lang="en-US" sz="4450" dirty="0"/>
-          </a:p>
-        </p:txBody>
-      </p:sp>
-      <p:sp>
-        <p:nvSpPr>
-          <p:cNvPr id="16" name="CuadroTexto 15">
-            <a:extLst>
-              <a:ext uri="{FF2B5EF4-FFF2-40B4-BE49-F238E27FC236}">
-                <a16:creationId xmlns:a16="http://schemas.microsoft.com/office/drawing/2014/main" id="{AF41ED88-F324-95BA-2143-20F15FBEBBD4}"/>
-              </a:ext>
-            </a:extLst>
-          </p:cNvPr>
-          <p:cNvSpPr txBox="1"/>
-          <p:nvPr/>
-        </p:nvSpPr>
-        <p:spPr>
-          <a:xfrm>
-            <a:off x="947270" y="3699301"/>
-            <a:ext cx="12735859" cy="830997"/>
-          </a:xfrm>
-          <a:prstGeom prst="rect">
-            <a:avLst/>
-          </a:prstGeom>
-          <a:noFill/>
-        </p:spPr>
-        <p:txBody>
-          <a:bodyPr wrap="square">
-            <a:spAutoFit/>
-          </a:bodyPr>
-          <a:lstStyle/>
-          <a:p>
-            <a:pPr indent="457200"/>
-            <a:r>
-              <a:rPr lang="es-ES" sz="2400" b="1" dirty="0">
-                <a:solidFill>
-                  <a:srgbClr val="E0D6DE"/>
-                </a:solidFill>
-                <a:latin typeface="Fira Sans" pitchFamily="34" charset="0"/>
-              </a:rPr>
-              <a:t>Contexto</a:t>
-            </a:r>
-            <a:r>
-              <a:rPr lang="es-ES" sz="2400" dirty="0">
-                <a:solidFill>
-                  <a:srgbClr val="E0D6DE"/>
-                </a:solidFill>
-                <a:latin typeface="Fira Sans" pitchFamily="34" charset="0"/>
-              </a:rPr>
-              <a:t>: Se desarrolla un procedimiento almacenado para agregar nuevos productos a una tabla de productos en una tienda en línea.</a:t>
-            </a:r>
-          </a:p>
-        </p:txBody>
-      </p:sp>
-    </p:spTree>
-    <p:extLst>
-      <p:ext uri="{BB962C8B-B14F-4D97-AF65-F5344CB8AC3E}">
-        <p14:creationId xmlns:p14="http://schemas.microsoft.com/office/powerpoint/2010/main" val="231494744"/>
-      </p:ext>
-    </p:extLst>
-  </p:cSld>
-  <p:clrMapOvr>
-    <a:masterClrMapping/>
-  </p:clrMapOvr>
-</p:sld>
-</file>
-
-<file path=ppt/slides/slide16.xml><?xml version="1.0" encoding="utf-8"?>
-<p:sld xmlns:a="http://schemas.openxmlformats.org/drawingml/2006/main" xmlns:r="http://schemas.openxmlformats.org/officeDocument/2006/relationships" xmlns:p="http://schemas.openxmlformats.org/presentationml/2006/main">
-  <p:cSld>
-    <p:spTree>
-      <p:nvGrpSpPr>
-        <p:cNvPr id="1" name="">
-          <a:extLst>
-            <a:ext uri="{FF2B5EF4-FFF2-40B4-BE49-F238E27FC236}">
-              <a16:creationId xmlns:a16="http://schemas.microsoft.com/office/drawing/2014/main" id="{E7800FE9-0223-2BE2-B5EC-3751320F6968}"/>
-            </a:ext>
-          </a:extLst>
-        </p:cNvPr>
-        <p:cNvGrpSpPr/>
-        <p:nvPr/>
-      </p:nvGrpSpPr>
-      <p:grpSpPr>
-        <a:xfrm>
-          <a:off x="0" y="0"/>
-          <a:ext cx="0" cy="0"/>
-          <a:chOff x="0" y="0"/>
-          <a:chExt cx="0" cy="0"/>
-        </a:xfrm>
-      </p:grpSpPr>
-      <p:sp>
-        <p:nvSpPr>
-          <p:cNvPr id="2" name="Text 0">
-            <a:extLst>
-              <a:ext uri="{FF2B5EF4-FFF2-40B4-BE49-F238E27FC236}">
-                <a16:creationId xmlns:a16="http://schemas.microsoft.com/office/drawing/2014/main" id="{B55D965A-9A83-0CE3-CCB1-AFD8D818CCF1}"/>
-              </a:ext>
-            </a:extLst>
-          </p:cNvPr>
-          <p:cNvSpPr/>
-          <p:nvPr/>
-        </p:nvSpPr>
-        <p:spPr>
-          <a:xfrm>
-            <a:off x="343848" y="613336"/>
-            <a:ext cx="13880152" cy="1417558"/>
-          </a:xfrm>
-          <a:prstGeom prst="rect">
-            <a:avLst/>
-          </a:prstGeom>
-          <a:noFill/>
-          <a:ln/>
-        </p:spPr>
-        <p:txBody>
-          <a:bodyPr wrap="square" lIns="0" tIns="0" rIns="0" bIns="0" rtlCol="0" anchor="t"/>
-          <a:lstStyle/>
-          <a:p>
-            <a:pPr algn="l"/>
-            <a:r>
-              <a:rPr lang="en-US" sz="4450" b="1" dirty="0">
-                <a:solidFill>
-                  <a:srgbClr val="FBF3FA"/>
-                </a:solidFill>
-                <a:effectLst>
-                  <a:outerShdw blurRad="38100" dist="38100" dir="2700000" algn="tl">
-                    <a:srgbClr val="000000">
-                      <a:alpha val="43137"/>
-                    </a:srgbClr>
-                  </a:outerShdw>
-                </a:effectLst>
-                <a:latin typeface="Fira Mono Medium" pitchFamily="34" charset="0"/>
-                <a:ea typeface="Fira Mono Medium" pitchFamily="34" charset="-122"/>
-                <a:cs typeface="Fira Mono Medium" pitchFamily="34" charset="-120"/>
-              </a:rPr>
-              <a:t>3. Desarrollo CASO 5: </a:t>
-            </a:r>
-            <a:r>
-              <a:rPr lang="es-ES" sz="4800" dirty="0" err="1">
-                <a:solidFill>
-                  <a:srgbClr val="E0D6DE"/>
-                </a:solidFill>
-                <a:latin typeface="Fira Sans" pitchFamily="34" charset="0"/>
-              </a:rPr>
-              <a:t>EventPro</a:t>
-            </a:r>
-            <a:endParaRPr lang="en-US" sz="4450" dirty="0"/>
-          </a:p>
-        </p:txBody>
-      </p:sp>
-      <p:sp>
-        <p:nvSpPr>
-          <p:cNvPr id="16" name="CuadroTexto 15">
-            <a:extLst>
-              <a:ext uri="{FF2B5EF4-FFF2-40B4-BE49-F238E27FC236}">
-                <a16:creationId xmlns:a16="http://schemas.microsoft.com/office/drawing/2014/main" id="{59C4F43D-D574-0D6B-AB91-812800EE154E}"/>
-              </a:ext>
-            </a:extLst>
-          </p:cNvPr>
-          <p:cNvSpPr txBox="1"/>
-          <p:nvPr/>
-        </p:nvSpPr>
-        <p:spPr>
-          <a:xfrm>
-            <a:off x="785906" y="1615395"/>
-            <a:ext cx="12948023" cy="2285241"/>
-          </a:xfrm>
-          <a:prstGeom prst="rect">
-            <a:avLst/>
-          </a:prstGeom>
-          <a:noFill/>
-        </p:spPr>
-        <p:txBody>
-          <a:bodyPr wrap="square">
-            <a:spAutoFit/>
-          </a:bodyPr>
-          <a:lstStyle/>
-          <a:p>
-            <a:pPr algn="l">
-              <a:spcBef>
-                <a:spcPts val="900"/>
-              </a:spcBef>
-              <a:buFont typeface="+mj-lt"/>
-              <a:buAutoNum type="arabicPeriod"/>
-            </a:pPr>
-            <a:r>
-              <a:rPr lang="es-ES" sz="2400" b="1" i="0" dirty="0">
-                <a:solidFill>
-                  <a:srgbClr val="D2D0CE"/>
-                </a:solidFill>
-                <a:effectLst/>
-                <a:latin typeface="-apple-system"/>
-              </a:rPr>
-              <a:t>Creación de la base de datos </a:t>
-            </a:r>
-            <a:r>
-              <a:rPr lang="es-ES" sz="2400" b="1" i="0" dirty="0" err="1">
-                <a:solidFill>
-                  <a:srgbClr val="D2D0CE"/>
-                </a:solidFill>
-                <a:effectLst/>
-                <a:latin typeface="-apple-system"/>
-              </a:rPr>
-              <a:t>EventPro</a:t>
-            </a:r>
-            <a:r>
-              <a:rPr lang="es-ES" sz="2400" b="1" i="0" dirty="0">
-                <a:solidFill>
-                  <a:srgbClr val="D2D0CE"/>
-                </a:solidFill>
-                <a:effectLst/>
-                <a:latin typeface="-apple-system"/>
-              </a:rPr>
-              <a:t>:</a:t>
-            </a:r>
-            <a:endParaRPr lang="es-ES" sz="2400" b="0" i="0" dirty="0">
-              <a:solidFill>
-                <a:srgbClr val="D2D0CE"/>
-              </a:solidFill>
-              <a:effectLst/>
-              <a:latin typeface="-apple-system"/>
-            </a:endParaRPr>
-          </a:p>
-          <a:p>
-            <a:pPr marL="742950" lvl="1" indent="-285750" algn="l">
-              <a:spcBef>
-                <a:spcPts val="900"/>
-              </a:spcBef>
-              <a:buFont typeface="+mj-lt"/>
-              <a:buAutoNum type="arabicPeriod"/>
-            </a:pPr>
-            <a:r>
-              <a:rPr lang="es-ES" sz="2400" b="0" i="0" dirty="0">
-                <a:solidFill>
-                  <a:srgbClr val="D2D0CE"/>
-                </a:solidFill>
-                <a:effectLst/>
-                <a:latin typeface="-apple-system"/>
-              </a:rPr>
-              <a:t>Se crea la base de datos y las tablas para Eventos, Clientes y Reservas.</a:t>
-            </a:r>
-          </a:p>
-          <a:p>
-            <a:pPr algn="l">
-              <a:spcBef>
-                <a:spcPts val="900"/>
-              </a:spcBef>
-              <a:buFont typeface="+mj-lt"/>
-              <a:buAutoNum type="arabicPeriod"/>
-            </a:pPr>
-            <a:r>
-              <a:rPr lang="es-ES" sz="2400" b="1" i="0" dirty="0">
-                <a:solidFill>
-                  <a:srgbClr val="D2D0CE"/>
-                </a:solidFill>
-                <a:effectLst/>
-                <a:latin typeface="-apple-system"/>
-              </a:rPr>
-              <a:t>Inserción de datos de prueba:</a:t>
-            </a:r>
-            <a:endParaRPr lang="es-ES" sz="2400" b="0" i="0" dirty="0">
-              <a:solidFill>
-                <a:srgbClr val="D2D0CE"/>
-              </a:solidFill>
-              <a:effectLst/>
-              <a:latin typeface="-apple-system"/>
-            </a:endParaRPr>
-          </a:p>
-          <a:p>
-            <a:pPr marL="742950" lvl="1" indent="-285750" algn="l">
-              <a:spcBef>
-                <a:spcPts val="900"/>
-              </a:spcBef>
-              <a:buFont typeface="+mj-lt"/>
-              <a:buAutoNum type="arabicPeriod"/>
-            </a:pPr>
-            <a:r>
-              <a:rPr lang="es-ES" sz="2400" b="0" i="0" dirty="0">
-                <a:solidFill>
-                  <a:srgbClr val="D2D0CE"/>
-                </a:solidFill>
-                <a:effectLst/>
-                <a:latin typeface="-apple-system"/>
-              </a:rPr>
-              <a:t>Se insertan registros en las tablas para evidenciar el funcionamiento del sistema.</a:t>
-            </a:r>
-          </a:p>
-          <a:p>
-            <a:pPr indent="457200"/>
-            <a:endParaRPr lang="es-ES" sz="2400" dirty="0">
-              <a:solidFill>
-                <a:srgbClr val="E0D6DE"/>
-              </a:solidFill>
-              <a:latin typeface="-apple-system"/>
-            </a:endParaRPr>
-          </a:p>
-        </p:txBody>
-      </p:sp>
-      <p:pic>
-        <p:nvPicPr>
-          <p:cNvPr id="4" name="Imagen 3">
-            <a:extLst>
-              <a:ext uri="{FF2B5EF4-FFF2-40B4-BE49-F238E27FC236}">
-                <a16:creationId xmlns:a16="http://schemas.microsoft.com/office/drawing/2014/main" id="{18D96C17-7BDC-5E67-5F65-C1AF5B38F219}"/>
-              </a:ext>
-            </a:extLst>
-          </p:cNvPr>
-          <p:cNvPicPr>
-            <a:picLocks noChangeAspect="1"/>
-          </p:cNvPicPr>
-          <p:nvPr/>
-        </p:nvPicPr>
-        <p:blipFill>
-          <a:blip r:embed="rId3"/>
-          <a:stretch>
-            <a:fillRect/>
-          </a:stretch>
-        </p:blipFill>
-        <p:spPr>
-          <a:xfrm>
-            <a:off x="785905" y="3704272"/>
-            <a:ext cx="12948023" cy="2626910"/>
-          </a:xfrm>
-          <a:prstGeom prst="rect">
-            <a:avLst/>
-          </a:prstGeom>
-        </p:spPr>
-      </p:pic>
-    </p:spTree>
-    <p:extLst>
-      <p:ext uri="{BB962C8B-B14F-4D97-AF65-F5344CB8AC3E}">
-        <p14:creationId xmlns:p14="http://schemas.microsoft.com/office/powerpoint/2010/main" val="2605676891"/>
-      </p:ext>
-    </p:extLst>
-  </p:cSld>
-  <p:clrMapOvr>
-    <a:masterClrMapping/>
-  </p:clrMapOvr>
-</p:sld>
-</file>
-
-<file path=ppt/slides/slide17.xml><?xml version="1.0" encoding="utf-8"?>
-<p:sld xmlns:a="http://schemas.openxmlformats.org/drawingml/2006/main" xmlns:r="http://schemas.openxmlformats.org/officeDocument/2006/relationships" xmlns:p="http://schemas.openxmlformats.org/presentationml/2006/main">
-  <p:cSld>
-    <p:spTree>
-      <p:nvGrpSpPr>
-        <p:cNvPr id="1" name="">
-          <a:extLst>
-            <a:ext uri="{FF2B5EF4-FFF2-40B4-BE49-F238E27FC236}">
-              <a16:creationId xmlns:a16="http://schemas.microsoft.com/office/drawing/2014/main" id="{7F2EAD36-7009-DE6F-43DE-C492CBBD24DD}"/>
-            </a:ext>
-          </a:extLst>
-        </p:cNvPr>
-        <p:cNvGrpSpPr/>
-        <p:nvPr/>
-      </p:nvGrpSpPr>
-      <p:grpSpPr>
-        <a:xfrm>
-          <a:off x="0" y="0"/>
-          <a:ext cx="0" cy="0"/>
-          <a:chOff x="0" y="0"/>
-          <a:chExt cx="0" cy="0"/>
-        </a:xfrm>
-      </p:grpSpPr>
-      <p:sp>
-        <p:nvSpPr>
-          <p:cNvPr id="2" name="Text 0">
-            <a:extLst>
-              <a:ext uri="{FF2B5EF4-FFF2-40B4-BE49-F238E27FC236}">
-                <a16:creationId xmlns:a16="http://schemas.microsoft.com/office/drawing/2014/main" id="{37F2009C-657B-7A4F-3617-1D710F202AB7}"/>
-              </a:ext>
-            </a:extLst>
-          </p:cNvPr>
-          <p:cNvSpPr/>
-          <p:nvPr/>
-        </p:nvSpPr>
-        <p:spPr>
-          <a:xfrm>
-            <a:off x="343848" y="613336"/>
-            <a:ext cx="13880152" cy="1417558"/>
-          </a:xfrm>
-          <a:prstGeom prst="rect">
-            <a:avLst/>
-          </a:prstGeom>
-          <a:noFill/>
-          <a:ln/>
-        </p:spPr>
-        <p:txBody>
-          <a:bodyPr wrap="square" lIns="0" tIns="0" rIns="0" bIns="0" rtlCol="0" anchor="t"/>
-          <a:lstStyle/>
-          <a:p>
-            <a:pPr algn="l"/>
-            <a:r>
-              <a:rPr lang="en-US" sz="4450" b="1" dirty="0">
-                <a:solidFill>
-                  <a:srgbClr val="FBF3FA"/>
-                </a:solidFill>
-                <a:effectLst>
-                  <a:outerShdw blurRad="38100" dist="38100" dir="2700000" algn="tl">
-                    <a:srgbClr val="000000">
-                      <a:alpha val="43137"/>
-                    </a:srgbClr>
-                  </a:outerShdw>
-                </a:effectLst>
-                <a:latin typeface="Fira Mono Medium" pitchFamily="34" charset="0"/>
-                <a:ea typeface="Fira Mono Medium" pitchFamily="34" charset="-122"/>
-                <a:cs typeface="Fira Mono Medium" pitchFamily="34" charset="-120"/>
-              </a:rPr>
-              <a:t>3. Desarrollo CASO 5: </a:t>
-            </a:r>
-            <a:r>
-              <a:rPr lang="es-ES" sz="4800" dirty="0" err="1">
-                <a:solidFill>
-                  <a:srgbClr val="E0D6DE"/>
-                </a:solidFill>
-                <a:latin typeface="Fira Sans" pitchFamily="34" charset="0"/>
-              </a:rPr>
-              <a:t>EventPro</a:t>
-            </a:r>
-            <a:endParaRPr lang="en-US" sz="4450" dirty="0"/>
-          </a:p>
-        </p:txBody>
-      </p:sp>
-      <p:pic>
-        <p:nvPicPr>
-          <p:cNvPr id="5" name="Imagen 4">
-            <a:extLst>
-              <a:ext uri="{FF2B5EF4-FFF2-40B4-BE49-F238E27FC236}">
-                <a16:creationId xmlns:a16="http://schemas.microsoft.com/office/drawing/2014/main" id="{61439CBD-7ACB-AF9F-F083-DBB95FC187A7}"/>
-              </a:ext>
-            </a:extLst>
-          </p:cNvPr>
-          <p:cNvPicPr>
-            <a:picLocks noChangeAspect="1"/>
-          </p:cNvPicPr>
-          <p:nvPr/>
-        </p:nvPicPr>
-        <p:blipFill>
-          <a:blip r:embed="rId3"/>
-          <a:stretch>
-            <a:fillRect/>
-          </a:stretch>
-        </p:blipFill>
-        <p:spPr>
-          <a:xfrm>
-            <a:off x="1393732" y="1382392"/>
-            <a:ext cx="11842936" cy="6233872"/>
-          </a:xfrm>
-          <a:prstGeom prst="rect">
-            <a:avLst/>
-          </a:prstGeom>
-        </p:spPr>
-      </p:pic>
-    </p:spTree>
-    <p:extLst>
-      <p:ext uri="{BB962C8B-B14F-4D97-AF65-F5344CB8AC3E}">
-        <p14:creationId xmlns:p14="http://schemas.microsoft.com/office/powerpoint/2010/main" val="3533263835"/>
-      </p:ext>
-    </p:extLst>
-  </p:cSld>
-  <p:clrMapOvr>
-    <a:masterClrMapping/>
-  </p:clrMapOvr>
-</p:sld>
-</file>
-
-<file path=ppt/slides/slide18.xml><?xml version="1.0" encoding="utf-8"?>
-<p:sld xmlns:a="http://schemas.openxmlformats.org/drawingml/2006/main" xmlns:r="http://schemas.openxmlformats.org/officeDocument/2006/relationships" xmlns:p="http://schemas.openxmlformats.org/presentationml/2006/main">
-  <p:cSld>
-    <p:spTree>
-      <p:nvGrpSpPr>
-        <p:cNvPr id="1" name="">
-          <a:extLst>
-            <a:ext uri="{FF2B5EF4-FFF2-40B4-BE49-F238E27FC236}">
-              <a16:creationId xmlns:a16="http://schemas.microsoft.com/office/drawing/2014/main" id="{91F1A9C9-BF0E-5D65-CA26-8AADF840B69A}"/>
-            </a:ext>
-          </a:extLst>
-        </p:cNvPr>
-        <p:cNvGrpSpPr/>
-        <p:nvPr/>
-      </p:nvGrpSpPr>
-      <p:grpSpPr>
-        <a:xfrm>
-          <a:off x="0" y="0"/>
-          <a:ext cx="0" cy="0"/>
-          <a:chOff x="0" y="0"/>
-          <a:chExt cx="0" cy="0"/>
-        </a:xfrm>
-      </p:grpSpPr>
-      <p:sp>
-        <p:nvSpPr>
-          <p:cNvPr id="2" name="Text 0">
-            <a:extLst>
-              <a:ext uri="{FF2B5EF4-FFF2-40B4-BE49-F238E27FC236}">
-                <a16:creationId xmlns:a16="http://schemas.microsoft.com/office/drawing/2014/main" id="{FA3F40E8-9051-8661-ECBE-CD1E46CFE683}"/>
-              </a:ext>
-            </a:extLst>
-          </p:cNvPr>
-          <p:cNvSpPr/>
-          <p:nvPr/>
-        </p:nvSpPr>
-        <p:spPr>
-          <a:xfrm>
-            <a:off x="343848" y="613336"/>
-            <a:ext cx="13880152" cy="1417558"/>
-          </a:xfrm>
-          <a:prstGeom prst="rect">
-            <a:avLst/>
-          </a:prstGeom>
-          <a:noFill/>
-          <a:ln/>
-        </p:spPr>
-        <p:txBody>
-          <a:bodyPr wrap="square" lIns="0" tIns="0" rIns="0" bIns="0" rtlCol="0" anchor="t"/>
-          <a:lstStyle/>
-          <a:p>
-            <a:pPr algn="l"/>
-            <a:r>
-              <a:rPr lang="en-US" sz="4450" b="1" dirty="0">
-                <a:solidFill>
-                  <a:srgbClr val="FBF3FA"/>
-                </a:solidFill>
-                <a:effectLst>
-                  <a:outerShdw blurRad="38100" dist="38100" dir="2700000" algn="tl">
-                    <a:srgbClr val="000000">
-                      <a:alpha val="43137"/>
-                    </a:srgbClr>
-                  </a:outerShdw>
-                </a:effectLst>
-                <a:latin typeface="Fira Mono Medium" pitchFamily="34" charset="0"/>
-                <a:ea typeface="Fira Mono Medium" pitchFamily="34" charset="-122"/>
-                <a:cs typeface="Fira Mono Medium" pitchFamily="34" charset="-120"/>
-              </a:rPr>
-              <a:t>3. Desarrollo CASO 5: </a:t>
-            </a:r>
-            <a:r>
-              <a:rPr lang="es-ES" sz="4800" dirty="0" err="1">
-                <a:solidFill>
-                  <a:srgbClr val="E0D6DE"/>
-                </a:solidFill>
-                <a:latin typeface="Fira Sans" pitchFamily="34" charset="0"/>
-              </a:rPr>
-              <a:t>EventPro</a:t>
-            </a:r>
-            <a:endParaRPr lang="en-US" sz="4450" dirty="0"/>
-          </a:p>
-        </p:txBody>
-      </p:sp>
-      <p:pic>
-        <p:nvPicPr>
-          <p:cNvPr id="4" name="Imagen 3">
-            <a:extLst>
-              <a:ext uri="{FF2B5EF4-FFF2-40B4-BE49-F238E27FC236}">
-                <a16:creationId xmlns:a16="http://schemas.microsoft.com/office/drawing/2014/main" id="{38C974D1-5B6A-5820-92C5-2ED442B1159F}"/>
-              </a:ext>
-            </a:extLst>
-          </p:cNvPr>
-          <p:cNvPicPr>
-            <a:picLocks noChangeAspect="1"/>
-          </p:cNvPicPr>
-          <p:nvPr/>
-        </p:nvPicPr>
-        <p:blipFill>
-          <a:blip r:embed="rId3"/>
-          <a:stretch>
-            <a:fillRect/>
-          </a:stretch>
-        </p:blipFill>
-        <p:spPr>
-          <a:xfrm>
-            <a:off x="2086050" y="1420727"/>
-            <a:ext cx="10395748" cy="6417592"/>
-          </a:xfrm>
-          <a:prstGeom prst="rect">
-            <a:avLst/>
-          </a:prstGeom>
-        </p:spPr>
-      </p:pic>
-    </p:spTree>
-    <p:extLst>
-      <p:ext uri="{BB962C8B-B14F-4D97-AF65-F5344CB8AC3E}">
-        <p14:creationId xmlns:p14="http://schemas.microsoft.com/office/powerpoint/2010/main" val="3918177899"/>
-      </p:ext>
-    </p:extLst>
-  </p:cSld>
-  <p:clrMapOvr>
-    <a:masterClrMapping/>
-  </p:clrMapOvr>
-</p:sld>
-</file>
-
-<file path=ppt/slides/slide19.xml><?xml version="1.0" encoding="utf-8"?>
-<p:sld xmlns:a="http://schemas.openxmlformats.org/drawingml/2006/main" xmlns:r="http://schemas.openxmlformats.org/officeDocument/2006/relationships" xmlns:p="http://schemas.openxmlformats.org/presentationml/2006/main">
-  <p:cSld>
-    <p:spTree>
-      <p:nvGrpSpPr>
-        <p:cNvPr id="1" name="">
-          <a:extLst>
-            <a:ext uri="{FF2B5EF4-FFF2-40B4-BE49-F238E27FC236}">
-              <a16:creationId xmlns:a16="http://schemas.microsoft.com/office/drawing/2014/main" id="{18F6F411-62EE-8586-1F8C-0B9300BEC8AF}"/>
-            </a:ext>
-          </a:extLst>
-        </p:cNvPr>
-        <p:cNvGrpSpPr/>
-        <p:nvPr/>
-      </p:nvGrpSpPr>
-      <p:grpSpPr>
-        <a:xfrm>
-          <a:off x="0" y="0"/>
-          <a:ext cx="0" cy="0"/>
-          <a:chOff x="0" y="0"/>
-          <a:chExt cx="0" cy="0"/>
-        </a:xfrm>
-      </p:grpSpPr>
-      <p:sp>
-        <p:nvSpPr>
-          <p:cNvPr id="2" name="Text 0">
-            <a:extLst>
-              <a:ext uri="{FF2B5EF4-FFF2-40B4-BE49-F238E27FC236}">
-                <a16:creationId xmlns:a16="http://schemas.microsoft.com/office/drawing/2014/main" id="{820D0466-95DA-022C-A560-259B91F96691}"/>
-              </a:ext>
-            </a:extLst>
-          </p:cNvPr>
-          <p:cNvSpPr/>
-          <p:nvPr/>
-        </p:nvSpPr>
-        <p:spPr>
-          <a:xfrm>
-            <a:off x="343848" y="613336"/>
-            <a:ext cx="13880152" cy="1417558"/>
-          </a:xfrm>
-          <a:prstGeom prst="rect">
-            <a:avLst/>
-          </a:prstGeom>
-          <a:noFill/>
-          <a:ln/>
-        </p:spPr>
-        <p:txBody>
-          <a:bodyPr wrap="square" lIns="0" tIns="0" rIns="0" bIns="0" rtlCol="0" anchor="t"/>
-          <a:lstStyle/>
-          <a:p>
-            <a:pPr algn="l"/>
-            <a:r>
-              <a:rPr lang="en-US" sz="4450" b="1" dirty="0">
-                <a:solidFill>
-                  <a:srgbClr val="FBF3FA"/>
-                </a:solidFill>
-                <a:effectLst>
-                  <a:outerShdw blurRad="38100" dist="38100" dir="2700000" algn="tl">
-                    <a:srgbClr val="000000">
-                      <a:alpha val="43137"/>
-                    </a:srgbClr>
-                  </a:outerShdw>
-                </a:effectLst>
-                <a:latin typeface="Fira Mono Medium" pitchFamily="34" charset="0"/>
-                <a:ea typeface="Fira Mono Medium" pitchFamily="34" charset="-122"/>
-                <a:cs typeface="Fira Mono Medium" pitchFamily="34" charset="-120"/>
-              </a:rPr>
-              <a:t>3. Desarrollo CASO 5: </a:t>
-            </a:r>
-            <a:r>
-              <a:rPr lang="es-ES" sz="4800" dirty="0" err="1">
-                <a:solidFill>
-                  <a:srgbClr val="E0D6DE"/>
-                </a:solidFill>
-                <a:latin typeface="Fira Sans" pitchFamily="34" charset="0"/>
-              </a:rPr>
-              <a:t>EventPro</a:t>
-            </a:r>
-            <a:endParaRPr lang="en-US" sz="4450" dirty="0"/>
-          </a:p>
-        </p:txBody>
-      </p:sp>
-      <p:pic>
-        <p:nvPicPr>
-          <p:cNvPr id="3" name="Imagen 2">
-            <a:extLst>
-              <a:ext uri="{FF2B5EF4-FFF2-40B4-BE49-F238E27FC236}">
-                <a16:creationId xmlns:a16="http://schemas.microsoft.com/office/drawing/2014/main" id="{D4B7DA77-85E0-2EF0-6CB4-A3BABE4AC263}"/>
-              </a:ext>
-            </a:extLst>
-          </p:cNvPr>
-          <p:cNvPicPr>
-            <a:picLocks noChangeAspect="1"/>
-          </p:cNvPicPr>
-          <p:nvPr/>
-        </p:nvPicPr>
-        <p:blipFill rotWithShape="1">
-          <a:blip r:embed="rId3"/>
-          <a:srcRect b="12394"/>
-          <a:stretch/>
-        </p:blipFill>
-        <p:spPr bwMode="auto">
-          <a:xfrm>
-            <a:off x="1596581" y="1559860"/>
-            <a:ext cx="11374686" cy="2366680"/>
-          </a:xfrm>
-          <a:prstGeom prst="rect">
-            <a:avLst/>
-          </a:prstGeom>
-          <a:ln>
-            <a:noFill/>
-          </a:ln>
-          <a:extLst>
-            <a:ext uri="{53640926-AAD7-44D8-BBD7-CCE9431645EC}">
-              <a14:shadowObscured xmlns:a14="http://schemas.microsoft.com/office/drawing/2010/main"/>
-            </a:ext>
-          </a:extLst>
-        </p:spPr>
-      </p:pic>
-      <p:pic>
-        <p:nvPicPr>
-          <p:cNvPr id="5" name="Imagen 4">
-            <a:extLst>
-              <a:ext uri="{FF2B5EF4-FFF2-40B4-BE49-F238E27FC236}">
-                <a16:creationId xmlns:a16="http://schemas.microsoft.com/office/drawing/2014/main" id="{591F0F7F-0FEE-62BF-EB20-5F8DE7D41141}"/>
-              </a:ext>
-            </a:extLst>
-          </p:cNvPr>
-          <p:cNvPicPr>
-            <a:picLocks noChangeAspect="1"/>
-          </p:cNvPicPr>
-          <p:nvPr/>
-        </p:nvPicPr>
-        <p:blipFill rotWithShape="1">
-          <a:blip r:embed="rId4"/>
-          <a:srcRect r="57133" b="26231"/>
-          <a:stretch/>
-        </p:blipFill>
-        <p:spPr bwMode="auto">
-          <a:xfrm>
-            <a:off x="1596581" y="3962401"/>
-            <a:ext cx="4875937" cy="2444814"/>
-          </a:xfrm>
-          <a:prstGeom prst="rect">
-            <a:avLst/>
-          </a:prstGeom>
-          <a:ln>
-            <a:noFill/>
-          </a:ln>
-          <a:extLst>
-            <a:ext uri="{53640926-AAD7-44D8-BBD7-CCE9431645EC}">
-              <a14:shadowObscured xmlns:a14="http://schemas.microsoft.com/office/drawing/2010/main"/>
-            </a:ext>
-          </a:extLst>
-        </p:spPr>
-      </p:pic>
-      <p:pic>
-        <p:nvPicPr>
-          <p:cNvPr id="6" name="Imagen 5">
-            <a:extLst>
-              <a:ext uri="{FF2B5EF4-FFF2-40B4-BE49-F238E27FC236}">
-                <a16:creationId xmlns:a16="http://schemas.microsoft.com/office/drawing/2014/main" id="{BB3DC2CF-EEE6-8DB4-A728-3C1EE64D4171}"/>
-              </a:ext>
-            </a:extLst>
-          </p:cNvPr>
-          <p:cNvPicPr>
-            <a:picLocks noChangeAspect="1"/>
-          </p:cNvPicPr>
-          <p:nvPr/>
-        </p:nvPicPr>
-        <p:blipFill rotWithShape="1">
-          <a:blip r:embed="rId5"/>
-          <a:srcRect r="47518" b="12530"/>
-          <a:stretch/>
-        </p:blipFill>
-        <p:spPr bwMode="auto">
-          <a:xfrm>
-            <a:off x="7001636" y="3962401"/>
-            <a:ext cx="5969631" cy="2650229"/>
-          </a:xfrm>
-          <a:prstGeom prst="rect">
-            <a:avLst/>
-          </a:prstGeom>
-          <a:ln>
-            <a:noFill/>
-          </a:ln>
-          <a:extLst>
-            <a:ext uri="{53640926-AAD7-44D8-BBD7-CCE9431645EC}">
-              <a14:shadowObscured xmlns:a14="http://schemas.microsoft.com/office/drawing/2010/main"/>
-            </a:ext>
-          </a:extLst>
-        </p:spPr>
-      </p:pic>
-    </p:spTree>
-    <p:extLst>
-      <p:ext uri="{BB962C8B-B14F-4D97-AF65-F5344CB8AC3E}">
-        <p14:creationId xmlns:p14="http://schemas.microsoft.com/office/powerpoint/2010/main" val="2231417433"/>
+        <p14:creationId xmlns:p14="http://schemas.microsoft.com/office/powerpoint/2010/main" val="752226862"/>
       </p:ext>
     </p:extLst>
   </p:cSld>
@@ -9447,7 +6470,7 @@
               </a:rPr>
               <a:t>presentación</a:t>
             </a:r>
-            <a:endParaRPr lang="en-US" sz="4450" dirty="0"/>
+            <a:endParaRPr lang="en-US" sz="4450" b="1" dirty="0"/>
           </a:p>
         </p:txBody>
       </p:sp>
@@ -9465,8 +6488,8 @@
         </p:nvSpPr>
         <p:spPr>
           <a:xfrm>
-            <a:off x="1077359" y="1914863"/>
-            <a:ext cx="12475681" cy="5255958"/>
+            <a:off x="1077359" y="2882484"/>
+            <a:ext cx="12475681" cy="2464632"/>
           </a:xfrm>
           <a:prstGeom prst="rect">
             <a:avLst/>
@@ -9478,32 +6501,193 @@
           <a:bodyPr wrap="square" lIns="0" tIns="0" rIns="0" bIns="0" numCol="2" rtlCol="0" anchor="t"/>
           <a:lstStyle/>
           <a:p>
-            <a:pPr>
+            <a:pPr marL="914400" indent="-914400">
               <a:lnSpc>
                 <a:spcPct val="150000"/>
               </a:lnSpc>
+              <a:buAutoNum type="arabicPeriod"/>
             </a:pPr>
             <a:r>
-              <a:rPr lang="en-US" sz="4450" dirty="0">
+              <a:rPr lang="en-US" sz="3200" spc="-150" dirty="0" err="1">
                 <a:solidFill>
                   <a:schemeClr val="bg1"/>
                 </a:solidFill>
+                <a:latin typeface="Fira Mono Medium" panose="020B0609050000020004" pitchFamily="49" charset="0"/>
+                <a:ea typeface="Fira Mono Medium" panose="020B0609050000020004" pitchFamily="49" charset="0"/>
               </a:rPr>
-              <a:t>1. </a:t>
+              <a:t>Introducción</a:t>
             </a:r>
+            <a:endParaRPr lang="en-US" sz="3200" spc="-150" dirty="0">
+              <a:solidFill>
+                <a:schemeClr val="bg1"/>
+              </a:solidFill>
+              <a:latin typeface="Fira Mono Medium" panose="020B0609050000020004" pitchFamily="49" charset="0"/>
+              <a:ea typeface="Fira Mono Medium" panose="020B0609050000020004" pitchFamily="49" charset="0"/>
+            </a:endParaRPr>
+          </a:p>
+          <a:p>
+            <a:pPr marL="914400" indent="-914400">
+              <a:lnSpc>
+                <a:spcPct val="150000"/>
+              </a:lnSpc>
+              <a:buAutoNum type="arabicPeriod"/>
+            </a:pPr>
             <a:r>
-              <a:rPr lang="en-US" sz="4450" dirty="0" err="1">
+              <a:rPr lang="en-US" sz="3200" spc="-150" dirty="0" err="1">
                 <a:solidFill>
                   <a:schemeClr val="bg1"/>
                 </a:solidFill>
+                <a:latin typeface="Fira Mono Medium" panose="020B0609050000020004" pitchFamily="49" charset="0"/>
+                <a:ea typeface="Fira Mono Medium" panose="020B0609050000020004" pitchFamily="49" charset="0"/>
               </a:rPr>
-              <a:t>Introducción</a:t>
+              <a:t>Presentación</a:t>
             </a:r>
-            <a:endParaRPr lang="en-US" sz="4450" dirty="0">
+            <a:r>
+              <a:rPr lang="en-US" sz="3200" spc="-150" dirty="0">
+                <a:solidFill>
+                  <a:schemeClr val="bg1"/>
+                </a:solidFill>
+                <a:latin typeface="Fira Mono Medium" panose="020B0609050000020004" pitchFamily="49" charset="0"/>
+                <a:ea typeface="Fira Mono Medium" panose="020B0609050000020004" pitchFamily="49" charset="0"/>
+              </a:rPr>
+              <a:t> del Caso</a:t>
+            </a:r>
+          </a:p>
+          <a:p>
+            <a:pPr marL="914400" indent="-914400">
+              <a:lnSpc>
+                <a:spcPct val="150000"/>
+              </a:lnSpc>
+              <a:buAutoNum type="arabicPeriod"/>
+            </a:pPr>
+            <a:r>
+              <a:rPr lang="en-US" sz="3200" spc="-150" dirty="0" err="1">
+                <a:solidFill>
+                  <a:schemeClr val="bg1"/>
+                </a:solidFill>
+                <a:latin typeface="Fira Mono Medium" panose="020B0609050000020004" pitchFamily="49" charset="0"/>
+                <a:ea typeface="Fira Mono Medium" panose="020B0609050000020004" pitchFamily="49" charset="0"/>
+              </a:rPr>
+              <a:t>Análisis</a:t>
+            </a:r>
+            <a:r>
+              <a:rPr lang="en-US" sz="3200" spc="-150" dirty="0">
+                <a:solidFill>
+                  <a:schemeClr val="bg1"/>
+                </a:solidFill>
+                <a:latin typeface="Fira Mono Medium" panose="020B0609050000020004" pitchFamily="49" charset="0"/>
+                <a:ea typeface="Fira Mono Medium" panose="020B0609050000020004" pitchFamily="49" charset="0"/>
+              </a:rPr>
+              <a:t> y </a:t>
+            </a:r>
+            <a:r>
+              <a:rPr lang="en-US" sz="3200" spc="-150" dirty="0" err="1">
+                <a:solidFill>
+                  <a:schemeClr val="bg1"/>
+                </a:solidFill>
+                <a:latin typeface="Fira Mono Medium" panose="020B0609050000020004" pitchFamily="49" charset="0"/>
+                <a:ea typeface="Fira Mono Medium" panose="020B0609050000020004" pitchFamily="49" charset="0"/>
+              </a:rPr>
+              <a:t>Propuesta</a:t>
+            </a:r>
+            <a:endParaRPr lang="en-US" sz="3200" spc="-150" dirty="0">
               <a:solidFill>
                 <a:schemeClr val="bg1"/>
               </a:solidFill>
+              <a:latin typeface="Fira Mono Medium" panose="020B0609050000020004" pitchFamily="49" charset="0"/>
+              <a:ea typeface="Fira Mono Medium" panose="020B0609050000020004" pitchFamily="49" charset="0"/>
             </a:endParaRPr>
+          </a:p>
+          <a:p>
+            <a:pPr marL="914400" indent="-914400">
+              <a:lnSpc>
+                <a:spcPct val="150000"/>
+              </a:lnSpc>
+              <a:buAutoNum type="arabicPeriod"/>
+            </a:pPr>
+            <a:r>
+              <a:rPr lang="en-US" sz="3200" spc="-150" dirty="0" err="1">
+                <a:solidFill>
+                  <a:schemeClr val="bg1"/>
+                </a:solidFill>
+                <a:latin typeface="Fira Mono Medium" panose="020B0609050000020004" pitchFamily="49" charset="0"/>
+                <a:ea typeface="Fira Mono Medium" panose="020B0609050000020004" pitchFamily="49" charset="0"/>
+              </a:rPr>
+              <a:t>Diseño</a:t>
+            </a:r>
+            <a:r>
+              <a:rPr lang="en-US" sz="3200" spc="-150" dirty="0">
+                <a:solidFill>
+                  <a:schemeClr val="bg1"/>
+                </a:solidFill>
+                <a:latin typeface="Fira Mono Medium" panose="020B0609050000020004" pitchFamily="49" charset="0"/>
+                <a:ea typeface="Fira Mono Medium" panose="020B0609050000020004" pitchFamily="49" charset="0"/>
+              </a:rPr>
+              <a:t> del Sistema</a:t>
+            </a:r>
+          </a:p>
+          <a:p>
+            <a:pPr marL="914400" indent="-914400">
+              <a:lnSpc>
+                <a:spcPct val="150000"/>
+              </a:lnSpc>
+              <a:buAutoNum type="arabicPeriod"/>
+            </a:pPr>
+            <a:r>
+              <a:rPr lang="en-US" sz="3200" spc="-150" dirty="0" err="1">
+                <a:solidFill>
+                  <a:schemeClr val="bg1"/>
+                </a:solidFill>
+                <a:latin typeface="Fira Mono Medium" panose="020B0609050000020004" pitchFamily="49" charset="0"/>
+                <a:ea typeface="Fira Mono Medium" panose="020B0609050000020004" pitchFamily="49" charset="0"/>
+              </a:rPr>
+              <a:t>Diseño</a:t>
+            </a:r>
+            <a:r>
+              <a:rPr lang="en-US" sz="3200" spc="-150" dirty="0">
+                <a:solidFill>
+                  <a:schemeClr val="bg1"/>
+                </a:solidFill>
+                <a:latin typeface="Fira Mono Medium" panose="020B0609050000020004" pitchFamily="49" charset="0"/>
+                <a:ea typeface="Fira Mono Medium" panose="020B0609050000020004" pitchFamily="49" charset="0"/>
+              </a:rPr>
+              <a:t> de </a:t>
+            </a:r>
+            <a:r>
+              <a:rPr lang="en-US" sz="3200" spc="-150" dirty="0" err="1">
+                <a:solidFill>
+                  <a:schemeClr val="bg1"/>
+                </a:solidFill>
+                <a:latin typeface="Fira Mono Medium" panose="020B0609050000020004" pitchFamily="49" charset="0"/>
+                <a:ea typeface="Fira Mono Medium" panose="020B0609050000020004" pitchFamily="49" charset="0"/>
+              </a:rPr>
+              <a:t>Usuarios</a:t>
+            </a:r>
+            <a:endParaRPr lang="en-US" sz="3200" spc="-150" dirty="0">
+              <a:solidFill>
+                <a:schemeClr val="bg1"/>
+              </a:solidFill>
+              <a:latin typeface="Fira Mono Medium" panose="020B0609050000020004" pitchFamily="49" charset="0"/>
+              <a:ea typeface="Fira Mono Medium" panose="020B0609050000020004" pitchFamily="49" charset="0"/>
+            </a:endParaRPr>
+          </a:p>
+          <a:p>
+            <a:pPr marL="914400" indent="-914400">
+              <a:lnSpc>
+                <a:spcPct val="150000"/>
+              </a:lnSpc>
+              <a:buAutoNum type="arabicPeriod"/>
+            </a:pPr>
+            <a:r>
+              <a:rPr lang="en-US" sz="3200" spc="-150" dirty="0">
+                <a:solidFill>
+                  <a:schemeClr val="bg1"/>
+                </a:solidFill>
+                <a:latin typeface="Fira Mono Medium" panose="020B0609050000020004" pitchFamily="49" charset="0"/>
+                <a:ea typeface="Fira Mono Medium" panose="020B0609050000020004" pitchFamily="49" charset="0"/>
+              </a:rPr>
+              <a:t>Manual del Sistema*</a:t>
+            </a:r>
           </a:p>
         </p:txBody>
       </p:sp>
@@ -9511,1183 +6695,6 @@
     <p:extLst>
       <p:ext uri="{BB962C8B-B14F-4D97-AF65-F5344CB8AC3E}">
         <p14:creationId xmlns:p14="http://schemas.microsoft.com/office/powerpoint/2010/main" val="1835087575"/>
-      </p:ext>
-    </p:extLst>
-  </p:cSld>
-  <p:clrMapOvr>
-    <a:masterClrMapping/>
-  </p:clrMapOvr>
-</p:sld>
-</file>
-
-<file path=ppt/slides/slide20.xml><?xml version="1.0" encoding="utf-8"?>
-<p:sld xmlns:a="http://schemas.openxmlformats.org/drawingml/2006/main" xmlns:r="http://schemas.openxmlformats.org/officeDocument/2006/relationships" xmlns:p="http://schemas.openxmlformats.org/presentationml/2006/main">
-  <p:cSld>
-    <p:spTree>
-      <p:nvGrpSpPr>
-        <p:cNvPr id="1" name="">
-          <a:extLst>
-            <a:ext uri="{FF2B5EF4-FFF2-40B4-BE49-F238E27FC236}">
-              <a16:creationId xmlns:a16="http://schemas.microsoft.com/office/drawing/2014/main" id="{01C7D1B6-9C6E-D26B-6DC5-CDB235AF5261}"/>
-            </a:ext>
-          </a:extLst>
-        </p:cNvPr>
-        <p:cNvGrpSpPr/>
-        <p:nvPr/>
-      </p:nvGrpSpPr>
-      <p:grpSpPr>
-        <a:xfrm>
-          <a:off x="0" y="0"/>
-          <a:ext cx="0" cy="0"/>
-          <a:chOff x="0" y="0"/>
-          <a:chExt cx="0" cy="0"/>
-        </a:xfrm>
-      </p:grpSpPr>
-      <p:sp>
-        <p:nvSpPr>
-          <p:cNvPr id="2" name="Text 0">
-            <a:extLst>
-              <a:ext uri="{FF2B5EF4-FFF2-40B4-BE49-F238E27FC236}">
-                <a16:creationId xmlns:a16="http://schemas.microsoft.com/office/drawing/2014/main" id="{ECF0165A-279E-D29A-4215-A8996ABAD89C}"/>
-              </a:ext>
-            </a:extLst>
-          </p:cNvPr>
-          <p:cNvSpPr/>
-          <p:nvPr/>
-        </p:nvSpPr>
-        <p:spPr>
-          <a:xfrm>
-            <a:off x="343848" y="613336"/>
-            <a:ext cx="13880152" cy="1417558"/>
-          </a:xfrm>
-          <a:prstGeom prst="rect">
-            <a:avLst/>
-          </a:prstGeom>
-          <a:noFill/>
-          <a:ln/>
-        </p:spPr>
-        <p:txBody>
-          <a:bodyPr wrap="square" lIns="0" tIns="0" rIns="0" bIns="0" rtlCol="0" anchor="t"/>
-          <a:lstStyle/>
-          <a:p>
-            <a:pPr algn="l"/>
-            <a:r>
-              <a:rPr lang="en-US" sz="4450" b="1" dirty="0">
-                <a:solidFill>
-                  <a:srgbClr val="FBF3FA"/>
-                </a:solidFill>
-                <a:effectLst>
-                  <a:outerShdw blurRad="38100" dist="38100" dir="2700000" algn="tl">
-                    <a:srgbClr val="000000">
-                      <a:alpha val="43137"/>
-                    </a:srgbClr>
-                  </a:outerShdw>
-                </a:effectLst>
-                <a:latin typeface="Fira Mono Medium" pitchFamily="34" charset="0"/>
-                <a:ea typeface="Fira Mono Medium" pitchFamily="34" charset="-122"/>
-                <a:cs typeface="Fira Mono Medium" pitchFamily="34" charset="-120"/>
-              </a:rPr>
-              <a:t>3. Desarrollo CASO 5: </a:t>
-            </a:r>
-            <a:r>
-              <a:rPr lang="es-ES" sz="4800" dirty="0" err="1">
-                <a:solidFill>
-                  <a:srgbClr val="E0D6DE"/>
-                </a:solidFill>
-                <a:latin typeface="Fira Sans" pitchFamily="34" charset="0"/>
-              </a:rPr>
-              <a:t>EventPro</a:t>
-            </a:r>
-            <a:endParaRPr lang="en-US" sz="4450" dirty="0"/>
-          </a:p>
-        </p:txBody>
-      </p:sp>
-      <p:sp>
-        <p:nvSpPr>
-          <p:cNvPr id="16" name="CuadroTexto 15">
-            <a:extLst>
-              <a:ext uri="{FF2B5EF4-FFF2-40B4-BE49-F238E27FC236}">
-                <a16:creationId xmlns:a16="http://schemas.microsoft.com/office/drawing/2014/main" id="{B37F4A55-2C15-C248-03EE-4CCD9D20997B}"/>
-              </a:ext>
-            </a:extLst>
-          </p:cNvPr>
-          <p:cNvSpPr txBox="1"/>
-          <p:nvPr/>
-        </p:nvSpPr>
-        <p:spPr>
-          <a:xfrm>
-            <a:off x="785906" y="1615395"/>
-            <a:ext cx="2782047" cy="4893647"/>
-          </a:xfrm>
-          <a:prstGeom prst="rect">
-            <a:avLst/>
-          </a:prstGeom>
-          <a:noFill/>
-        </p:spPr>
-        <p:txBody>
-          <a:bodyPr wrap="square">
-            <a:spAutoFit/>
-          </a:bodyPr>
-          <a:lstStyle/>
-          <a:p>
-            <a:pPr algn="l"/>
-            <a:r>
-              <a:rPr lang="es-ES" sz="2400" b="1" i="0" dirty="0">
-                <a:solidFill>
-                  <a:srgbClr val="D2D0CE"/>
-                </a:solidFill>
-                <a:effectLst/>
-                <a:latin typeface="-apple-system"/>
-              </a:rPr>
-              <a:t>3. Procedimiento de Registro de Reservas:</a:t>
-            </a:r>
-            <a:endParaRPr lang="es-ES" sz="2400" b="0" i="0" dirty="0">
-              <a:solidFill>
-                <a:srgbClr val="D2D0CE"/>
-              </a:solidFill>
-              <a:effectLst/>
-              <a:latin typeface="-apple-system"/>
-            </a:endParaRPr>
-          </a:p>
-          <a:p>
-            <a:pPr lvl="1" algn="l"/>
-            <a:r>
-              <a:rPr lang="es-ES" sz="2400" b="0" i="0" dirty="0">
-                <a:solidFill>
-                  <a:srgbClr val="D2D0CE"/>
-                </a:solidFill>
-                <a:effectLst/>
-                <a:latin typeface="-apple-system"/>
-              </a:rPr>
-              <a:t>Permite registrar una nueva reserva para un evento, validando la disponibilidad de entradas y calculando el monto total.</a:t>
-            </a:r>
-          </a:p>
-          <a:p>
-            <a:pPr indent="457200"/>
-            <a:endParaRPr lang="es-ES" sz="2400" dirty="0">
-              <a:solidFill>
-                <a:srgbClr val="E0D6DE"/>
-              </a:solidFill>
-              <a:latin typeface="-apple-system"/>
-            </a:endParaRPr>
-          </a:p>
-        </p:txBody>
-      </p:sp>
-      <p:pic>
-        <p:nvPicPr>
-          <p:cNvPr id="4" name="Imagen 3">
-            <a:extLst>
-              <a:ext uri="{FF2B5EF4-FFF2-40B4-BE49-F238E27FC236}">
-                <a16:creationId xmlns:a16="http://schemas.microsoft.com/office/drawing/2014/main" id="{794953E3-BEBC-915D-026A-0AFA1BA9FD58}"/>
-              </a:ext>
-            </a:extLst>
-          </p:cNvPr>
-          <p:cNvPicPr>
-            <a:picLocks noChangeAspect="1"/>
-          </p:cNvPicPr>
-          <p:nvPr/>
-        </p:nvPicPr>
-        <p:blipFill>
-          <a:blip r:embed="rId3"/>
-          <a:stretch>
-            <a:fillRect/>
-          </a:stretch>
-        </p:blipFill>
-        <p:spPr>
-          <a:xfrm>
-            <a:off x="3509544" y="1472834"/>
-            <a:ext cx="10334950" cy="5645142"/>
-          </a:xfrm>
-          <a:prstGeom prst="rect">
-            <a:avLst/>
-          </a:prstGeom>
-        </p:spPr>
-      </p:pic>
-    </p:spTree>
-    <p:extLst>
-      <p:ext uri="{BB962C8B-B14F-4D97-AF65-F5344CB8AC3E}">
-        <p14:creationId xmlns:p14="http://schemas.microsoft.com/office/powerpoint/2010/main" val="2598063641"/>
-      </p:ext>
-    </p:extLst>
-  </p:cSld>
-  <p:clrMapOvr>
-    <a:masterClrMapping/>
-  </p:clrMapOvr>
-</p:sld>
-</file>
-
-<file path=ppt/slides/slide21.xml><?xml version="1.0" encoding="utf-8"?>
-<p:sld xmlns:a="http://schemas.openxmlformats.org/drawingml/2006/main" xmlns:r="http://schemas.openxmlformats.org/officeDocument/2006/relationships" xmlns:p="http://schemas.openxmlformats.org/presentationml/2006/main">
-  <p:cSld>
-    <p:spTree>
-      <p:nvGrpSpPr>
-        <p:cNvPr id="1" name="">
-          <a:extLst>
-            <a:ext uri="{FF2B5EF4-FFF2-40B4-BE49-F238E27FC236}">
-              <a16:creationId xmlns:a16="http://schemas.microsoft.com/office/drawing/2014/main" id="{DEB16ED7-F0AD-838F-4BCD-B894E98DA189}"/>
-            </a:ext>
-          </a:extLst>
-        </p:cNvPr>
-        <p:cNvGrpSpPr/>
-        <p:nvPr/>
-      </p:nvGrpSpPr>
-      <p:grpSpPr>
-        <a:xfrm>
-          <a:off x="0" y="0"/>
-          <a:ext cx="0" cy="0"/>
-          <a:chOff x="0" y="0"/>
-          <a:chExt cx="0" cy="0"/>
-        </a:xfrm>
-      </p:grpSpPr>
-      <p:sp>
-        <p:nvSpPr>
-          <p:cNvPr id="2" name="Text 0">
-            <a:extLst>
-              <a:ext uri="{FF2B5EF4-FFF2-40B4-BE49-F238E27FC236}">
-                <a16:creationId xmlns:a16="http://schemas.microsoft.com/office/drawing/2014/main" id="{643DEADF-3C29-3207-BADF-BB850CE7448F}"/>
-              </a:ext>
-            </a:extLst>
-          </p:cNvPr>
-          <p:cNvSpPr/>
-          <p:nvPr/>
-        </p:nvSpPr>
-        <p:spPr>
-          <a:xfrm>
-            <a:off x="343848" y="613336"/>
-            <a:ext cx="13880152" cy="1417558"/>
-          </a:xfrm>
-          <a:prstGeom prst="rect">
-            <a:avLst/>
-          </a:prstGeom>
-          <a:noFill/>
-          <a:ln/>
-        </p:spPr>
-        <p:txBody>
-          <a:bodyPr wrap="square" lIns="0" tIns="0" rIns="0" bIns="0" rtlCol="0" anchor="t"/>
-          <a:lstStyle/>
-          <a:p>
-            <a:pPr algn="l"/>
-            <a:r>
-              <a:rPr lang="en-US" sz="4450" b="1" dirty="0">
-                <a:solidFill>
-                  <a:srgbClr val="FBF3FA"/>
-                </a:solidFill>
-                <a:effectLst>
-                  <a:outerShdw blurRad="38100" dist="38100" dir="2700000" algn="tl">
-                    <a:srgbClr val="000000">
-                      <a:alpha val="43137"/>
-                    </a:srgbClr>
-                  </a:outerShdw>
-                </a:effectLst>
-                <a:latin typeface="Fira Mono Medium" pitchFamily="34" charset="0"/>
-                <a:ea typeface="Fira Mono Medium" pitchFamily="34" charset="-122"/>
-                <a:cs typeface="Fira Mono Medium" pitchFamily="34" charset="-120"/>
-              </a:rPr>
-              <a:t>3. Desarrollo CASO 5: </a:t>
-            </a:r>
-            <a:r>
-              <a:rPr lang="es-ES" sz="4800" dirty="0" err="1">
-                <a:solidFill>
-                  <a:srgbClr val="E0D6DE"/>
-                </a:solidFill>
-                <a:latin typeface="Fira Sans" pitchFamily="34" charset="0"/>
-              </a:rPr>
-              <a:t>EventPro</a:t>
-            </a:r>
-            <a:endParaRPr lang="en-US" sz="4450" dirty="0"/>
-          </a:p>
-        </p:txBody>
-      </p:sp>
-      <p:pic>
-        <p:nvPicPr>
-          <p:cNvPr id="3" name="Imagen 2">
-            <a:extLst>
-              <a:ext uri="{FF2B5EF4-FFF2-40B4-BE49-F238E27FC236}">
-                <a16:creationId xmlns:a16="http://schemas.microsoft.com/office/drawing/2014/main" id="{BF9DD93F-8D10-6072-D2C5-B49EB7A8E2B9}"/>
-              </a:ext>
-            </a:extLst>
-          </p:cNvPr>
-          <p:cNvPicPr>
-            <a:picLocks noChangeAspect="1"/>
-          </p:cNvPicPr>
-          <p:nvPr/>
-        </p:nvPicPr>
-        <p:blipFill>
-          <a:blip r:embed="rId3"/>
-          <a:stretch>
-            <a:fillRect/>
-          </a:stretch>
-        </p:blipFill>
-        <p:spPr>
-          <a:xfrm>
-            <a:off x="785906" y="1313043"/>
-            <a:ext cx="13058588" cy="1865514"/>
-          </a:xfrm>
-          <a:prstGeom prst="rect">
-            <a:avLst/>
-          </a:prstGeom>
-        </p:spPr>
-      </p:pic>
-      <p:pic>
-        <p:nvPicPr>
-          <p:cNvPr id="7" name="Imagen 6">
-            <a:extLst>
-              <a:ext uri="{FF2B5EF4-FFF2-40B4-BE49-F238E27FC236}">
-                <a16:creationId xmlns:a16="http://schemas.microsoft.com/office/drawing/2014/main" id="{6F25BD8D-4093-99AD-9308-D18701AD407B}"/>
-              </a:ext>
-            </a:extLst>
-          </p:cNvPr>
-          <p:cNvPicPr>
-            <a:picLocks noChangeAspect="1"/>
-          </p:cNvPicPr>
-          <p:nvPr/>
-        </p:nvPicPr>
-        <p:blipFill rotWithShape="1">
-          <a:blip r:embed="rId4"/>
-          <a:srcRect t="51353" b="33953"/>
-          <a:stretch/>
-        </p:blipFill>
-        <p:spPr bwMode="auto">
-          <a:xfrm>
-            <a:off x="785907" y="3178557"/>
-            <a:ext cx="13058587" cy="1153922"/>
-          </a:xfrm>
-          <a:prstGeom prst="rect">
-            <a:avLst/>
-          </a:prstGeom>
-          <a:ln>
-            <a:noFill/>
-          </a:ln>
-          <a:extLst>
-            <a:ext uri="{53640926-AAD7-44D8-BBD7-CCE9431645EC}">
-              <a14:shadowObscured xmlns:a14="http://schemas.microsoft.com/office/drawing/2010/main"/>
-            </a:ext>
-          </a:extLst>
-        </p:spPr>
-      </p:pic>
-      <p:pic>
-        <p:nvPicPr>
-          <p:cNvPr id="8" name="Imagen 7">
-            <a:extLst>
-              <a:ext uri="{FF2B5EF4-FFF2-40B4-BE49-F238E27FC236}">
-                <a16:creationId xmlns:a16="http://schemas.microsoft.com/office/drawing/2014/main" id="{966EDC23-EF0B-F7D3-1D02-97483B4F95C0}"/>
-              </a:ext>
-            </a:extLst>
-          </p:cNvPr>
-          <p:cNvPicPr>
-            <a:picLocks noChangeAspect="1"/>
-          </p:cNvPicPr>
-          <p:nvPr/>
-        </p:nvPicPr>
-        <p:blipFill>
-          <a:blip r:embed="rId5"/>
-          <a:srcRect l="1" r="41349" b="11989"/>
-          <a:stretch/>
-        </p:blipFill>
-        <p:spPr>
-          <a:xfrm>
-            <a:off x="6185647" y="3495367"/>
-            <a:ext cx="7658846" cy="3856921"/>
-          </a:xfrm>
-          <a:prstGeom prst="rect">
-            <a:avLst/>
-          </a:prstGeom>
-        </p:spPr>
-      </p:pic>
-    </p:spTree>
-    <p:extLst>
-      <p:ext uri="{BB962C8B-B14F-4D97-AF65-F5344CB8AC3E}">
-        <p14:creationId xmlns:p14="http://schemas.microsoft.com/office/powerpoint/2010/main" val="3038802759"/>
-      </p:ext>
-    </p:extLst>
-  </p:cSld>
-  <p:clrMapOvr>
-    <a:masterClrMapping/>
-  </p:clrMapOvr>
-</p:sld>
-</file>
-
-<file path=ppt/slides/slide22.xml><?xml version="1.0" encoding="utf-8"?>
-<p:sld xmlns:a="http://schemas.openxmlformats.org/drawingml/2006/main" xmlns:r="http://schemas.openxmlformats.org/officeDocument/2006/relationships" xmlns:p="http://schemas.openxmlformats.org/presentationml/2006/main">
-  <p:cSld>
-    <p:spTree>
-      <p:nvGrpSpPr>
-        <p:cNvPr id="1" name="">
-          <a:extLst>
-            <a:ext uri="{FF2B5EF4-FFF2-40B4-BE49-F238E27FC236}">
-              <a16:creationId xmlns:a16="http://schemas.microsoft.com/office/drawing/2014/main" id="{58C14FA9-CF85-F027-1FB0-9E2BC9D46C33}"/>
-            </a:ext>
-          </a:extLst>
-        </p:cNvPr>
-        <p:cNvGrpSpPr/>
-        <p:nvPr/>
-      </p:nvGrpSpPr>
-      <p:grpSpPr>
-        <a:xfrm>
-          <a:off x="0" y="0"/>
-          <a:ext cx="0" cy="0"/>
-          <a:chOff x="0" y="0"/>
-          <a:chExt cx="0" cy="0"/>
-        </a:xfrm>
-      </p:grpSpPr>
-      <p:sp>
-        <p:nvSpPr>
-          <p:cNvPr id="2" name="Text 0">
-            <a:extLst>
-              <a:ext uri="{FF2B5EF4-FFF2-40B4-BE49-F238E27FC236}">
-                <a16:creationId xmlns:a16="http://schemas.microsoft.com/office/drawing/2014/main" id="{123A9C40-AAEB-26B2-F734-A36586A28082}"/>
-              </a:ext>
-            </a:extLst>
-          </p:cNvPr>
-          <p:cNvSpPr/>
-          <p:nvPr/>
-        </p:nvSpPr>
-        <p:spPr>
-          <a:xfrm>
-            <a:off x="343848" y="613336"/>
-            <a:ext cx="13880152" cy="1417558"/>
-          </a:xfrm>
-          <a:prstGeom prst="rect">
-            <a:avLst/>
-          </a:prstGeom>
-          <a:noFill/>
-          <a:ln/>
-        </p:spPr>
-        <p:txBody>
-          <a:bodyPr wrap="square" lIns="0" tIns="0" rIns="0" bIns="0" rtlCol="0" anchor="t"/>
-          <a:lstStyle/>
-          <a:p>
-            <a:pPr algn="l"/>
-            <a:r>
-              <a:rPr lang="en-US" sz="4450" b="1" dirty="0">
-                <a:solidFill>
-                  <a:srgbClr val="FBF3FA"/>
-                </a:solidFill>
-                <a:effectLst>
-                  <a:outerShdw blurRad="38100" dist="38100" dir="2700000" algn="tl">
-                    <a:srgbClr val="000000">
-                      <a:alpha val="43137"/>
-                    </a:srgbClr>
-                  </a:outerShdw>
-                </a:effectLst>
-                <a:latin typeface="Fira Mono Medium" pitchFamily="34" charset="0"/>
-                <a:ea typeface="Fira Mono Medium" pitchFamily="34" charset="-122"/>
-                <a:cs typeface="Fira Mono Medium" pitchFamily="34" charset="-120"/>
-              </a:rPr>
-              <a:t>3. Desarrollo CASO 5: </a:t>
-            </a:r>
-            <a:r>
-              <a:rPr lang="es-ES" sz="4800" dirty="0" err="1">
-                <a:solidFill>
-                  <a:srgbClr val="E0D6DE"/>
-                </a:solidFill>
-                <a:latin typeface="Fira Sans" pitchFamily="34" charset="0"/>
-              </a:rPr>
-              <a:t>EventPro</a:t>
-            </a:r>
-            <a:endParaRPr lang="en-US" sz="4450" dirty="0"/>
-          </a:p>
-        </p:txBody>
-      </p:sp>
-      <p:sp>
-        <p:nvSpPr>
-          <p:cNvPr id="16" name="CuadroTexto 15">
-            <a:extLst>
-              <a:ext uri="{FF2B5EF4-FFF2-40B4-BE49-F238E27FC236}">
-                <a16:creationId xmlns:a16="http://schemas.microsoft.com/office/drawing/2014/main" id="{7B6C14D2-D89C-5824-DFD1-32096F16E003}"/>
-              </a:ext>
-            </a:extLst>
-          </p:cNvPr>
-          <p:cNvSpPr txBox="1"/>
-          <p:nvPr/>
-        </p:nvSpPr>
-        <p:spPr>
-          <a:xfrm>
-            <a:off x="785906" y="1615395"/>
-            <a:ext cx="12948023" cy="1315745"/>
-          </a:xfrm>
-          <a:prstGeom prst="rect">
-            <a:avLst/>
-          </a:prstGeom>
-          <a:noFill/>
-        </p:spPr>
-        <p:txBody>
-          <a:bodyPr wrap="square">
-            <a:spAutoFit/>
-          </a:bodyPr>
-          <a:lstStyle/>
-          <a:p>
-            <a:pPr algn="l">
-              <a:spcBef>
-                <a:spcPts val="900"/>
-              </a:spcBef>
-            </a:pPr>
-            <a:r>
-              <a:rPr lang="es-ES" sz="2400" b="1" i="0" dirty="0">
-                <a:solidFill>
-                  <a:srgbClr val="D2D0CE"/>
-                </a:solidFill>
-                <a:effectLst/>
-                <a:latin typeface="-apple-system"/>
-              </a:rPr>
-              <a:t>4. Procedimiento de Actualización de Información de Eventos:</a:t>
-            </a:r>
-            <a:endParaRPr lang="es-ES" sz="2400" b="0" i="0" dirty="0">
-              <a:solidFill>
-                <a:srgbClr val="D2D0CE"/>
-              </a:solidFill>
-              <a:effectLst/>
-              <a:latin typeface="-apple-system"/>
-            </a:endParaRPr>
-          </a:p>
-          <a:p>
-            <a:pPr lvl="1" algn="l">
-              <a:spcBef>
-                <a:spcPts val="900"/>
-              </a:spcBef>
-            </a:pPr>
-            <a:r>
-              <a:rPr lang="es-ES" sz="2400" b="0" i="0" dirty="0">
-                <a:solidFill>
-                  <a:srgbClr val="D2D0CE"/>
-                </a:solidFill>
-                <a:effectLst/>
-                <a:latin typeface="-apple-system"/>
-              </a:rPr>
-              <a:t>Actualiza el precio de la entrada y el total de entradas para un evento específico.</a:t>
-            </a:r>
-          </a:p>
-          <a:p>
-            <a:pPr indent="457200"/>
-            <a:endParaRPr lang="es-ES" sz="2400" dirty="0">
-              <a:solidFill>
-                <a:srgbClr val="E0D6DE"/>
-              </a:solidFill>
-              <a:latin typeface="-apple-system"/>
-            </a:endParaRPr>
-          </a:p>
-        </p:txBody>
-      </p:sp>
-      <p:pic>
-        <p:nvPicPr>
-          <p:cNvPr id="4" name="Imagen 3">
-            <a:extLst>
-              <a:ext uri="{FF2B5EF4-FFF2-40B4-BE49-F238E27FC236}">
-                <a16:creationId xmlns:a16="http://schemas.microsoft.com/office/drawing/2014/main" id="{206A9FF1-0622-D683-6028-A6D95803FB69}"/>
-              </a:ext>
-            </a:extLst>
-          </p:cNvPr>
-          <p:cNvPicPr>
-            <a:picLocks noChangeAspect="1"/>
-          </p:cNvPicPr>
-          <p:nvPr/>
-        </p:nvPicPr>
-        <p:blipFill>
-          <a:blip r:embed="rId3"/>
-          <a:stretch>
-            <a:fillRect/>
-          </a:stretch>
-        </p:blipFill>
-        <p:spPr>
-          <a:xfrm>
-            <a:off x="785906" y="2827776"/>
-            <a:ext cx="13058588" cy="2574048"/>
-          </a:xfrm>
-          <a:prstGeom prst="rect">
-            <a:avLst/>
-          </a:prstGeom>
-        </p:spPr>
-      </p:pic>
-    </p:spTree>
-    <p:extLst>
-      <p:ext uri="{BB962C8B-B14F-4D97-AF65-F5344CB8AC3E}">
-        <p14:creationId xmlns:p14="http://schemas.microsoft.com/office/powerpoint/2010/main" val="572983314"/>
-      </p:ext>
-    </p:extLst>
-  </p:cSld>
-  <p:clrMapOvr>
-    <a:masterClrMapping/>
-  </p:clrMapOvr>
-</p:sld>
-</file>
-
-<file path=ppt/slides/slide23.xml><?xml version="1.0" encoding="utf-8"?>
-<p:sld xmlns:a="http://schemas.openxmlformats.org/drawingml/2006/main" xmlns:r="http://schemas.openxmlformats.org/officeDocument/2006/relationships" xmlns:p="http://schemas.openxmlformats.org/presentationml/2006/main">
-  <p:cSld>
-    <p:spTree>
-      <p:nvGrpSpPr>
-        <p:cNvPr id="1" name="">
-          <a:extLst>
-            <a:ext uri="{FF2B5EF4-FFF2-40B4-BE49-F238E27FC236}">
-              <a16:creationId xmlns:a16="http://schemas.microsoft.com/office/drawing/2014/main" id="{66219A3A-408E-C39C-6488-E94CD38ED327}"/>
-            </a:ext>
-          </a:extLst>
-        </p:cNvPr>
-        <p:cNvGrpSpPr/>
-        <p:nvPr/>
-      </p:nvGrpSpPr>
-      <p:grpSpPr>
-        <a:xfrm>
-          <a:off x="0" y="0"/>
-          <a:ext cx="0" cy="0"/>
-          <a:chOff x="0" y="0"/>
-          <a:chExt cx="0" cy="0"/>
-        </a:xfrm>
-      </p:grpSpPr>
-      <p:sp>
-        <p:nvSpPr>
-          <p:cNvPr id="2" name="Text 0">
-            <a:extLst>
-              <a:ext uri="{FF2B5EF4-FFF2-40B4-BE49-F238E27FC236}">
-                <a16:creationId xmlns:a16="http://schemas.microsoft.com/office/drawing/2014/main" id="{F74CF9B7-0306-6AEA-B4E5-06324D71C27E}"/>
-              </a:ext>
-            </a:extLst>
-          </p:cNvPr>
-          <p:cNvSpPr/>
-          <p:nvPr/>
-        </p:nvSpPr>
-        <p:spPr>
-          <a:xfrm>
-            <a:off x="343848" y="613336"/>
-            <a:ext cx="13880152" cy="1417558"/>
-          </a:xfrm>
-          <a:prstGeom prst="rect">
-            <a:avLst/>
-          </a:prstGeom>
-          <a:noFill/>
-          <a:ln/>
-        </p:spPr>
-        <p:txBody>
-          <a:bodyPr wrap="square" lIns="0" tIns="0" rIns="0" bIns="0" rtlCol="0" anchor="t"/>
-          <a:lstStyle/>
-          <a:p>
-            <a:pPr algn="l"/>
-            <a:r>
-              <a:rPr lang="en-US" sz="4450" b="1" dirty="0">
-                <a:solidFill>
-                  <a:srgbClr val="FBF3FA"/>
-                </a:solidFill>
-                <a:effectLst>
-                  <a:outerShdw blurRad="38100" dist="38100" dir="2700000" algn="tl">
-                    <a:srgbClr val="000000">
-                      <a:alpha val="43137"/>
-                    </a:srgbClr>
-                  </a:outerShdw>
-                </a:effectLst>
-                <a:latin typeface="Fira Mono Medium" pitchFamily="34" charset="0"/>
-                <a:ea typeface="Fira Mono Medium" pitchFamily="34" charset="-122"/>
-                <a:cs typeface="Fira Mono Medium" pitchFamily="34" charset="-120"/>
-              </a:rPr>
-              <a:t>3. Desarrollo CASO 5: </a:t>
-            </a:r>
-            <a:r>
-              <a:rPr lang="es-ES" sz="4800" dirty="0" err="1">
-                <a:solidFill>
-                  <a:srgbClr val="E0D6DE"/>
-                </a:solidFill>
-                <a:latin typeface="Fira Sans" pitchFamily="34" charset="0"/>
-              </a:rPr>
-              <a:t>EventPro</a:t>
-            </a:r>
-            <a:endParaRPr lang="en-US" sz="4450" dirty="0"/>
-          </a:p>
-        </p:txBody>
-      </p:sp>
-      <p:pic>
-        <p:nvPicPr>
-          <p:cNvPr id="5" name="Imagen 4">
-            <a:extLst>
-              <a:ext uri="{FF2B5EF4-FFF2-40B4-BE49-F238E27FC236}">
-                <a16:creationId xmlns:a16="http://schemas.microsoft.com/office/drawing/2014/main" id="{416AD8EF-F512-AAA8-5A65-41C4F2DFA46D}"/>
-              </a:ext>
-            </a:extLst>
-          </p:cNvPr>
-          <p:cNvPicPr>
-            <a:picLocks noChangeAspect="1"/>
-          </p:cNvPicPr>
-          <p:nvPr/>
-        </p:nvPicPr>
-        <p:blipFill>
-          <a:blip r:embed="rId3"/>
-          <a:stretch>
-            <a:fillRect/>
-          </a:stretch>
-        </p:blipFill>
-        <p:spPr>
-          <a:xfrm>
-            <a:off x="806824" y="1476158"/>
-            <a:ext cx="13016752" cy="1109472"/>
-          </a:xfrm>
-          <a:prstGeom prst="rect">
-            <a:avLst/>
-          </a:prstGeom>
-        </p:spPr>
-      </p:pic>
-      <p:pic>
-        <p:nvPicPr>
-          <p:cNvPr id="6" name="Imagen 5">
-            <a:extLst>
-              <a:ext uri="{FF2B5EF4-FFF2-40B4-BE49-F238E27FC236}">
-                <a16:creationId xmlns:a16="http://schemas.microsoft.com/office/drawing/2014/main" id="{3A2B5997-9DF8-28C2-1FBC-129D58EB89A2}"/>
-              </a:ext>
-            </a:extLst>
-          </p:cNvPr>
-          <p:cNvPicPr>
-            <a:picLocks noChangeAspect="1"/>
-          </p:cNvPicPr>
-          <p:nvPr/>
-        </p:nvPicPr>
-        <p:blipFill rotWithShape="1">
-          <a:blip r:embed="rId4"/>
-          <a:srcRect t="51913" b="33827"/>
-          <a:stretch/>
-        </p:blipFill>
-        <p:spPr bwMode="auto">
-          <a:xfrm>
-            <a:off x="806824" y="2585630"/>
-            <a:ext cx="13016752" cy="1109473"/>
-          </a:xfrm>
-          <a:prstGeom prst="rect">
-            <a:avLst/>
-          </a:prstGeom>
-          <a:ln>
-            <a:noFill/>
-          </a:ln>
-          <a:extLst>
-            <a:ext uri="{53640926-AAD7-44D8-BBD7-CCE9431645EC}">
-              <a14:shadowObscured xmlns:a14="http://schemas.microsoft.com/office/drawing/2010/main"/>
-            </a:ext>
-          </a:extLst>
-        </p:spPr>
-      </p:pic>
-      <p:pic>
-        <p:nvPicPr>
-          <p:cNvPr id="7" name="Imagen 6">
-            <a:extLst>
-              <a:ext uri="{FF2B5EF4-FFF2-40B4-BE49-F238E27FC236}">
-                <a16:creationId xmlns:a16="http://schemas.microsoft.com/office/drawing/2014/main" id="{274BEEAA-D979-9183-47EA-DB406BB99CF6}"/>
-              </a:ext>
-            </a:extLst>
-          </p:cNvPr>
-          <p:cNvPicPr>
-            <a:picLocks noChangeAspect="1"/>
-          </p:cNvPicPr>
-          <p:nvPr/>
-        </p:nvPicPr>
-        <p:blipFill>
-          <a:blip r:embed="rId5"/>
-          <a:srcRect r="13636" b="23972"/>
-          <a:stretch/>
-        </p:blipFill>
-        <p:spPr>
-          <a:xfrm>
-            <a:off x="806824" y="3695103"/>
-            <a:ext cx="11241742" cy="3279438"/>
-          </a:xfrm>
-          <a:prstGeom prst="rect">
-            <a:avLst/>
-          </a:prstGeom>
-        </p:spPr>
-      </p:pic>
-    </p:spTree>
-    <p:extLst>
-      <p:ext uri="{BB962C8B-B14F-4D97-AF65-F5344CB8AC3E}">
-        <p14:creationId xmlns:p14="http://schemas.microsoft.com/office/powerpoint/2010/main" val="1821162730"/>
-      </p:ext>
-    </p:extLst>
-  </p:cSld>
-  <p:clrMapOvr>
-    <a:masterClrMapping/>
-  </p:clrMapOvr>
-</p:sld>
-</file>
-
-<file path=ppt/slides/slide24.xml><?xml version="1.0" encoding="utf-8"?>
-<p:sld xmlns:a="http://schemas.openxmlformats.org/drawingml/2006/main" xmlns:r="http://schemas.openxmlformats.org/officeDocument/2006/relationships" xmlns:p="http://schemas.openxmlformats.org/presentationml/2006/main">
-  <p:cSld>
-    <p:spTree>
-      <p:nvGrpSpPr>
-        <p:cNvPr id="1" name="">
-          <a:extLst>
-            <a:ext uri="{FF2B5EF4-FFF2-40B4-BE49-F238E27FC236}">
-              <a16:creationId xmlns:a16="http://schemas.microsoft.com/office/drawing/2014/main" id="{08D00B69-4017-0E76-39D2-05B33EB54865}"/>
-            </a:ext>
-          </a:extLst>
-        </p:cNvPr>
-        <p:cNvGrpSpPr/>
-        <p:nvPr/>
-      </p:nvGrpSpPr>
-      <p:grpSpPr>
-        <a:xfrm>
-          <a:off x="0" y="0"/>
-          <a:ext cx="0" cy="0"/>
-          <a:chOff x="0" y="0"/>
-          <a:chExt cx="0" cy="0"/>
-        </a:xfrm>
-      </p:grpSpPr>
-      <p:sp>
-        <p:nvSpPr>
-          <p:cNvPr id="2" name="Text 0">
-            <a:extLst>
-              <a:ext uri="{FF2B5EF4-FFF2-40B4-BE49-F238E27FC236}">
-                <a16:creationId xmlns:a16="http://schemas.microsoft.com/office/drawing/2014/main" id="{FA5BF0B0-7824-0062-41E3-73A4C86284F7}"/>
-              </a:ext>
-            </a:extLst>
-          </p:cNvPr>
-          <p:cNvSpPr/>
-          <p:nvPr/>
-        </p:nvSpPr>
-        <p:spPr>
-          <a:xfrm>
-            <a:off x="343848" y="613336"/>
-            <a:ext cx="13880152" cy="1417558"/>
-          </a:xfrm>
-          <a:prstGeom prst="rect">
-            <a:avLst/>
-          </a:prstGeom>
-          <a:noFill/>
-          <a:ln/>
-        </p:spPr>
-        <p:txBody>
-          <a:bodyPr wrap="square" lIns="0" tIns="0" rIns="0" bIns="0" rtlCol="0" anchor="t"/>
-          <a:lstStyle/>
-          <a:p>
-            <a:pPr algn="l"/>
-            <a:r>
-              <a:rPr lang="en-US" sz="4450" b="1" dirty="0">
-                <a:solidFill>
-                  <a:srgbClr val="FBF3FA"/>
-                </a:solidFill>
-                <a:effectLst>
-                  <a:outerShdw blurRad="38100" dist="38100" dir="2700000" algn="tl">
-                    <a:srgbClr val="000000">
-                      <a:alpha val="43137"/>
-                    </a:srgbClr>
-                  </a:outerShdw>
-                </a:effectLst>
-                <a:latin typeface="Fira Mono Medium" pitchFamily="34" charset="0"/>
-                <a:ea typeface="Fira Mono Medium" pitchFamily="34" charset="-122"/>
-                <a:cs typeface="Fira Mono Medium" pitchFamily="34" charset="-120"/>
-              </a:rPr>
-              <a:t>3. Desarrollo CASO 5: </a:t>
-            </a:r>
-            <a:r>
-              <a:rPr lang="es-ES" sz="4800" dirty="0" err="1">
-                <a:solidFill>
-                  <a:srgbClr val="E0D6DE"/>
-                </a:solidFill>
-                <a:latin typeface="Fira Sans" pitchFamily="34" charset="0"/>
-              </a:rPr>
-              <a:t>EventPro</a:t>
-            </a:r>
-            <a:endParaRPr lang="en-US" sz="4450" dirty="0"/>
-          </a:p>
-        </p:txBody>
-      </p:sp>
-      <p:sp>
-        <p:nvSpPr>
-          <p:cNvPr id="16" name="CuadroTexto 15">
-            <a:extLst>
-              <a:ext uri="{FF2B5EF4-FFF2-40B4-BE49-F238E27FC236}">
-                <a16:creationId xmlns:a16="http://schemas.microsoft.com/office/drawing/2014/main" id="{D9E1E26D-F987-2491-1164-EDE2D70C9B4F}"/>
-              </a:ext>
-            </a:extLst>
-          </p:cNvPr>
-          <p:cNvSpPr txBox="1"/>
-          <p:nvPr/>
-        </p:nvSpPr>
-        <p:spPr>
-          <a:xfrm>
-            <a:off x="785906" y="1615395"/>
-            <a:ext cx="12948023" cy="1685077"/>
-          </a:xfrm>
-          <a:prstGeom prst="rect">
-            <a:avLst/>
-          </a:prstGeom>
-          <a:noFill/>
-        </p:spPr>
-        <p:txBody>
-          <a:bodyPr wrap="square">
-            <a:spAutoFit/>
-          </a:bodyPr>
-          <a:lstStyle/>
-          <a:p>
-            <a:pPr algn="l">
-              <a:spcBef>
-                <a:spcPts val="900"/>
-              </a:spcBef>
-            </a:pPr>
-            <a:r>
-              <a:rPr lang="es-ES" sz="2400" b="1" i="0" dirty="0">
-                <a:solidFill>
-                  <a:srgbClr val="D2D0CE"/>
-                </a:solidFill>
-                <a:effectLst/>
-                <a:latin typeface="-apple-system"/>
-              </a:rPr>
-              <a:t>5. Procedimiento de Cálculo de Ingresos Totales:</a:t>
-            </a:r>
-            <a:endParaRPr lang="es-ES" sz="2400" b="0" i="0" dirty="0">
-              <a:solidFill>
-                <a:srgbClr val="D2D0CE"/>
-              </a:solidFill>
-              <a:effectLst/>
-              <a:latin typeface="-apple-system"/>
-            </a:endParaRPr>
-          </a:p>
-          <a:p>
-            <a:pPr lvl="1" algn="l">
-              <a:spcBef>
-                <a:spcPts val="900"/>
-              </a:spcBef>
-            </a:pPr>
-            <a:r>
-              <a:rPr lang="es-ES" sz="2400" b="0" i="0" dirty="0">
-                <a:solidFill>
-                  <a:srgbClr val="D2D0CE"/>
-                </a:solidFill>
-                <a:effectLst/>
-                <a:latin typeface="-apple-system"/>
-              </a:rPr>
-              <a:t>Calcula los ingresos generados por un evento sumando el monto total de todas las reservas asociadas.</a:t>
-            </a:r>
-          </a:p>
-          <a:p>
-            <a:pPr indent="457200"/>
-            <a:endParaRPr lang="es-ES" sz="2400" dirty="0">
-              <a:solidFill>
-                <a:srgbClr val="E0D6DE"/>
-              </a:solidFill>
-              <a:latin typeface="-apple-system"/>
-            </a:endParaRPr>
-          </a:p>
-        </p:txBody>
-      </p:sp>
-      <p:pic>
-        <p:nvPicPr>
-          <p:cNvPr id="4" name="Imagen 3">
-            <a:extLst>
-              <a:ext uri="{FF2B5EF4-FFF2-40B4-BE49-F238E27FC236}">
-                <a16:creationId xmlns:a16="http://schemas.microsoft.com/office/drawing/2014/main" id="{17076694-56B9-18E7-200C-29898F0984D8}"/>
-              </a:ext>
-            </a:extLst>
-          </p:cNvPr>
-          <p:cNvPicPr>
-            <a:picLocks noChangeAspect="1"/>
-          </p:cNvPicPr>
-          <p:nvPr/>
-        </p:nvPicPr>
-        <p:blipFill>
-          <a:blip r:embed="rId3"/>
-          <a:stretch>
-            <a:fillRect/>
-          </a:stretch>
-        </p:blipFill>
-        <p:spPr>
-          <a:xfrm>
-            <a:off x="785905" y="3273578"/>
-            <a:ext cx="12948023" cy="2132066"/>
-          </a:xfrm>
-          <a:prstGeom prst="rect">
-            <a:avLst/>
-          </a:prstGeom>
-        </p:spPr>
-      </p:pic>
-    </p:spTree>
-    <p:extLst>
-      <p:ext uri="{BB962C8B-B14F-4D97-AF65-F5344CB8AC3E}">
-        <p14:creationId xmlns:p14="http://schemas.microsoft.com/office/powerpoint/2010/main" val="307195862"/>
-      </p:ext>
-    </p:extLst>
-  </p:cSld>
-  <p:clrMapOvr>
-    <a:masterClrMapping/>
-  </p:clrMapOvr>
-</p:sld>
-</file>
-
-<file path=ppt/slides/slide25.xml><?xml version="1.0" encoding="utf-8"?>
-<p:sld xmlns:a="http://schemas.openxmlformats.org/drawingml/2006/main" xmlns:r="http://schemas.openxmlformats.org/officeDocument/2006/relationships" xmlns:p="http://schemas.openxmlformats.org/presentationml/2006/main">
-  <p:cSld>
-    <p:spTree>
-      <p:nvGrpSpPr>
-        <p:cNvPr id="1" name="">
-          <a:extLst>
-            <a:ext uri="{FF2B5EF4-FFF2-40B4-BE49-F238E27FC236}">
-              <a16:creationId xmlns:a16="http://schemas.microsoft.com/office/drawing/2014/main" id="{B37ED15C-1C01-37F4-B481-220790CF587D}"/>
-            </a:ext>
-          </a:extLst>
-        </p:cNvPr>
-        <p:cNvGrpSpPr/>
-        <p:nvPr/>
-      </p:nvGrpSpPr>
-      <p:grpSpPr>
-        <a:xfrm>
-          <a:off x="0" y="0"/>
-          <a:ext cx="0" cy="0"/>
-          <a:chOff x="0" y="0"/>
-          <a:chExt cx="0" cy="0"/>
-        </a:xfrm>
-      </p:grpSpPr>
-      <p:sp>
-        <p:nvSpPr>
-          <p:cNvPr id="2" name="Text 0">
-            <a:extLst>
-              <a:ext uri="{FF2B5EF4-FFF2-40B4-BE49-F238E27FC236}">
-                <a16:creationId xmlns:a16="http://schemas.microsoft.com/office/drawing/2014/main" id="{C02D9CC1-A9C0-5725-FE74-5D8DEC6F3F8A}"/>
-              </a:ext>
-            </a:extLst>
-          </p:cNvPr>
-          <p:cNvSpPr/>
-          <p:nvPr/>
-        </p:nvSpPr>
-        <p:spPr>
-          <a:xfrm>
-            <a:off x="343848" y="613336"/>
-            <a:ext cx="13880152" cy="1417558"/>
-          </a:xfrm>
-          <a:prstGeom prst="rect">
-            <a:avLst/>
-          </a:prstGeom>
-          <a:noFill/>
-          <a:ln/>
-        </p:spPr>
-        <p:txBody>
-          <a:bodyPr wrap="square" lIns="0" tIns="0" rIns="0" bIns="0" rtlCol="0" anchor="t"/>
-          <a:lstStyle/>
-          <a:p>
-            <a:pPr algn="l"/>
-            <a:r>
-              <a:rPr lang="en-US" sz="4450" b="1" dirty="0">
-                <a:solidFill>
-                  <a:srgbClr val="FBF3FA"/>
-                </a:solidFill>
-                <a:effectLst>
-                  <a:outerShdw blurRad="38100" dist="38100" dir="2700000" algn="tl">
-                    <a:srgbClr val="000000">
-                      <a:alpha val="43137"/>
-                    </a:srgbClr>
-                  </a:outerShdw>
-                </a:effectLst>
-                <a:latin typeface="Fira Mono Medium" pitchFamily="34" charset="0"/>
-                <a:ea typeface="Fira Mono Medium" pitchFamily="34" charset="-122"/>
-                <a:cs typeface="Fira Mono Medium" pitchFamily="34" charset="-120"/>
-              </a:rPr>
-              <a:t>3. Desarrollo CASO 5: </a:t>
-            </a:r>
-            <a:r>
-              <a:rPr lang="es-ES" sz="4800" dirty="0" err="1">
-                <a:solidFill>
-                  <a:srgbClr val="E0D6DE"/>
-                </a:solidFill>
-                <a:latin typeface="Fira Sans" pitchFamily="34" charset="0"/>
-              </a:rPr>
-              <a:t>EventPro</a:t>
-            </a:r>
-            <a:endParaRPr lang="en-US" sz="4450" dirty="0"/>
-          </a:p>
-        </p:txBody>
-      </p:sp>
-      <p:pic>
-        <p:nvPicPr>
-          <p:cNvPr id="5" name="Imagen 4">
-            <a:extLst>
-              <a:ext uri="{FF2B5EF4-FFF2-40B4-BE49-F238E27FC236}">
-                <a16:creationId xmlns:a16="http://schemas.microsoft.com/office/drawing/2014/main" id="{E3C7F009-FE18-F093-1669-EA23EE3EF380}"/>
-              </a:ext>
-            </a:extLst>
-          </p:cNvPr>
-          <p:cNvPicPr>
-            <a:picLocks noChangeAspect="1"/>
-          </p:cNvPicPr>
-          <p:nvPr/>
-        </p:nvPicPr>
-        <p:blipFill>
-          <a:blip r:embed="rId3"/>
-          <a:stretch>
-            <a:fillRect/>
-          </a:stretch>
-        </p:blipFill>
-        <p:spPr>
-          <a:xfrm>
-            <a:off x="717176" y="1515423"/>
-            <a:ext cx="13196048" cy="1030942"/>
-          </a:xfrm>
-          <a:prstGeom prst="rect">
-            <a:avLst/>
-          </a:prstGeom>
-        </p:spPr>
-      </p:pic>
-      <p:pic>
-        <p:nvPicPr>
-          <p:cNvPr id="8" name="Imagen 7">
-            <a:extLst>
-              <a:ext uri="{FF2B5EF4-FFF2-40B4-BE49-F238E27FC236}">
-                <a16:creationId xmlns:a16="http://schemas.microsoft.com/office/drawing/2014/main" id="{B6435361-C5F1-F78B-AFB7-648170ED7279}"/>
-              </a:ext>
-            </a:extLst>
-          </p:cNvPr>
-          <p:cNvPicPr>
-            <a:picLocks noChangeAspect="1"/>
-          </p:cNvPicPr>
-          <p:nvPr/>
-        </p:nvPicPr>
-        <p:blipFill rotWithShape="1">
-          <a:blip r:embed="rId4"/>
-          <a:srcRect t="50475" b="34614"/>
-          <a:stretch/>
-        </p:blipFill>
-        <p:spPr bwMode="auto">
-          <a:xfrm>
-            <a:off x="717176" y="2546365"/>
-            <a:ext cx="13196048" cy="1180288"/>
-          </a:xfrm>
-          <a:prstGeom prst="rect">
-            <a:avLst/>
-          </a:prstGeom>
-          <a:ln>
-            <a:noFill/>
-          </a:ln>
-          <a:extLst>
-            <a:ext uri="{53640926-AAD7-44D8-BBD7-CCE9431645EC}">
-              <a14:shadowObscured xmlns:a14="http://schemas.microsoft.com/office/drawing/2010/main"/>
-            </a:ext>
-          </a:extLst>
-        </p:spPr>
-      </p:pic>
-      <p:pic>
-        <p:nvPicPr>
-          <p:cNvPr id="10" name="Imagen 9">
-            <a:extLst>
-              <a:ext uri="{FF2B5EF4-FFF2-40B4-BE49-F238E27FC236}">
-                <a16:creationId xmlns:a16="http://schemas.microsoft.com/office/drawing/2014/main" id="{2FED0E48-A00C-B96E-6BAE-99F273DA6E09}"/>
-              </a:ext>
-            </a:extLst>
-          </p:cNvPr>
-          <p:cNvPicPr>
-            <a:picLocks noChangeAspect="1"/>
-          </p:cNvPicPr>
-          <p:nvPr/>
-        </p:nvPicPr>
-        <p:blipFill>
-          <a:blip r:embed="rId5"/>
-          <a:srcRect r="41168" b="11671"/>
-          <a:stretch/>
-        </p:blipFill>
-        <p:spPr>
-          <a:xfrm>
-            <a:off x="6149788" y="2932981"/>
-            <a:ext cx="7763436" cy="3889611"/>
-          </a:xfrm>
-          <a:prstGeom prst="rect">
-            <a:avLst/>
-          </a:prstGeom>
-        </p:spPr>
-      </p:pic>
-    </p:spTree>
-    <p:extLst>
-      <p:ext uri="{BB962C8B-B14F-4D97-AF65-F5344CB8AC3E}">
-        <p14:creationId xmlns:p14="http://schemas.microsoft.com/office/powerpoint/2010/main" val="3699239242"/>
       </p:ext>
     </p:extLst>
   </p:cSld>
@@ -10791,9 +6798,11 @@
               <a:t>: </a:t>
             </a:r>
             <a:r>
-              <a:rPr lang="es-ES" sz="4800" b="1" dirty="0">
+              <a:rPr lang="es-ES" sz="4800" b="1" i="1" dirty="0" err="1">
                 <a:solidFill>
-                  <a:srgbClr val="E0D6DE"/>
+                  <a:schemeClr val="bg2">
+                    <a:lumMod val="75000"/>
+                  </a:schemeClr>
                 </a:solidFill>
                 <a:effectLst>
                   <a:outerShdw blurRad="38100" dist="38100" dir="2700000" algn="tl">
@@ -10806,9 +6815,24 @@
                 <a:ea typeface="Fira Mono Medium" pitchFamily="34" charset="-122"/>
                 <a:cs typeface="Fira Mono Medium" pitchFamily="34" charset="-120"/>
               </a:rPr>
-              <a:t>Presentación del Caso</a:t>
+              <a:t>TechAcademy</a:t>
             </a:r>
-            <a:endParaRPr lang="en-US" sz="4450" dirty="0"/>
+            <a:endParaRPr lang="en-US" sz="4800" b="1" i="1" dirty="0">
+              <a:solidFill>
+                <a:schemeClr val="bg2">
+                  <a:lumMod val="75000"/>
+                </a:schemeClr>
+              </a:solidFill>
+              <a:effectLst>
+                <a:outerShdw blurRad="38100" dist="38100" dir="2700000" algn="tl">
+                  <a:srgbClr val="000000">
+                    <a:alpha val="43137"/>
+                  </a:srgbClr>
+                </a:outerShdw>
+              </a:effectLst>
+              <a:latin typeface="Fira Sans" pitchFamily="34" charset="0"/>
+              <a:ea typeface="Fira Mono Medium" pitchFamily="34" charset="-122"/>
+            </a:endParaRPr>
           </a:p>
         </p:txBody>
       </p:sp>
@@ -10826,8 +6850,8 @@
         </p:nvSpPr>
         <p:spPr>
           <a:xfrm>
-            <a:off x="947270" y="3699301"/>
-            <a:ext cx="12735859" cy="830997"/>
+            <a:off x="1315845" y="2775972"/>
+            <a:ext cx="11998709" cy="2677656"/>
           </a:xfrm>
           <a:prstGeom prst="rect">
             <a:avLst/>
@@ -10842,13 +6866,22 @@
           <a:p>
             <a:pPr indent="457200"/>
             <a:r>
-              <a:rPr lang="es-ES" sz="2400" b="1" dirty="0">
+              <a:rPr lang="es-ES" sz="2400" dirty="0">
                 <a:solidFill>
                   <a:srgbClr val="E0D6DE"/>
                 </a:solidFill>
                 <a:latin typeface="Fira Sans" pitchFamily="34" charset="0"/>
               </a:rPr>
-              <a:t>Contexto</a:t>
+              <a:t>Este informe presenta el desarrollo de funciones y procedimientos almacenados para la gestión de una base de datos académica en SQL Server en propuesta de solución a los problemas presentados en la Universidad </a:t>
+            </a:r>
+            <a:r>
+              <a:rPr lang="es-ES" sz="2400" dirty="0" err="1">
+                <a:solidFill>
+                  <a:srgbClr val="E0D6DE"/>
+                </a:solidFill>
+                <a:latin typeface="Fira Sans" pitchFamily="34" charset="0"/>
+              </a:rPr>
+              <a:t>TechAcademy</a:t>
             </a:r>
             <a:r>
               <a:rPr lang="es-ES" sz="2400" dirty="0">
@@ -10857,7 +6890,7 @@
                 </a:solidFill>
                 <a:latin typeface="Fira Sans" pitchFamily="34" charset="0"/>
               </a:rPr>
-              <a:t>: Se desarrolla un procedimiento almacenado para agregar nuevos productos a una tabla de productos en una tienda en línea.</a:t>
+              <a:t> presentado en el caso ficticio. Las funciones y procedimientos permiten automatizar tareas como la inscripción de estudiantes, el cálculo del promedio de notas, y la validación de prerrequisitos. Se proporcionan los scripts SQL correspondientes, junto con ejemplos de ejecución.</a:t>
             </a:r>
           </a:p>
         </p:txBody>
@@ -10942,27 +6975,88 @@
                 <a:ea typeface="Fira Mono Medium" pitchFamily="34" charset="-122"/>
                 <a:cs typeface="Fira Mono Medium" pitchFamily="34" charset="-120"/>
               </a:rPr>
-              <a:t>1. Desarrollo CASO 1: </a:t>
+              <a:t>2. </a:t>
             </a:r>
             <a:r>
-              <a:rPr lang="es-ES" sz="4800" dirty="0">
+              <a:rPr lang="en-US" sz="4450" b="1" dirty="0" err="1">
                 <a:solidFill>
-                  <a:srgbClr val="E0D6DE"/>
+                  <a:srgbClr val="FBF3FA"/>
                 </a:solidFill>
+                <a:effectLst>
+                  <a:outerShdw blurRad="38100" dist="38100" dir="2700000" algn="tl">
+                    <a:srgbClr val="000000">
+                      <a:alpha val="43137"/>
+                    </a:srgbClr>
+                  </a:outerShdw>
+                </a:effectLst>
+                <a:latin typeface="Fira Mono Medium" pitchFamily="34" charset="0"/>
+                <a:ea typeface="Fira Mono Medium" pitchFamily="34" charset="-122"/>
+                <a:cs typeface="Fira Mono Medium" pitchFamily="34" charset="-120"/>
+              </a:rPr>
+              <a:t>Presentación</a:t>
+            </a:r>
+            <a:r>
+              <a:rPr lang="en-US" sz="4450" b="1" dirty="0">
+                <a:solidFill>
+                  <a:srgbClr val="FBF3FA"/>
+                </a:solidFill>
+                <a:effectLst>
+                  <a:outerShdw blurRad="38100" dist="38100" dir="2700000" algn="tl">
+                    <a:srgbClr val="000000">
+                      <a:alpha val="43137"/>
+                    </a:srgbClr>
+                  </a:outerShdw>
+                </a:effectLst>
+                <a:latin typeface="Fira Mono Medium" pitchFamily="34" charset="0"/>
+                <a:ea typeface="Fira Mono Medium" pitchFamily="34" charset="-122"/>
+                <a:cs typeface="Fira Mono Medium" pitchFamily="34" charset="-120"/>
+              </a:rPr>
+              <a:t> del Caso: </a:t>
+            </a:r>
+            <a:r>
+              <a:rPr lang="es-ES" sz="4800" b="1" i="1" dirty="0">
+                <a:solidFill>
+                  <a:schemeClr val="bg2">
+                    <a:lumMod val="75000"/>
+                  </a:schemeClr>
+                </a:solidFill>
+                <a:effectLst>
+                  <a:outerShdw blurRad="38100" dist="38100" dir="2700000" algn="tl">
+                    <a:srgbClr val="000000">
+                      <a:alpha val="43137"/>
+                    </a:srgbClr>
+                  </a:outerShdw>
+                </a:effectLst>
                 <a:latin typeface="Fira Sans" pitchFamily="34" charset="0"/>
+                <a:ea typeface="Fira Mono Medium" pitchFamily="34" charset="-122"/>
               </a:rPr>
-              <a:t>Tienda</a:t>
+              <a:t>Contextualización</a:t>
             </a:r>
-            <a:endParaRPr lang="en-US" sz="4450" dirty="0"/>
+            <a:endParaRPr lang="en-US" sz="4800" b="1" i="1" dirty="0">
+              <a:solidFill>
+                <a:schemeClr val="bg2">
+                  <a:lumMod val="75000"/>
+                </a:schemeClr>
+              </a:solidFill>
+              <a:effectLst>
+                <a:outerShdw blurRad="38100" dist="38100" dir="2700000" algn="tl">
+                  <a:srgbClr val="000000">
+                    <a:alpha val="43137"/>
+                  </a:srgbClr>
+                </a:outerShdw>
+              </a:effectLst>
+              <a:latin typeface="Fira Sans" pitchFamily="34" charset="0"/>
+              <a:ea typeface="Fira Mono Medium" pitchFamily="34" charset="-122"/>
+            </a:endParaRPr>
           </a:p>
         </p:txBody>
       </p:sp>
       <p:sp>
         <p:nvSpPr>
-          <p:cNvPr id="16" name="CuadroTexto 15">
+          <p:cNvPr id="4" name="CuadroTexto 3">
             <a:extLst>
               <a:ext uri="{FF2B5EF4-FFF2-40B4-BE49-F238E27FC236}">
-                <a16:creationId xmlns:a16="http://schemas.microsoft.com/office/drawing/2014/main" id="{B892A621-52D7-573E-7A4C-BC93F43BCB13}"/>
+                <a16:creationId xmlns:a16="http://schemas.microsoft.com/office/drawing/2014/main" id="{9739324E-4268-7802-D78C-B52646FF9D51}"/>
               </a:ext>
             </a:extLst>
           </p:cNvPr>
@@ -10971,8 +7065,8 @@
         </p:nvSpPr>
         <p:spPr>
           <a:xfrm>
-            <a:off x="785906" y="1615395"/>
-            <a:ext cx="12948023" cy="1315745"/>
+            <a:off x="1284569" y="2064565"/>
+            <a:ext cx="11998709" cy="1938992"/>
           </a:xfrm>
           <a:prstGeom prst="rect">
             <a:avLst/>
@@ -10985,115 +7079,147 @@
           </a:bodyPr>
           <a:lstStyle/>
           <a:p>
-            <a:pPr algn="l">
-              <a:spcBef>
-                <a:spcPts val="900"/>
-              </a:spcBef>
-              <a:buFont typeface="Arial" panose="020B0604020202020204" pitchFamily="34" charset="0"/>
-              <a:buChar char="•"/>
-            </a:pPr>
+            <a:pPr indent="457200"/>
             <a:r>
-              <a:rPr lang="es-ES" sz="2400" b="0" i="0" dirty="0">
+              <a:rPr lang="es-ES" sz="2400" b="1" dirty="0">
                 <a:solidFill>
-                  <a:srgbClr val="D2D0CE"/>
+                  <a:srgbClr val="E0D6DE"/>
                 </a:solidFill>
-                <a:effectLst/>
-                <a:latin typeface="-apple-system"/>
+                <a:latin typeface="Fira Sans" pitchFamily="34" charset="0"/>
               </a:rPr>
-              <a:t>Se crea la base de datos llamada Tienda.</a:t>
-            </a:r>
-          </a:p>
-          <a:p>
-            <a:pPr algn="l">
-              <a:spcBef>
-                <a:spcPts val="900"/>
-              </a:spcBef>
-              <a:buFont typeface="Arial" panose="020B0604020202020204" pitchFamily="34" charset="0"/>
-              <a:buChar char="•"/>
-            </a:pPr>
-            <a:r>
-              <a:rPr lang="es-ES" sz="2400" b="0" i="0" dirty="0">
-                <a:solidFill>
-                  <a:srgbClr val="D2D0CE"/>
-                </a:solidFill>
-                <a:effectLst/>
-                <a:latin typeface="-apple-system"/>
-              </a:rPr>
-              <a:t>Se define la tabla Productos con columnas para </a:t>
+              <a:t>Contexto</a:t>
             </a:r>
             <a:r>
-              <a:rPr lang="es-ES" sz="2400" b="0" i="0" dirty="0" err="1">
+              <a:rPr lang="es-ES" sz="2400" dirty="0">
                 <a:solidFill>
-                  <a:srgbClr val="D2D0CE"/>
+                  <a:srgbClr val="E0D6DE"/>
                 </a:solidFill>
-                <a:effectLst/>
-                <a:latin typeface="-apple-system"/>
+                <a:latin typeface="Fira Sans" pitchFamily="34" charset="0"/>
               </a:rPr>
-              <a:t>ProductoID</a:t>
+              <a:t>: La Universidad "</a:t>
             </a:r>
             <a:r>
-              <a:rPr lang="es-ES" sz="2400" b="0" i="0" dirty="0">
+              <a:rPr lang="es-ES" sz="2400" dirty="0" err="1">
                 <a:solidFill>
-                  <a:srgbClr val="D2D0CE"/>
+                  <a:srgbClr val="E0D6DE"/>
                 </a:solidFill>
-                <a:effectLst/>
-                <a:latin typeface="-apple-system"/>
+                <a:latin typeface="Fira Sans" pitchFamily="34" charset="0"/>
               </a:rPr>
-              <a:t>, Nombre, Descripción, Precio y </a:t>
+              <a:t>TechAcademy</a:t>
             </a:r>
             <a:r>
-              <a:rPr lang="es-ES" sz="2400" b="0" i="0" dirty="0" err="1">
+              <a:rPr lang="es-ES" sz="2400" dirty="0">
                 <a:solidFill>
-                  <a:srgbClr val="D2D0CE"/>
+                  <a:srgbClr val="E0D6DE"/>
                 </a:solidFill>
-                <a:effectLst/>
-                <a:latin typeface="-apple-system"/>
+                <a:latin typeface="Fira Sans" pitchFamily="34" charset="0"/>
               </a:rPr>
-              <a:t>CantidadEnInventario</a:t>
-            </a:r>
-            <a:r>
-              <a:rPr lang="es-ES" sz="2400" b="0" i="0" dirty="0">
-                <a:solidFill>
-                  <a:srgbClr val="D2D0CE"/>
-                </a:solidFill>
-                <a:effectLst/>
-                <a:latin typeface="-apple-system"/>
-              </a:rPr>
-              <a:t>.</a:t>
+              <a:t>" enfrenta múltiples desafíos en la gestión del proceso de inscripción de estudiantes, la administración de cursos y la evaluación académica. Este informe presenta el diseño y desarrollo de un Sistema de Gestión Académica que centralice y automatice dichos procesos, optimizando la experiencia de estudiantes y personal académico</a:t>
             </a:r>
           </a:p>
         </p:txBody>
       </p:sp>
-      <p:pic>
-        <p:nvPicPr>
-          <p:cNvPr id="6" name="Imagen 5">
+      <p:sp>
+        <p:nvSpPr>
+          <p:cNvPr id="3" name="CuadroTexto 2">
             <a:extLst>
               <a:ext uri="{FF2B5EF4-FFF2-40B4-BE49-F238E27FC236}">
-                <a16:creationId xmlns:a16="http://schemas.microsoft.com/office/drawing/2014/main" id="{D91E092F-F080-2C9C-B0B8-D54BB71E335A}"/>
+                <a16:creationId xmlns:a16="http://schemas.microsoft.com/office/drawing/2014/main" id="{B3A4CD42-BDF7-21D8-FB9A-CB4B0BC75BE1}"/>
               </a:ext>
             </a:extLst>
           </p:cNvPr>
-          <p:cNvPicPr>
-            <a:picLocks noChangeAspect="1"/>
-          </p:cNvPicPr>
+          <p:cNvSpPr txBox="1"/>
           <p:nvPr/>
-        </p:nvPicPr>
-        <p:blipFill>
-          <a:blip r:embed="rId3"/>
-          <a:stretch>
-            <a:fillRect/>
-          </a:stretch>
-        </p:blipFill>
+        </p:nvSpPr>
         <p:spPr>
           <a:xfrm>
-            <a:off x="785906" y="3081373"/>
-            <a:ext cx="13058588" cy="4572862"/>
+            <a:off x="1315845" y="4114800"/>
+            <a:ext cx="11998709" cy="2677656"/>
           </a:xfrm>
           <a:prstGeom prst="rect">
             <a:avLst/>
           </a:prstGeom>
+          <a:noFill/>
         </p:spPr>
-      </p:pic>
+        <p:txBody>
+          <a:bodyPr wrap="square">
+            <a:spAutoFit/>
+          </a:bodyPr>
+          <a:lstStyle/>
+          <a:p>
+            <a:pPr indent="457200"/>
+            <a:r>
+              <a:rPr lang="es-ES" sz="2400" b="1" dirty="0">
+                <a:solidFill>
+                  <a:srgbClr val="E0D6DE"/>
+                </a:solidFill>
+                <a:latin typeface="Fira Sans" pitchFamily="34" charset="0"/>
+              </a:rPr>
+              <a:t>Objetivos Generales</a:t>
+            </a:r>
+          </a:p>
+          <a:p>
+            <a:pPr indent="457200"/>
+            <a:r>
+              <a:rPr lang="es-ES" sz="2400" dirty="0">
+                <a:solidFill>
+                  <a:srgbClr val="E0D6DE"/>
+                </a:solidFill>
+                <a:latin typeface="Fira Sans" pitchFamily="34" charset="0"/>
+              </a:rPr>
+              <a:t>Diseñar un sistema de base de datos que optimice los procesos operativos y de información.</a:t>
+            </a:r>
+          </a:p>
+          <a:p>
+            <a:pPr indent="457200"/>
+            <a:r>
+              <a:rPr lang="es-ES" sz="2400" b="1" dirty="0">
+                <a:solidFill>
+                  <a:srgbClr val="E0D6DE"/>
+                </a:solidFill>
+                <a:latin typeface="Fira Sans" pitchFamily="34" charset="0"/>
+              </a:rPr>
+              <a:t>Objetivos Específicos</a:t>
+            </a:r>
+          </a:p>
+          <a:p>
+            <a:pPr indent="457200"/>
+            <a:r>
+              <a:rPr lang="es-ES" sz="2400" dirty="0">
+                <a:solidFill>
+                  <a:srgbClr val="E0D6DE"/>
+                </a:solidFill>
+                <a:latin typeface="Fira Sans" pitchFamily="34" charset="0"/>
+              </a:rPr>
+              <a:t>1.	Facilitar el almacenamiento y recuperación de datos.</a:t>
+            </a:r>
+          </a:p>
+          <a:p>
+            <a:pPr indent="457200"/>
+            <a:r>
+              <a:rPr lang="es-ES" sz="2400" dirty="0">
+                <a:solidFill>
+                  <a:srgbClr val="E0D6DE"/>
+                </a:solidFill>
+                <a:latin typeface="Fira Sans" pitchFamily="34" charset="0"/>
+              </a:rPr>
+              <a:t>2.	Mejorar la integridad y seguridad de la información.</a:t>
+            </a:r>
+          </a:p>
+          <a:p>
+            <a:pPr indent="457200"/>
+            <a:r>
+              <a:rPr lang="es-ES" sz="2400" dirty="0">
+                <a:solidFill>
+                  <a:srgbClr val="E0D6DE"/>
+                </a:solidFill>
+                <a:latin typeface="Fira Sans" pitchFamily="34" charset="0"/>
+              </a:rPr>
+              <a:t>3.	Proveer consultas rápidas y flexibles para la toma de decisiones.</a:t>
+            </a:r>
+          </a:p>
+        </p:txBody>
+      </p:sp>
     </p:spTree>
     <p:extLst>
       <p:ext uri="{BB962C8B-B14F-4D97-AF65-F5344CB8AC3E}">
@@ -11115,7 +7241,7 @@
         <p:cNvPr id="1" name="">
           <a:extLst>
             <a:ext uri="{FF2B5EF4-FFF2-40B4-BE49-F238E27FC236}">
-              <a16:creationId xmlns:a16="http://schemas.microsoft.com/office/drawing/2014/main" id="{5C500FDA-46F3-A953-2F62-966B66D7C261}"/>
+              <a16:creationId xmlns:a16="http://schemas.microsoft.com/office/drawing/2014/main" id="{6AF1D3E2-B498-DB13-EC26-EAF3100D70EB}"/>
             </a:ext>
           </a:extLst>
         </p:cNvPr>
@@ -11135,7 +7261,7 @@
           <p:cNvPr id="2" name="Text 0">
             <a:extLst>
               <a:ext uri="{FF2B5EF4-FFF2-40B4-BE49-F238E27FC236}">
-                <a16:creationId xmlns:a16="http://schemas.microsoft.com/office/drawing/2014/main" id="{FD308E6C-EACB-7FB2-F9AC-582B2BD664D2}"/>
+                <a16:creationId xmlns:a16="http://schemas.microsoft.com/office/drawing/2014/main" id="{E532098E-8082-4E8F-76A1-9DC3A1365830}"/>
               </a:ext>
             </a:extLst>
           </p:cNvPr>
@@ -11174,27 +7300,88 @@
                 <a:ea typeface="Fira Mono Medium" pitchFamily="34" charset="-122"/>
                 <a:cs typeface="Fira Mono Medium" pitchFamily="34" charset="-120"/>
               </a:rPr>
-              <a:t>1. Desarrollo CASO 1: </a:t>
+              <a:t>2. </a:t>
             </a:r>
             <a:r>
-              <a:rPr lang="es-ES" sz="4800" dirty="0">
+              <a:rPr lang="en-US" sz="4450" b="1" dirty="0" err="1">
                 <a:solidFill>
-                  <a:srgbClr val="E0D6DE"/>
+                  <a:srgbClr val="FBF3FA"/>
                 </a:solidFill>
+                <a:effectLst>
+                  <a:outerShdw blurRad="38100" dist="38100" dir="2700000" algn="tl">
+                    <a:srgbClr val="000000">
+                      <a:alpha val="43137"/>
+                    </a:srgbClr>
+                  </a:outerShdw>
+                </a:effectLst>
+                <a:latin typeface="Fira Mono Medium" pitchFamily="34" charset="0"/>
+                <a:ea typeface="Fira Mono Medium" pitchFamily="34" charset="-122"/>
+                <a:cs typeface="Fira Mono Medium" pitchFamily="34" charset="-120"/>
+              </a:rPr>
+              <a:t>Presentación</a:t>
+            </a:r>
+            <a:r>
+              <a:rPr lang="en-US" sz="4450" b="1" dirty="0">
+                <a:solidFill>
+                  <a:srgbClr val="FBF3FA"/>
+                </a:solidFill>
+                <a:effectLst>
+                  <a:outerShdw blurRad="38100" dist="38100" dir="2700000" algn="tl">
+                    <a:srgbClr val="000000">
+                      <a:alpha val="43137"/>
+                    </a:srgbClr>
+                  </a:outerShdw>
+                </a:effectLst>
+                <a:latin typeface="Fira Mono Medium" pitchFamily="34" charset="0"/>
+                <a:ea typeface="Fira Mono Medium" pitchFamily="34" charset="-122"/>
+                <a:cs typeface="Fira Mono Medium" pitchFamily="34" charset="-120"/>
+              </a:rPr>
+              <a:t> del Caso: </a:t>
+            </a:r>
+            <a:r>
+              <a:rPr lang="es-ES" sz="4800" b="1" i="1" dirty="0">
+                <a:solidFill>
+                  <a:schemeClr val="bg2">
+                    <a:lumMod val="75000"/>
+                  </a:schemeClr>
+                </a:solidFill>
+                <a:effectLst>
+                  <a:outerShdw blurRad="38100" dist="38100" dir="2700000" algn="tl">
+                    <a:srgbClr val="000000">
+                      <a:alpha val="43137"/>
+                    </a:srgbClr>
+                  </a:outerShdw>
+                </a:effectLst>
                 <a:latin typeface="Fira Sans" pitchFamily="34" charset="0"/>
+                <a:ea typeface="Fira Mono Medium" pitchFamily="34" charset="-122"/>
               </a:rPr>
-              <a:t>Tienda</a:t>
+              <a:t>Problemática</a:t>
             </a:r>
-            <a:endParaRPr lang="en-US" sz="4450" dirty="0"/>
+            <a:endParaRPr lang="en-US" sz="4800" b="1" i="1" dirty="0">
+              <a:solidFill>
+                <a:schemeClr val="bg2">
+                  <a:lumMod val="75000"/>
+                </a:schemeClr>
+              </a:solidFill>
+              <a:effectLst>
+                <a:outerShdw blurRad="38100" dist="38100" dir="2700000" algn="tl">
+                  <a:srgbClr val="000000">
+                    <a:alpha val="43137"/>
+                  </a:srgbClr>
+                </a:outerShdw>
+              </a:effectLst>
+              <a:latin typeface="Fira Sans" pitchFamily="34" charset="0"/>
+              <a:ea typeface="Fira Mono Medium" pitchFamily="34" charset="-122"/>
+            </a:endParaRPr>
           </a:p>
         </p:txBody>
       </p:sp>
       <p:sp>
         <p:nvSpPr>
-          <p:cNvPr id="16" name="CuadroTexto 15">
+          <p:cNvPr id="4" name="CuadroTexto 3">
             <a:extLst>
               <a:ext uri="{FF2B5EF4-FFF2-40B4-BE49-F238E27FC236}">
-                <a16:creationId xmlns:a16="http://schemas.microsoft.com/office/drawing/2014/main" id="{566AF958-E23F-8141-105D-E6B06A286F3A}"/>
+                <a16:creationId xmlns:a16="http://schemas.microsoft.com/office/drawing/2014/main" id="{1AC148D4-9072-E3C6-DC4B-105EC533A18C}"/>
               </a:ext>
             </a:extLst>
           </p:cNvPr>
@@ -11203,8 +7390,8 @@
         </p:nvSpPr>
         <p:spPr>
           <a:xfrm>
-            <a:off x="785906" y="1615395"/>
-            <a:ext cx="12948023" cy="461665"/>
+            <a:off x="1315845" y="3145304"/>
+            <a:ext cx="11998709" cy="1938992"/>
           </a:xfrm>
           <a:prstGeom prst="rect">
             <a:avLst/>
@@ -11217,60 +7404,50 @@
           </a:bodyPr>
           <a:lstStyle/>
           <a:p>
-            <a:pPr algn="l">
-              <a:spcBef>
-                <a:spcPts val="900"/>
-              </a:spcBef>
-              <a:buFont typeface="Arial" panose="020B0604020202020204" pitchFamily="34" charset="0"/>
-              <a:buChar char="•"/>
-            </a:pPr>
+            <a:pPr indent="457200"/>
             <a:r>
-              <a:rPr lang="es-ES" sz="2400" b="0" i="0" dirty="0">
+              <a:rPr lang="es-ES" sz="2400" b="1" dirty="0">
                 <a:solidFill>
-                  <a:srgbClr val="D2D0CE"/>
+                  <a:srgbClr val="E0D6DE"/>
                 </a:solidFill>
-                <a:effectLst/>
-                <a:latin typeface="-apple-system"/>
+                <a:latin typeface="Fira Sans" pitchFamily="34" charset="0"/>
               </a:rPr>
-              <a:t>Se insertan varios productos en la tabla para tener datos iniciales.</a:t>
+              <a:t>Contexto</a:t>
+            </a:r>
+            <a:r>
+              <a:rPr lang="es-ES" sz="2400" dirty="0">
+                <a:solidFill>
+                  <a:srgbClr val="E0D6DE"/>
+                </a:solidFill>
+                <a:latin typeface="Fira Sans" pitchFamily="34" charset="0"/>
+              </a:rPr>
+              <a:t>: La Universidad "</a:t>
+            </a:r>
+            <a:r>
+              <a:rPr lang="es-ES" sz="2400" dirty="0" err="1">
+                <a:solidFill>
+                  <a:srgbClr val="E0D6DE"/>
+                </a:solidFill>
+                <a:latin typeface="Fira Sans" pitchFamily="34" charset="0"/>
+              </a:rPr>
+              <a:t>TechAcademy</a:t>
+            </a:r>
+            <a:r>
+              <a:rPr lang="es-ES" sz="2400" dirty="0">
+                <a:solidFill>
+                  <a:srgbClr val="E0D6DE"/>
+                </a:solidFill>
+                <a:latin typeface="Fira Sans" pitchFamily="34" charset="0"/>
+              </a:rPr>
+              <a:t>" enfrenta múltiples desafíos en la gestión del proceso de inscripción de estudiantes, la administración de cursos y la evaluación académica. Este informe presenta el diseño y desarrollo de un Sistema de Gestión Académica que centralice y automatice dichos procesos, optimizando la experiencia de estudiantes y personal académico</a:t>
             </a:r>
           </a:p>
         </p:txBody>
       </p:sp>
-      <p:pic>
-        <p:nvPicPr>
-          <p:cNvPr id="4" name="Imagen 3">
-            <a:extLst>
-              <a:ext uri="{FF2B5EF4-FFF2-40B4-BE49-F238E27FC236}">
-                <a16:creationId xmlns:a16="http://schemas.microsoft.com/office/drawing/2014/main" id="{10B091E5-7989-CA45-3718-1174E39C4333}"/>
-              </a:ext>
-            </a:extLst>
-          </p:cNvPr>
-          <p:cNvPicPr>
-            <a:picLocks noChangeAspect="1"/>
-          </p:cNvPicPr>
-          <p:nvPr/>
-        </p:nvPicPr>
-        <p:blipFill>
-          <a:blip r:embed="rId3"/>
-          <a:stretch>
-            <a:fillRect/>
-          </a:stretch>
-        </p:blipFill>
-        <p:spPr>
-          <a:xfrm>
-            <a:off x="775349" y="2435647"/>
-            <a:ext cx="13079702" cy="3716894"/>
-          </a:xfrm>
-          <a:prstGeom prst="rect">
-            <a:avLst/>
-          </a:prstGeom>
-        </p:spPr>
-      </p:pic>
     </p:spTree>
     <p:extLst>
       <p:ext uri="{BB962C8B-B14F-4D97-AF65-F5344CB8AC3E}">
-        <p14:creationId xmlns:p14="http://schemas.microsoft.com/office/powerpoint/2010/main" val="3092519800"/>
+        <p14:creationId xmlns:p14="http://schemas.microsoft.com/office/powerpoint/2010/main" val="1537227764"/>
       </p:ext>
     </p:extLst>
   </p:cSld>
@@ -11288,7 +7465,7 @@
         <p:cNvPr id="1" name="">
           <a:extLst>
             <a:ext uri="{FF2B5EF4-FFF2-40B4-BE49-F238E27FC236}">
-              <a16:creationId xmlns:a16="http://schemas.microsoft.com/office/drawing/2014/main" id="{C18AC588-F3CE-B7E4-B8FB-362F823C4B74}"/>
+              <a16:creationId xmlns:a16="http://schemas.microsoft.com/office/drawing/2014/main" id="{C5C35F67-376E-4B68-3E37-5E93EF139EDA}"/>
             </a:ext>
           </a:extLst>
         </p:cNvPr>
@@ -11308,7 +7485,7 @@
           <p:cNvPr id="2" name="Text 0">
             <a:extLst>
               <a:ext uri="{FF2B5EF4-FFF2-40B4-BE49-F238E27FC236}">
-                <a16:creationId xmlns:a16="http://schemas.microsoft.com/office/drawing/2014/main" id="{8CBE9B44-E7EE-8321-EE5F-2250C3DC61C1}"/>
+                <a16:creationId xmlns:a16="http://schemas.microsoft.com/office/drawing/2014/main" id="{81AE382F-472D-9B4A-140E-A286D4B8839D}"/>
               </a:ext>
             </a:extLst>
           </p:cNvPr>
@@ -11347,18 +7524,115 @@
                 <a:ea typeface="Fira Mono Medium" pitchFamily="34" charset="-122"/>
                 <a:cs typeface="Fira Mono Medium" pitchFamily="34" charset="-120"/>
               </a:rPr>
-              <a:t>1. Desarrollo CASO 1: </a:t>
+              <a:t>3. </a:t>
             </a:r>
             <a:r>
-              <a:rPr lang="es-ES" sz="4800" dirty="0">
+              <a:rPr lang="en-US" sz="4450" b="1" dirty="0" err="1">
                 <a:solidFill>
-                  <a:srgbClr val="E0D6DE"/>
+                  <a:srgbClr val="FBF3FA"/>
                 </a:solidFill>
+                <a:effectLst>
+                  <a:outerShdw blurRad="38100" dist="38100" dir="2700000" algn="tl">
+                    <a:srgbClr val="000000">
+                      <a:alpha val="43137"/>
+                    </a:srgbClr>
+                  </a:outerShdw>
+                </a:effectLst>
+                <a:latin typeface="Fira Mono Medium" pitchFamily="34" charset="0"/>
+                <a:ea typeface="Fira Mono Medium" pitchFamily="34" charset="-122"/>
+                <a:cs typeface="Fira Mono Medium" pitchFamily="34" charset="-120"/>
+              </a:rPr>
+              <a:t>Análisis</a:t>
+            </a:r>
+            <a:r>
+              <a:rPr lang="en-US" sz="4450" b="1" dirty="0">
+                <a:solidFill>
+                  <a:srgbClr val="FBF3FA"/>
+                </a:solidFill>
+                <a:effectLst>
+                  <a:outerShdw blurRad="38100" dist="38100" dir="2700000" algn="tl">
+                    <a:srgbClr val="000000">
+                      <a:alpha val="43137"/>
+                    </a:srgbClr>
+                  </a:outerShdw>
+                </a:effectLst>
+                <a:latin typeface="Fira Mono Medium" pitchFamily="34" charset="0"/>
+                <a:ea typeface="Fira Mono Medium" pitchFamily="34" charset="-122"/>
+                <a:cs typeface="Fira Mono Medium" pitchFamily="34" charset="-120"/>
+              </a:rPr>
+              <a:t> y </a:t>
+            </a:r>
+            <a:r>
+              <a:rPr lang="en-US" sz="4450" b="1" dirty="0" err="1">
+                <a:solidFill>
+                  <a:srgbClr val="FBF3FA"/>
+                </a:solidFill>
+                <a:effectLst>
+                  <a:outerShdw blurRad="38100" dist="38100" dir="2700000" algn="tl">
+                    <a:srgbClr val="000000">
+                      <a:alpha val="43137"/>
+                    </a:srgbClr>
+                  </a:outerShdw>
+                </a:effectLst>
+                <a:latin typeface="Fira Mono Medium" pitchFamily="34" charset="0"/>
+                <a:ea typeface="Fira Mono Medium" pitchFamily="34" charset="-122"/>
+                <a:cs typeface="Fira Mono Medium" pitchFamily="34" charset="-120"/>
+              </a:rPr>
+              <a:t>Propuesta</a:t>
+            </a:r>
+            <a:r>
+              <a:rPr lang="en-US" sz="4450" b="1" dirty="0">
+                <a:solidFill>
+                  <a:srgbClr val="FBF3FA"/>
+                </a:solidFill>
+                <a:effectLst>
+                  <a:outerShdw blurRad="38100" dist="38100" dir="2700000" algn="tl">
+                    <a:srgbClr val="000000">
+                      <a:alpha val="43137"/>
+                    </a:srgbClr>
+                  </a:outerShdw>
+                </a:effectLst>
+                <a:latin typeface="Fira Mono Medium" pitchFamily="34" charset="0"/>
+                <a:ea typeface="Fira Mono Medium" pitchFamily="34" charset="-122"/>
+                <a:cs typeface="Fira Mono Medium" pitchFamily="34" charset="-120"/>
+              </a:rPr>
+              <a:t>: </a:t>
+            </a:r>
+            <a:r>
+              <a:rPr lang="es-ES" sz="4800" b="1" i="1" dirty="0">
+                <a:solidFill>
+                  <a:schemeClr val="bg2">
+                    <a:lumMod val="75000"/>
+                  </a:schemeClr>
+                </a:solidFill>
+                <a:effectLst>
+                  <a:outerShdw blurRad="38100" dist="38100" dir="2700000" algn="tl">
+                    <a:srgbClr val="000000">
+                      <a:alpha val="43137"/>
+                    </a:srgbClr>
+                  </a:outerShdw>
+                </a:effectLst>
                 <a:latin typeface="Fira Sans" pitchFamily="34" charset="0"/>
+                <a:ea typeface="Fira Mono Medium" pitchFamily="34" charset="-122"/>
               </a:rPr>
               <a:t>Tienda</a:t>
             </a:r>
-            <a:endParaRPr lang="en-US" sz="4450" dirty="0"/>
+            <a:endParaRPr lang="en-US" sz="4800" b="1" i="1" dirty="0">
+              <a:solidFill>
+                <a:schemeClr val="bg2">
+                  <a:lumMod val="75000"/>
+                </a:schemeClr>
+              </a:solidFill>
+              <a:effectLst>
+                <a:outerShdw blurRad="38100" dist="38100" dir="2700000" algn="tl">
+                  <a:srgbClr val="000000">
+                    <a:alpha val="43137"/>
+                  </a:srgbClr>
+                </a:outerShdw>
+              </a:effectLst>
+              <a:latin typeface="Fira Sans" pitchFamily="34" charset="0"/>
+              <a:ea typeface="Fira Mono Medium" pitchFamily="34" charset="-122"/>
+            </a:endParaRPr>
           </a:p>
         </p:txBody>
       </p:sp>
@@ -11367,7 +7641,7 @@
           <p:cNvPr id="16" name="CuadroTexto 15">
             <a:extLst>
               <a:ext uri="{FF2B5EF4-FFF2-40B4-BE49-F238E27FC236}">
-                <a16:creationId xmlns:a16="http://schemas.microsoft.com/office/drawing/2014/main" id="{7B97908B-AB3F-DDBD-09C2-4CCB425C8603}"/>
+                <a16:creationId xmlns:a16="http://schemas.microsoft.com/office/drawing/2014/main" id="{B7B7929B-067E-BB25-EF43-1EFD48AC9E18}"/>
               </a:ext>
             </a:extLst>
           </p:cNvPr>
@@ -11376,8 +7650,8 @@
         </p:nvSpPr>
         <p:spPr>
           <a:xfrm>
-            <a:off x="785906" y="1615395"/>
-            <a:ext cx="12948023" cy="1315745"/>
+            <a:off x="841188" y="1615395"/>
+            <a:ext cx="12948023" cy="461665"/>
           </a:xfrm>
           <a:prstGeom prst="rect">
             <a:avLst/>
@@ -11403,58 +7677,18 @@
                   <a:srgbClr val="D2D0CE"/>
                 </a:solidFill>
                 <a:effectLst/>
-                <a:latin typeface="-apple-system"/>
               </a:rPr>
-              <a:t>Este procedimiento permite agregar un nuevo producto a la tabla utilizando parámetros para Nombre, Descripción, Precio y </a:t>
-            </a:r>
-            <a:r>
-              <a:rPr lang="es-ES" sz="2400" b="0" i="0" dirty="0" err="1">
-                <a:solidFill>
-                  <a:srgbClr val="D2D0CE"/>
-                </a:solidFill>
-                <a:effectLst/>
-                <a:latin typeface="-apple-system"/>
-              </a:rPr>
-              <a:t>CantidadEnInventario</a:t>
-            </a:r>
-            <a:r>
-              <a:rPr lang="es-ES" sz="2400" b="0" i="0" dirty="0">
-                <a:solidFill>
-                  <a:srgbClr val="D2D0CE"/>
-                </a:solidFill>
-                <a:effectLst/>
-                <a:latin typeface="-apple-system"/>
-              </a:rPr>
-              <a:t>.</a:t>
-            </a:r>
-          </a:p>
-          <a:p>
-            <a:pPr algn="l">
-              <a:spcBef>
-                <a:spcPts val="900"/>
-              </a:spcBef>
-              <a:buFont typeface="Arial" panose="020B0604020202020204" pitchFamily="34" charset="0"/>
-              <a:buChar char="•"/>
-            </a:pPr>
-            <a:r>
-              <a:rPr lang="es-ES" sz="2400" b="0" i="0" dirty="0">
-                <a:solidFill>
-                  <a:srgbClr val="D2D0CE"/>
-                </a:solidFill>
-                <a:effectLst/>
-                <a:latin typeface="-apple-system"/>
-              </a:rPr>
-              <a:t>Se imprime un mensaje de confirmación tras la inserción.</a:t>
+              <a:t>d</a:t>
             </a:r>
           </a:p>
         </p:txBody>
       </p:sp>
       <p:pic>
         <p:nvPicPr>
-          <p:cNvPr id="4" name="Imagen 3">
+          <p:cNvPr id="6" name="Imagen 5">
             <a:extLst>
               <a:ext uri="{FF2B5EF4-FFF2-40B4-BE49-F238E27FC236}">
-                <a16:creationId xmlns:a16="http://schemas.microsoft.com/office/drawing/2014/main" id="{F97AE996-DC02-149A-AB39-C7D1490A939A}"/>
+                <a16:creationId xmlns:a16="http://schemas.microsoft.com/office/drawing/2014/main" id="{7E44BF29-95F8-635F-A992-DFC2D6A6C688}"/>
               </a:ext>
             </a:extLst>
           </p:cNvPr>
@@ -11471,8 +7705,8 @@
         </p:blipFill>
         <p:spPr>
           <a:xfrm>
-            <a:off x="621398" y="3032953"/>
-            <a:ext cx="13387604" cy="3162302"/>
+            <a:off x="754630" y="3081373"/>
+            <a:ext cx="13058588" cy="4572862"/>
           </a:xfrm>
           <a:prstGeom prst="rect">
             <a:avLst/>
@@ -11482,7 +7716,7 @@
     </p:spTree>
     <p:extLst>
       <p:ext uri="{BB962C8B-B14F-4D97-AF65-F5344CB8AC3E}">
-        <p14:creationId xmlns:p14="http://schemas.microsoft.com/office/powerpoint/2010/main" val="863543241"/>
+        <p14:creationId xmlns:p14="http://schemas.microsoft.com/office/powerpoint/2010/main" val="1438256173"/>
       </p:ext>
     </p:extLst>
   </p:cSld>
@@ -11500,7 +7734,7 @@
         <p:cNvPr id="1" name="">
           <a:extLst>
             <a:ext uri="{FF2B5EF4-FFF2-40B4-BE49-F238E27FC236}">
-              <a16:creationId xmlns:a16="http://schemas.microsoft.com/office/drawing/2014/main" id="{7CA54948-F19C-DBE4-EB09-CED879C392EB}"/>
+              <a16:creationId xmlns:a16="http://schemas.microsoft.com/office/drawing/2014/main" id="{1153792A-BCFE-DBCC-E6C8-48354311BB4B}"/>
             </a:ext>
           </a:extLst>
         </p:cNvPr>
@@ -11517,10 +7751,62 @@
       </p:grpSpPr>
       <p:sp>
         <p:nvSpPr>
+          <p:cNvPr id="5" name="Rectángulo 4">
+            <a:extLst>
+              <a:ext uri="{FF2B5EF4-FFF2-40B4-BE49-F238E27FC236}">
+                <a16:creationId xmlns:a16="http://schemas.microsoft.com/office/drawing/2014/main" id="{465C500B-5175-19CC-E110-E7BE97113029}"/>
+              </a:ext>
+            </a:extLst>
+          </p:cNvPr>
+          <p:cNvSpPr/>
+          <p:nvPr/>
+        </p:nvSpPr>
+        <p:spPr>
+          <a:xfrm>
+            <a:off x="375123" y="1495025"/>
+            <a:ext cx="13880152" cy="6421699"/>
+          </a:xfrm>
+          <a:prstGeom prst="rect">
+            <a:avLst/>
+          </a:prstGeom>
+          <a:solidFill>
+            <a:schemeClr val="accent5">
+              <a:lumMod val="60000"/>
+              <a:lumOff val="40000"/>
+            </a:schemeClr>
+          </a:solidFill>
+        </p:spPr>
+        <p:style>
+          <a:lnRef idx="2">
+            <a:schemeClr val="dk1">
+              <a:shade val="15000"/>
+            </a:schemeClr>
+          </a:lnRef>
+          <a:fillRef idx="1">
+            <a:schemeClr val="dk1"/>
+          </a:fillRef>
+          <a:effectRef idx="0">
+            <a:schemeClr val="dk1"/>
+          </a:effectRef>
+          <a:fontRef idx="minor">
+            <a:schemeClr val="lt1"/>
+          </a:fontRef>
+        </p:style>
+        <p:txBody>
+          <a:bodyPr rtlCol="0" anchor="ctr"/>
+          <a:lstStyle/>
+          <a:p>
+            <a:pPr algn="ctr"/>
+            <a:endParaRPr lang="es-ES"/>
+          </a:p>
+        </p:txBody>
+      </p:sp>
+      <p:sp>
+        <p:nvSpPr>
           <p:cNvPr id="2" name="Text 0">
             <a:extLst>
               <a:ext uri="{FF2B5EF4-FFF2-40B4-BE49-F238E27FC236}">
-                <a16:creationId xmlns:a16="http://schemas.microsoft.com/office/drawing/2014/main" id="{9A69F1B5-C7AA-93C3-B048-EE717D8BBC04}"/>
+                <a16:creationId xmlns:a16="http://schemas.microsoft.com/office/drawing/2014/main" id="{4EEE5B7B-D619-0CEA-C61D-D4D352725AC4}"/>
               </a:ext>
             </a:extLst>
           </p:cNvPr>
@@ -11559,18 +7845,115 @@
                 <a:ea typeface="Fira Mono Medium" pitchFamily="34" charset="-122"/>
                 <a:cs typeface="Fira Mono Medium" pitchFamily="34" charset="-120"/>
               </a:rPr>
-              <a:t>1. Desarrollo CASO 1: </a:t>
+              <a:t>3. </a:t>
             </a:r>
             <a:r>
-              <a:rPr lang="es-ES" sz="4800" dirty="0">
+              <a:rPr lang="en-US" sz="4450" b="1" dirty="0" err="1">
                 <a:solidFill>
-                  <a:srgbClr val="E0D6DE"/>
+                  <a:srgbClr val="FBF3FA"/>
                 </a:solidFill>
+                <a:effectLst>
+                  <a:outerShdw blurRad="38100" dist="38100" dir="2700000" algn="tl">
+                    <a:srgbClr val="000000">
+                      <a:alpha val="43137"/>
+                    </a:srgbClr>
+                  </a:outerShdw>
+                </a:effectLst>
+                <a:latin typeface="Fira Mono Medium" pitchFamily="34" charset="0"/>
+                <a:ea typeface="Fira Mono Medium" pitchFamily="34" charset="-122"/>
+                <a:cs typeface="Fira Mono Medium" pitchFamily="34" charset="-120"/>
+              </a:rPr>
+              <a:t>Análisis</a:t>
+            </a:r>
+            <a:r>
+              <a:rPr lang="en-US" sz="4450" b="1" dirty="0">
+                <a:solidFill>
+                  <a:srgbClr val="FBF3FA"/>
+                </a:solidFill>
+                <a:effectLst>
+                  <a:outerShdw blurRad="38100" dist="38100" dir="2700000" algn="tl">
+                    <a:srgbClr val="000000">
+                      <a:alpha val="43137"/>
+                    </a:srgbClr>
+                  </a:outerShdw>
+                </a:effectLst>
+                <a:latin typeface="Fira Mono Medium" pitchFamily="34" charset="0"/>
+                <a:ea typeface="Fira Mono Medium" pitchFamily="34" charset="-122"/>
+                <a:cs typeface="Fira Mono Medium" pitchFamily="34" charset="-120"/>
+              </a:rPr>
+              <a:t> y </a:t>
+            </a:r>
+            <a:r>
+              <a:rPr lang="en-US" sz="4450" b="1" dirty="0" err="1">
+                <a:solidFill>
+                  <a:srgbClr val="FBF3FA"/>
+                </a:solidFill>
+                <a:effectLst>
+                  <a:outerShdw blurRad="38100" dist="38100" dir="2700000" algn="tl">
+                    <a:srgbClr val="000000">
+                      <a:alpha val="43137"/>
+                    </a:srgbClr>
+                  </a:outerShdw>
+                </a:effectLst>
+                <a:latin typeface="Fira Mono Medium" pitchFamily="34" charset="0"/>
+                <a:ea typeface="Fira Mono Medium" pitchFamily="34" charset="-122"/>
+                <a:cs typeface="Fira Mono Medium" pitchFamily="34" charset="-120"/>
+              </a:rPr>
+              <a:t>Propuesta</a:t>
+            </a:r>
+            <a:r>
+              <a:rPr lang="en-US" sz="4450" b="1" dirty="0">
+                <a:solidFill>
+                  <a:srgbClr val="FBF3FA"/>
+                </a:solidFill>
+                <a:effectLst>
+                  <a:outerShdw blurRad="38100" dist="38100" dir="2700000" algn="tl">
+                    <a:srgbClr val="000000">
+                      <a:alpha val="43137"/>
+                    </a:srgbClr>
+                  </a:outerShdw>
+                </a:effectLst>
+                <a:latin typeface="Fira Mono Medium" pitchFamily="34" charset="0"/>
+                <a:ea typeface="Fira Mono Medium" pitchFamily="34" charset="-122"/>
+                <a:cs typeface="Fira Mono Medium" pitchFamily="34" charset="-120"/>
+              </a:rPr>
+              <a:t>: </a:t>
+            </a:r>
+            <a:r>
+              <a:rPr lang="es-ES" sz="4800" b="1" i="1" dirty="0">
+                <a:solidFill>
+                  <a:schemeClr val="bg2">
+                    <a:lumMod val="75000"/>
+                  </a:schemeClr>
+                </a:solidFill>
+                <a:effectLst>
+                  <a:outerShdw blurRad="38100" dist="38100" dir="2700000" algn="tl">
+                    <a:srgbClr val="000000">
+                      <a:alpha val="43137"/>
+                    </a:srgbClr>
+                  </a:outerShdw>
+                </a:effectLst>
                 <a:latin typeface="Fira Sans" pitchFamily="34" charset="0"/>
+                <a:ea typeface="Fira Mono Medium" pitchFamily="34" charset="-122"/>
               </a:rPr>
-              <a:t>Tienda</a:t>
+              <a:t>Diagrama E-R</a:t>
             </a:r>
-            <a:endParaRPr lang="en-US" sz="4450" dirty="0"/>
+            <a:endParaRPr lang="en-US" sz="4800" b="1" i="1" dirty="0">
+              <a:solidFill>
+                <a:schemeClr val="bg2">
+                  <a:lumMod val="75000"/>
+                </a:schemeClr>
+              </a:solidFill>
+              <a:effectLst>
+                <a:outerShdw blurRad="38100" dist="38100" dir="2700000" algn="tl">
+                  <a:srgbClr val="000000">
+                    <a:alpha val="43137"/>
+                  </a:srgbClr>
+                </a:outerShdw>
+              </a:effectLst>
+              <a:latin typeface="Fira Sans" pitchFamily="34" charset="0"/>
+              <a:ea typeface="Fira Mono Medium" pitchFamily="34" charset="-122"/>
+            </a:endParaRPr>
           </a:p>
         </p:txBody>
       </p:sp>
@@ -11579,7 +7962,7 @@
           <p:cNvPr id="16" name="CuadroTexto 15">
             <a:extLst>
               <a:ext uri="{FF2B5EF4-FFF2-40B4-BE49-F238E27FC236}">
-                <a16:creationId xmlns:a16="http://schemas.microsoft.com/office/drawing/2014/main" id="{A9813805-B417-913B-CFB2-6D3C2FCCDEAD}"/>
+                <a16:creationId xmlns:a16="http://schemas.microsoft.com/office/drawing/2014/main" id="{FCDDCD84-6FDC-B2F3-121E-11C40DA3E33F}"/>
               </a:ext>
             </a:extLst>
           </p:cNvPr>
@@ -11588,7 +7971,7 @@
         </p:nvSpPr>
         <p:spPr>
           <a:xfrm>
-            <a:off x="785906" y="1615395"/>
+            <a:off x="841188" y="1615395"/>
             <a:ext cx="12948023" cy="461665"/>
           </a:xfrm>
           <a:prstGeom prst="rect">
@@ -11611,23 +7994,19 @@
             </a:pPr>
             <a:r>
               <a:rPr lang="es-ES" sz="2400" b="0" i="0" dirty="0">
-                <a:solidFill>
-                  <a:srgbClr val="D2D0CE"/>
-                </a:solidFill>
                 <a:effectLst/>
-                <a:latin typeface="-apple-system"/>
               </a:rPr>
-              <a:t>Se ejecuta el procedimiento para agregar un nuevo producto, mostrando el mensaje de éxito.</a:t>
+              <a:t>.</a:t>
             </a:r>
           </a:p>
         </p:txBody>
       </p:sp>
       <p:pic>
         <p:nvPicPr>
-          <p:cNvPr id="4" name="Imagen 3">
+          <p:cNvPr id="4" name="Gráfico 3">
             <a:extLst>
               <a:ext uri="{FF2B5EF4-FFF2-40B4-BE49-F238E27FC236}">
-                <a16:creationId xmlns:a16="http://schemas.microsoft.com/office/drawing/2014/main" id="{937E53BF-2216-EFB5-EB23-A569C163E2B0}"/>
+                <a16:creationId xmlns:a16="http://schemas.microsoft.com/office/drawing/2014/main" id="{5AB3255F-BC3F-D29E-C558-EBEB11024F04}"/>
               </a:ext>
             </a:extLst>
           </p:cNvPr>
@@ -11637,15 +8016,21 @@
           <p:nvPr/>
         </p:nvPicPr>
         <p:blipFill>
-          <a:blip r:embed="rId3"/>
+          <a:blip r:embed="rId3">
+            <a:extLst>
+              <a:ext uri="{96DAC541-7B7A-43D3-8B79-37D633B846F1}">
+                <asvg:svgBlip xmlns:asvg="http://schemas.microsoft.com/office/drawing/2016/SVG/main" r:embed="rId4"/>
+              </a:ext>
+            </a:extLst>
+          </a:blip>
           <a:stretch>
             <a:fillRect/>
           </a:stretch>
         </p:blipFill>
         <p:spPr>
           <a:xfrm>
-            <a:off x="785906" y="2906252"/>
-            <a:ext cx="13058588" cy="2417096"/>
+            <a:off x="1495424" y="1595579"/>
+            <a:ext cx="11639550" cy="6200775"/>
           </a:xfrm>
           <a:prstGeom prst="rect">
             <a:avLst/>
@@ -11655,7 +8040,7 @@
     </p:spTree>
     <p:extLst>
       <p:ext uri="{BB962C8B-B14F-4D97-AF65-F5344CB8AC3E}">
-        <p14:creationId xmlns:p14="http://schemas.microsoft.com/office/powerpoint/2010/main" val="1257385740"/>
+        <p14:creationId xmlns:p14="http://schemas.microsoft.com/office/powerpoint/2010/main" val="989938990"/>
       </p:ext>
     </p:extLst>
   </p:cSld>
@@ -11673,7 +8058,7 @@
         <p:cNvPr id="1" name="">
           <a:extLst>
             <a:ext uri="{FF2B5EF4-FFF2-40B4-BE49-F238E27FC236}">
-              <a16:creationId xmlns:a16="http://schemas.microsoft.com/office/drawing/2014/main" id="{DDD4460F-BB23-6689-5E86-1A3B4D4A2C0D}"/>
+              <a16:creationId xmlns:a16="http://schemas.microsoft.com/office/drawing/2014/main" id="{3346834A-A023-8812-0427-4126F384D307}"/>
             </a:ext>
           </a:extLst>
         </p:cNvPr>
@@ -11690,10 +8075,62 @@
       </p:grpSpPr>
       <p:sp>
         <p:nvSpPr>
+          <p:cNvPr id="5" name="Rectángulo 4">
+            <a:extLst>
+              <a:ext uri="{FF2B5EF4-FFF2-40B4-BE49-F238E27FC236}">
+                <a16:creationId xmlns:a16="http://schemas.microsoft.com/office/drawing/2014/main" id="{2287BE8C-3E30-7B21-00B6-1C6794A2C038}"/>
+              </a:ext>
+            </a:extLst>
+          </p:cNvPr>
+          <p:cNvSpPr/>
+          <p:nvPr/>
+        </p:nvSpPr>
+        <p:spPr>
+          <a:xfrm>
+            <a:off x="375123" y="1495025"/>
+            <a:ext cx="13880152" cy="6421699"/>
+          </a:xfrm>
+          <a:prstGeom prst="rect">
+            <a:avLst/>
+          </a:prstGeom>
+          <a:solidFill>
+            <a:schemeClr val="accent1">
+              <a:lumMod val="60000"/>
+              <a:lumOff val="40000"/>
+            </a:schemeClr>
+          </a:solidFill>
+        </p:spPr>
+        <p:style>
+          <a:lnRef idx="2">
+            <a:schemeClr val="dk1">
+              <a:shade val="15000"/>
+            </a:schemeClr>
+          </a:lnRef>
+          <a:fillRef idx="1">
+            <a:schemeClr val="dk1"/>
+          </a:fillRef>
+          <a:effectRef idx="0">
+            <a:schemeClr val="dk1"/>
+          </a:effectRef>
+          <a:fontRef idx="minor">
+            <a:schemeClr val="lt1"/>
+          </a:fontRef>
+        </p:style>
+        <p:txBody>
+          <a:bodyPr rtlCol="0" anchor="ctr"/>
+          <a:lstStyle/>
+          <a:p>
+            <a:pPr algn="ctr"/>
+            <a:endParaRPr lang="es-ES"/>
+          </a:p>
+        </p:txBody>
+      </p:sp>
+      <p:sp>
+        <p:nvSpPr>
           <p:cNvPr id="2" name="Text 0">
             <a:extLst>
               <a:ext uri="{FF2B5EF4-FFF2-40B4-BE49-F238E27FC236}">
-                <a16:creationId xmlns:a16="http://schemas.microsoft.com/office/drawing/2014/main" id="{75B88AE7-9BD9-9672-50D4-3C939743B12D}"/>
+                <a16:creationId xmlns:a16="http://schemas.microsoft.com/office/drawing/2014/main" id="{D055DF8F-86ED-4C9A-4764-82981867547B}"/>
               </a:ext>
             </a:extLst>
           </p:cNvPr>
@@ -11732,27 +8169,168 @@
                 <a:ea typeface="Fira Mono Medium" pitchFamily="34" charset="-122"/>
                 <a:cs typeface="Fira Mono Medium" pitchFamily="34" charset="-120"/>
               </a:rPr>
-              <a:t>1. Desarrollo CASO 1: </a:t>
+              <a:t>3. </a:t>
             </a:r>
             <a:r>
-              <a:rPr lang="es-ES" sz="4800" dirty="0">
+              <a:rPr lang="en-US" sz="4450" b="1" dirty="0" err="1">
                 <a:solidFill>
-                  <a:srgbClr val="E0D6DE"/>
+                  <a:srgbClr val="FBF3FA"/>
                 </a:solidFill>
+                <a:effectLst>
+                  <a:outerShdw blurRad="38100" dist="38100" dir="2700000" algn="tl">
+                    <a:srgbClr val="000000">
+                      <a:alpha val="43137"/>
+                    </a:srgbClr>
+                  </a:outerShdw>
+                </a:effectLst>
+                <a:latin typeface="Fira Mono Medium" pitchFamily="34" charset="0"/>
+                <a:ea typeface="Fira Mono Medium" pitchFamily="34" charset="-122"/>
+                <a:cs typeface="Fira Mono Medium" pitchFamily="34" charset="-120"/>
+              </a:rPr>
+              <a:t>Análisis</a:t>
+            </a:r>
+            <a:r>
+              <a:rPr lang="en-US" sz="4450" b="1" dirty="0">
+                <a:solidFill>
+                  <a:srgbClr val="FBF3FA"/>
+                </a:solidFill>
+                <a:effectLst>
+                  <a:outerShdw blurRad="38100" dist="38100" dir="2700000" algn="tl">
+                    <a:srgbClr val="000000">
+                      <a:alpha val="43137"/>
+                    </a:srgbClr>
+                  </a:outerShdw>
+                </a:effectLst>
+                <a:latin typeface="Fira Mono Medium" pitchFamily="34" charset="0"/>
+                <a:ea typeface="Fira Mono Medium" pitchFamily="34" charset="-122"/>
+                <a:cs typeface="Fira Mono Medium" pitchFamily="34" charset="-120"/>
+              </a:rPr>
+              <a:t> y </a:t>
+            </a:r>
+            <a:r>
+              <a:rPr lang="en-US" sz="4450" b="1" dirty="0" err="1">
+                <a:solidFill>
+                  <a:srgbClr val="FBF3FA"/>
+                </a:solidFill>
+                <a:effectLst>
+                  <a:outerShdw blurRad="38100" dist="38100" dir="2700000" algn="tl">
+                    <a:srgbClr val="000000">
+                      <a:alpha val="43137"/>
+                    </a:srgbClr>
+                  </a:outerShdw>
+                </a:effectLst>
+                <a:latin typeface="Fira Mono Medium" pitchFamily="34" charset="0"/>
+                <a:ea typeface="Fira Mono Medium" pitchFamily="34" charset="-122"/>
+                <a:cs typeface="Fira Mono Medium" pitchFamily="34" charset="-120"/>
+              </a:rPr>
+              <a:t>Propuesta</a:t>
+            </a:r>
+            <a:r>
+              <a:rPr lang="en-US" sz="4450" b="1" dirty="0">
+                <a:solidFill>
+                  <a:srgbClr val="FBF3FA"/>
+                </a:solidFill>
+                <a:effectLst>
+                  <a:outerShdw blurRad="38100" dist="38100" dir="2700000" algn="tl">
+                    <a:srgbClr val="000000">
+                      <a:alpha val="43137"/>
+                    </a:srgbClr>
+                  </a:outerShdw>
+                </a:effectLst>
+                <a:latin typeface="Fira Mono Medium" pitchFamily="34" charset="0"/>
+                <a:ea typeface="Fira Mono Medium" pitchFamily="34" charset="-122"/>
+                <a:cs typeface="Fira Mono Medium" pitchFamily="34" charset="-120"/>
+              </a:rPr>
+              <a:t>: </a:t>
+            </a:r>
+            <a:r>
+              <a:rPr lang="es-ES" sz="4800" b="1" i="1" dirty="0">
+                <a:solidFill>
+                  <a:schemeClr val="bg2">
+                    <a:lumMod val="75000"/>
+                  </a:schemeClr>
+                </a:solidFill>
+                <a:effectLst>
+                  <a:outerShdw blurRad="38100" dist="38100" dir="2700000" algn="tl">
+                    <a:srgbClr val="000000">
+                      <a:alpha val="43137"/>
+                    </a:srgbClr>
+                  </a:outerShdw>
+                </a:effectLst>
                 <a:latin typeface="Fira Sans" pitchFamily="34" charset="0"/>
+                <a:ea typeface="Fira Mono Medium" pitchFamily="34" charset="-122"/>
               </a:rPr>
-              <a:t>Tienda</a:t>
+              <a:t>Diagrama L-R</a:t>
             </a:r>
-            <a:endParaRPr lang="en-US" sz="4450" dirty="0"/>
+            <a:endParaRPr lang="en-US" sz="4800" b="1" i="1" dirty="0">
+              <a:solidFill>
+                <a:schemeClr val="bg2">
+                  <a:lumMod val="75000"/>
+                </a:schemeClr>
+              </a:solidFill>
+              <a:effectLst>
+                <a:outerShdw blurRad="38100" dist="38100" dir="2700000" algn="tl">
+                  <a:srgbClr val="000000">
+                    <a:alpha val="43137"/>
+                  </a:srgbClr>
+                </a:outerShdw>
+              </a:effectLst>
+              <a:latin typeface="Fira Sans" pitchFamily="34" charset="0"/>
+              <a:ea typeface="Fira Mono Medium" pitchFamily="34" charset="-122"/>
+            </a:endParaRPr>
+          </a:p>
+        </p:txBody>
+      </p:sp>
+      <p:sp>
+        <p:nvSpPr>
+          <p:cNvPr id="16" name="CuadroTexto 15">
+            <a:extLst>
+              <a:ext uri="{FF2B5EF4-FFF2-40B4-BE49-F238E27FC236}">
+                <a16:creationId xmlns:a16="http://schemas.microsoft.com/office/drawing/2014/main" id="{FE279322-39D2-BBFF-CFCC-B442EB41A0BB}"/>
+              </a:ext>
+            </a:extLst>
+          </p:cNvPr>
+          <p:cNvSpPr txBox="1"/>
+          <p:nvPr/>
+        </p:nvSpPr>
+        <p:spPr>
+          <a:xfrm>
+            <a:off x="841188" y="1615395"/>
+            <a:ext cx="12948023" cy="461665"/>
+          </a:xfrm>
+          <a:prstGeom prst="rect">
+            <a:avLst/>
+          </a:prstGeom>
+          <a:noFill/>
+        </p:spPr>
+        <p:txBody>
+          <a:bodyPr wrap="square">
+            <a:spAutoFit/>
+          </a:bodyPr>
+          <a:lstStyle/>
+          <a:p>
+            <a:pPr algn="l">
+              <a:spcBef>
+                <a:spcPts val="900"/>
+              </a:spcBef>
+              <a:buFont typeface="Arial" panose="020B0604020202020204" pitchFamily="34" charset="0"/>
+              <a:buChar char="•"/>
+            </a:pPr>
+            <a:r>
+              <a:rPr lang="es-ES" sz="2400" b="0" i="0" dirty="0">
+                <a:effectLst/>
+              </a:rPr>
+              <a:t>.</a:t>
+            </a:r>
           </a:p>
         </p:txBody>
       </p:sp>
       <p:pic>
         <p:nvPicPr>
-          <p:cNvPr id="3" name="Picture 1139237615">
+          <p:cNvPr id="6" name="Gráfico 5">
             <a:extLst>
               <a:ext uri="{FF2B5EF4-FFF2-40B4-BE49-F238E27FC236}">
-                <a16:creationId xmlns:a16="http://schemas.microsoft.com/office/drawing/2014/main" id="{0D23EC15-FD40-6974-64C0-130609538FC8}"/>
+                <a16:creationId xmlns:a16="http://schemas.microsoft.com/office/drawing/2014/main" id="{7D4C7DF5-251B-DA10-7261-BE340CBCD9B8}"/>
               </a:ext>
             </a:extLst>
           </p:cNvPr>
@@ -11764,8 +8342,8 @@
         <p:blipFill>
           <a:blip r:embed="rId3">
             <a:extLst>
-              <a:ext uri="{28A0092B-C50C-407E-A947-70E740481C1C}">
-                <a14:useLocalDpi xmlns:a14="http://schemas.microsoft.com/office/drawing/2010/main" val="0"/>
+              <a:ext uri="{96DAC541-7B7A-43D3-8B79-37D633B846F1}">
+                <asvg:svgBlip xmlns:asvg="http://schemas.microsoft.com/office/drawing/2016/SVG/main" r:embed="rId4"/>
               </a:ext>
             </a:extLst>
           </a:blip>
@@ -11775,8 +8353,8 @@
         </p:blipFill>
         <p:spPr>
           <a:xfrm>
-            <a:off x="1541929" y="2952331"/>
-            <a:ext cx="11546542" cy="2324938"/>
+            <a:off x="3793011" y="1615395"/>
+            <a:ext cx="6981825" cy="6019800"/>
           </a:xfrm>
           <a:prstGeom prst="rect">
             <a:avLst/>
@@ -11786,7 +8364,7 @@
     </p:spTree>
     <p:extLst>
       <p:ext uri="{BB962C8B-B14F-4D97-AF65-F5344CB8AC3E}">
-        <p14:creationId xmlns:p14="http://schemas.microsoft.com/office/powerpoint/2010/main" val="3952531924"/>
+        <p14:creationId xmlns:p14="http://schemas.microsoft.com/office/powerpoint/2010/main" val="1139740794"/>
       </p:ext>
     </p:extLst>
   </p:cSld>
@@ -11804,7 +8382,7 @@
         <p:cNvPr id="1" name="">
           <a:extLst>
             <a:ext uri="{FF2B5EF4-FFF2-40B4-BE49-F238E27FC236}">
-              <a16:creationId xmlns:a16="http://schemas.microsoft.com/office/drawing/2014/main" id="{BBE6D8C1-A151-ED78-94E3-38C91CB4DE13}"/>
+              <a16:creationId xmlns:a16="http://schemas.microsoft.com/office/drawing/2014/main" id="{B3814202-9250-4E9C-62AC-64F0D3B19DED}"/>
             </a:ext>
           </a:extLst>
         </p:cNvPr>
@@ -11824,7 +8402,7 @@
           <p:cNvPr id="2" name="Text 0">
             <a:extLst>
               <a:ext uri="{FF2B5EF4-FFF2-40B4-BE49-F238E27FC236}">
-                <a16:creationId xmlns:a16="http://schemas.microsoft.com/office/drawing/2014/main" id="{437313DA-728B-8EFE-716D-941E39C379D5}"/>
+                <a16:creationId xmlns:a16="http://schemas.microsoft.com/office/drawing/2014/main" id="{AC02D618-CB6C-14FF-E70D-3661CDEBD78C}"/>
               </a:ext>
             </a:extLst>
           </p:cNvPr>
@@ -11863,12 +8441,50 @@
                 <a:ea typeface="Fira Mono Medium" pitchFamily="34" charset="-122"/>
                 <a:cs typeface="Fira Mono Medium" pitchFamily="34" charset="-120"/>
               </a:rPr>
-              <a:t>2. CASO 2: </a:t>
+              <a:t>4. </a:t>
             </a:r>
             <a:r>
-              <a:rPr lang="es-ES" sz="4800" dirty="0">
+              <a:rPr lang="en-US" sz="4450" b="1" dirty="0" err="1">
                 <a:solidFill>
-                  <a:srgbClr val="E0D6DE"/>
+                  <a:srgbClr val="FBF3FA"/>
+                </a:solidFill>
+                <a:effectLst>
+                  <a:outerShdw blurRad="38100" dist="38100" dir="2700000" algn="tl">
+                    <a:srgbClr val="000000">
+                      <a:alpha val="43137"/>
+                    </a:srgbClr>
+                  </a:outerShdw>
+                </a:effectLst>
+                <a:latin typeface="Fira Mono Medium" pitchFamily="34" charset="0"/>
+                <a:ea typeface="Fira Mono Medium" pitchFamily="34" charset="-122"/>
+                <a:cs typeface="Fira Mono Medium" pitchFamily="34" charset="-120"/>
+              </a:rPr>
+              <a:t>Diseño</a:t>
+            </a:r>
+            <a:r>
+              <a:rPr lang="en-US" sz="4450" b="1" dirty="0">
+                <a:solidFill>
+                  <a:srgbClr val="FBF3FA"/>
+                </a:solidFill>
+                <a:effectLst>
+                  <a:outerShdw blurRad="38100" dist="38100" dir="2700000" algn="tl">
+                    <a:srgbClr val="000000">
+                      <a:alpha val="43137"/>
+                    </a:srgbClr>
+                  </a:outerShdw>
+                </a:effectLst>
+                <a:latin typeface="Fira Mono Medium" pitchFamily="34" charset="0"/>
+                <a:ea typeface="Fira Mono Medium" pitchFamily="34" charset="-122"/>
+                <a:cs typeface="Fira Mono Medium" pitchFamily="34" charset="-120"/>
+              </a:rPr>
+              <a:t> del Sistema: </a:t>
+            </a:r>
+            <a:r>
+              <a:rPr lang="es-ES" sz="4800" b="1" i="1" dirty="0" err="1">
+                <a:solidFill>
+                  <a:schemeClr val="bg2">
+                    <a:lumMod val="75000"/>
+                  </a:schemeClr>
                 </a:solidFill>
                 <a:effectLst>
                   <a:outerShdw blurRad="38100" dist="38100" dir="2700000" algn="tl">
@@ -11879,11 +8495,25 @@
                 </a:effectLst>
                 <a:latin typeface="Fira Sans" pitchFamily="34" charset="0"/>
                 <a:ea typeface="Fira Mono Medium" pitchFamily="34" charset="-122"/>
-                <a:cs typeface="Fira Mono Medium" pitchFamily="34" charset="-120"/>
               </a:rPr>
-              <a:t>Clientes</a:t>
+              <a:t>TechAcademy</a:t>
             </a:r>
-            <a:endParaRPr lang="en-US" sz="4450" dirty="0"/>
+            <a:endParaRPr lang="es-ES" sz="4800" b="1" i="1" dirty="0">
+              <a:solidFill>
+                <a:schemeClr val="bg2">
+                  <a:lumMod val="75000"/>
+                </a:schemeClr>
+              </a:solidFill>
+              <a:effectLst>
+                <a:outerShdw blurRad="38100" dist="38100" dir="2700000" algn="tl">
+                  <a:srgbClr val="000000">
+                    <a:alpha val="43137"/>
+                  </a:srgbClr>
+                </a:outerShdw>
+              </a:effectLst>
+              <a:latin typeface="Fira Sans" pitchFamily="34" charset="0"/>
+              <a:ea typeface="Fira Mono Medium" pitchFamily="34" charset="-122"/>
+            </a:endParaRPr>
           </a:p>
         </p:txBody>
       </p:sp>
@@ -11892,7 +8522,7 @@
           <p:cNvPr id="16" name="CuadroTexto 15">
             <a:extLst>
               <a:ext uri="{FF2B5EF4-FFF2-40B4-BE49-F238E27FC236}">
-                <a16:creationId xmlns:a16="http://schemas.microsoft.com/office/drawing/2014/main" id="{C407E988-A3E8-C77F-CC3D-C50F2CD32D86}"/>
+                <a16:creationId xmlns:a16="http://schemas.microsoft.com/office/drawing/2014/main" id="{9F6AF98B-6B2E-87F1-4847-1D047EB0B225}"/>
               </a:ext>
             </a:extLst>
           </p:cNvPr>
@@ -11901,8 +8531,8 @@
         </p:nvSpPr>
         <p:spPr>
           <a:xfrm>
-            <a:off x="947270" y="3699301"/>
-            <a:ext cx="12735859" cy="830997"/>
+            <a:off x="785906" y="1615395"/>
+            <a:ext cx="12948023" cy="461665"/>
           </a:xfrm>
           <a:prstGeom prst="rect">
             <a:avLst/>
@@ -11915,32 +8545,59 @@
           </a:bodyPr>
           <a:lstStyle/>
           <a:p>
-            <a:pPr indent="457200"/>
+            <a:pPr algn="l">
+              <a:spcBef>
+                <a:spcPts val="900"/>
+              </a:spcBef>
+              <a:buFont typeface="Arial" panose="020B0604020202020204" pitchFamily="34" charset="0"/>
+              <a:buChar char="•"/>
+            </a:pPr>
             <a:r>
-              <a:rPr lang="es-ES" sz="2400" b="1" dirty="0">
+              <a:rPr lang="es-ES" sz="2400" b="0" i="0" dirty="0">
                 <a:solidFill>
-                  <a:srgbClr val="E0D6DE"/>
+                  <a:srgbClr val="D2D0CE"/>
                 </a:solidFill>
-                <a:latin typeface="Fira Sans" pitchFamily="34" charset="0"/>
+                <a:effectLst/>
               </a:rPr>
-              <a:t>Contexto</a:t>
-            </a:r>
-            <a:r>
-              <a:rPr lang="es-ES" sz="2400" dirty="0">
-                <a:solidFill>
-                  <a:srgbClr val="E0D6DE"/>
-                </a:solidFill>
-                <a:latin typeface="Fira Sans" pitchFamily="34" charset="0"/>
-              </a:rPr>
-              <a:t>: Se desarrolla un procedimiento almacenado para agregar nuevos productos a una tabla de productos en una tienda en línea.</a:t>
+              <a:t>d</a:t>
             </a:r>
           </a:p>
         </p:txBody>
       </p:sp>
+      <p:pic>
+        <p:nvPicPr>
+          <p:cNvPr id="6" name="Imagen 5">
+            <a:extLst>
+              <a:ext uri="{FF2B5EF4-FFF2-40B4-BE49-F238E27FC236}">
+                <a16:creationId xmlns:a16="http://schemas.microsoft.com/office/drawing/2014/main" id="{6E4F4708-7399-3982-F98C-5115715C248E}"/>
+              </a:ext>
+            </a:extLst>
+          </p:cNvPr>
+          <p:cNvPicPr>
+            <a:picLocks noChangeAspect="1"/>
+          </p:cNvPicPr>
+          <p:nvPr/>
+        </p:nvPicPr>
+        <p:blipFill>
+          <a:blip r:embed="rId3"/>
+          <a:stretch>
+            <a:fillRect/>
+          </a:stretch>
+        </p:blipFill>
+        <p:spPr>
+          <a:xfrm>
+            <a:off x="785906" y="3081373"/>
+            <a:ext cx="13058588" cy="4572862"/>
+          </a:xfrm>
+          <a:prstGeom prst="rect">
+            <a:avLst/>
+          </a:prstGeom>
+        </p:spPr>
+      </p:pic>
     </p:spTree>
     <p:extLst>
       <p:ext uri="{BB962C8B-B14F-4D97-AF65-F5344CB8AC3E}">
-        <p14:creationId xmlns:p14="http://schemas.microsoft.com/office/powerpoint/2010/main" val="4078073459"/>
+        <p14:creationId xmlns:p14="http://schemas.microsoft.com/office/powerpoint/2010/main" val="1318333410"/>
       </p:ext>
     </p:extLst>
   </p:cSld>
@@ -12561,21 +9218,6 @@
 </file>
 
 <file path=customXml/item1.xml><?xml version="1.0" encoding="utf-8"?>
-<p:properties xmlns:p="http://schemas.microsoft.com/office/2006/metadata/properties" xmlns:xsi="http://www.w3.org/2001/XMLSchema-instance" xmlns:pc="http://schemas.microsoft.com/office/infopath/2007/PartnerControls">
-  <documentManagement/>
-</p:properties>
-</file>
-
-<file path=customXml/item2.xml><?xml version="1.0" encoding="utf-8"?>
-<?mso-contentType ?>
-<FormTemplates xmlns="http://schemas.microsoft.com/sharepoint/v3/contenttype/forms">
-  <Display>DocumentLibraryForm</Display>
-  <Edit>DocumentLibraryForm</Edit>
-  <New>DocumentLibraryForm</New>
-</FormTemplates>
-</file>
-
-<file path=customXml/item3.xml><?xml version="1.0" encoding="utf-8"?>
 <ct:contentTypeSchema xmlns:ct="http://schemas.microsoft.com/office/2006/metadata/contentType" xmlns:ma="http://schemas.microsoft.com/office/2006/metadata/properties/metaAttributes" ct:_="" ma:_="" ma:contentTypeName="Document" ma:contentTypeID="0x01010025BC4D498D5207429E769166ED0ACEAE" ma:contentTypeVersion="4" ma:contentTypeDescription="Create a new document." ma:contentTypeScope="" ma:versionID="c204b2ee593864bb69436854822224a7">
   <xsd:schema xmlns:xsd="http://www.w3.org/2001/XMLSchema" xmlns:xs="http://www.w3.org/2001/XMLSchema" xmlns:p="http://schemas.microsoft.com/office/2006/metadata/properties" xmlns:ns2="6ac32e2b-d98c-4a4c-9608-c9527292b178" targetNamespace="http://schemas.microsoft.com/office/2006/metadata/properties" ma:root="true" ma:fieldsID="0b5a596c6ae7054ed8c89beb7ebbd823" ns2:_="">
     <xsd:import namespace="6ac32e2b-d98c-4a4c-9608-c9527292b178"/>
@@ -12719,7 +9361,40 @@
 </ct:contentTypeSchema>
 </file>
 
+<file path=customXml/item2.xml><?xml version="1.0" encoding="utf-8"?>
+<p:properties xmlns:p="http://schemas.microsoft.com/office/2006/metadata/properties" xmlns:xsi="http://www.w3.org/2001/XMLSchema-instance" xmlns:pc="http://schemas.microsoft.com/office/infopath/2007/PartnerControls">
+  <documentManagement/>
+</p:properties>
+</file>
+
+<file path=customXml/item3.xml><?xml version="1.0" encoding="utf-8"?>
+<?mso-contentType ?>
+<FormTemplates xmlns="http://schemas.microsoft.com/sharepoint/v3/contenttype/forms">
+  <Display>DocumentLibraryForm</Display>
+  <Edit>DocumentLibraryForm</Edit>
+  <New>DocumentLibraryForm</New>
+</FormTemplates>
+</file>
+
 <file path=customXml/itemProps1.xml><?xml version="1.0" encoding="utf-8"?>
+<ds:datastoreItem xmlns:ds="http://schemas.openxmlformats.org/officeDocument/2006/customXml" ds:itemID="{8EB4FBDA-2CEF-4998-A216-B52AA206917A}">
+  <ds:schemaRefs>
+    <ds:schemaRef ds:uri="http://schemas.microsoft.com/office/2006/metadata/contentType"/>
+    <ds:schemaRef ds:uri="http://schemas.microsoft.com/office/2006/metadata/properties/metaAttributes"/>
+    <ds:schemaRef ds:uri="http://www.w3.org/2001/XMLSchema"/>
+    <ds:schemaRef ds:uri="http://schemas.microsoft.com/office/2006/metadata/properties"/>
+    <ds:schemaRef ds:uri="6ac32e2b-d98c-4a4c-9608-c9527292b178"/>
+    <ds:schemaRef ds:uri="http://schemas.microsoft.com/office/2006/documentManagement/types"/>
+    <ds:schemaRef ds:uri="http://schemas.microsoft.com/office/infopath/2007/PartnerControls"/>
+    <ds:schemaRef ds:uri="http://schemas.openxmlformats.org/package/2006/metadata/core-properties"/>
+    <ds:schemaRef ds:uri="http://purl.org/dc/elements/1.1/"/>
+    <ds:schemaRef ds:uri="http://purl.org/dc/terms/"/>
+    <ds:schemaRef ds:uri="http://schemas.microsoft.com/internal/obd"/>
+  </ds:schemaRefs>
+</ds:datastoreItem>
+</file>
+
+<file path=customXml/itemProps2.xml><?xml version="1.0" encoding="utf-8"?>
 <ds:datastoreItem xmlns:ds="http://schemas.openxmlformats.org/officeDocument/2006/customXml" ds:itemID="{34791792-1284-4A6F-9C3A-AB33CB91B740}">
   <ds:schemaRefs>
     <ds:schemaRef ds:uri="http://schemas.microsoft.com/office/2006/documentManagement/types"/>
@@ -12735,28 +9410,10 @@
 </ds:datastoreItem>
 </file>
 
-<file path=customXml/itemProps2.xml><?xml version="1.0" encoding="utf-8"?>
+<file path=customXml/itemProps3.xml><?xml version="1.0" encoding="utf-8"?>
 <ds:datastoreItem xmlns:ds="http://schemas.openxmlformats.org/officeDocument/2006/customXml" ds:itemID="{687ADC33-B1F5-4182-A2A0-469877E3C5D5}">
   <ds:schemaRefs>
     <ds:schemaRef ds:uri="http://schemas.microsoft.com/sharepoint/v3/contenttype/forms"/>
   </ds:schemaRefs>
 </ds:datastoreItem>
-</file>
-
-<file path=customXml/itemProps3.xml><?xml version="1.0" encoding="utf-8"?>
-<ds:datastoreItem xmlns:ds="http://schemas.openxmlformats.org/officeDocument/2006/customXml" ds:itemID="{8EB4FBDA-2CEF-4998-A216-B52AA206917A}">
-  <ds:schemaRefs>
-    <ds:schemaRef ds:uri="http://schemas.microsoft.com/office/2006/metadata/contentType"/>
-    <ds:schemaRef ds:uri="http://schemas.microsoft.com/office/2006/metadata/properties/metaAttributes"/>
-    <ds:schemaRef ds:uri="http://www.w3.org/2001/XMLSchema"/>
-    <ds:schemaRef ds:uri="http://schemas.microsoft.com/office/2006/metadata/properties"/>
-    <ds:schemaRef ds:uri="6ac32e2b-d98c-4a4c-9608-c9527292b178"/>
-    <ds:schemaRef ds:uri="http://schemas.microsoft.com/office/2006/documentManagement/types"/>
-    <ds:schemaRef ds:uri="http://schemas.microsoft.com/office/infopath/2007/PartnerControls"/>
-    <ds:schemaRef ds:uri="http://schemas.openxmlformats.org/package/2006/metadata/core-properties"/>
-    <ds:schemaRef ds:uri="http://purl.org/dc/elements/1.1/"/>
-    <ds:schemaRef ds:uri="http://purl.org/dc/terms/"/>
-    <ds:schemaRef ds:uri="http://schemas.microsoft.com/internal/obd"/>
-  </ds:schemaRefs>
-</ds:datastoreItem>
 </file>